--- a/机器学习&深度学习介绍.pptx
+++ b/机器学习&深度学习介绍.pptx
@@ -10,9 +10,20 @@
     <p:sldId id="258" r:id="rId4"/>
     <p:sldId id="259" r:id="rId5"/>
     <p:sldId id="260" r:id="rId6"/>
-    <p:sldId id="261" r:id="rId7"/>
-    <p:sldId id="262" r:id="rId8"/>
-    <p:sldId id="263" r:id="rId9"/>
+    <p:sldId id="274" r:id="rId7"/>
+    <p:sldId id="261" r:id="rId8"/>
+    <p:sldId id="262" r:id="rId9"/>
+    <p:sldId id="263" r:id="rId10"/>
+    <p:sldId id="264" r:id="rId11"/>
+    <p:sldId id="265" r:id="rId12"/>
+    <p:sldId id="266" r:id="rId13"/>
+    <p:sldId id="267" r:id="rId14"/>
+    <p:sldId id="268" r:id="rId15"/>
+    <p:sldId id="269" r:id="rId16"/>
+    <p:sldId id="270" r:id="rId17"/>
+    <p:sldId id="271" r:id="rId18"/>
+    <p:sldId id="272" r:id="rId19"/>
+    <p:sldId id="273" r:id="rId20"/>
   </p:sldIdLst>
   <p:sldSz cx="9144000" cy="6858000" type="screen4x3"/>
   <p:notesSz cx="6858000" cy="9144000"/>
@@ -295,7 +306,7 @@
           <a:p>
             <a:fld id="{530820CF-B880-4189-942D-D702A7CBA730}" type="datetimeFigureOut">
               <a:rPr lang="zh-CN" altLang="en-US" smtClean="0"/>
-              <a:t>2019/3/31</a:t>
+              <a:t>2019/4/2</a:t>
             </a:fld>
             <a:endParaRPr lang="zh-CN" altLang="en-US"/>
           </a:p>
@@ -460,7 +471,7 @@
           <a:p>
             <a:fld id="{530820CF-B880-4189-942D-D702A7CBA730}" type="datetimeFigureOut">
               <a:rPr lang="zh-CN" altLang="en-US" smtClean="0"/>
-              <a:t>2019/3/31</a:t>
+              <a:t>2019/4/2</a:t>
             </a:fld>
             <a:endParaRPr lang="zh-CN" altLang="en-US"/>
           </a:p>
@@ -635,7 +646,7 @@
           <a:p>
             <a:fld id="{530820CF-B880-4189-942D-D702A7CBA730}" type="datetimeFigureOut">
               <a:rPr lang="zh-CN" altLang="en-US" smtClean="0"/>
-              <a:t>2019/3/31</a:t>
+              <a:t>2019/4/2</a:t>
             </a:fld>
             <a:endParaRPr lang="zh-CN" altLang="en-US"/>
           </a:p>
@@ -800,7 +811,7 @@
           <a:p>
             <a:fld id="{530820CF-B880-4189-942D-D702A7CBA730}" type="datetimeFigureOut">
               <a:rPr lang="zh-CN" altLang="en-US" smtClean="0"/>
-              <a:t>2019/3/31</a:t>
+              <a:t>2019/4/2</a:t>
             </a:fld>
             <a:endParaRPr lang="zh-CN" altLang="en-US"/>
           </a:p>
@@ -1041,7 +1052,7 @@
           <a:p>
             <a:fld id="{530820CF-B880-4189-942D-D702A7CBA730}" type="datetimeFigureOut">
               <a:rPr lang="zh-CN" altLang="en-US" smtClean="0"/>
-              <a:t>2019/3/31</a:t>
+              <a:t>2019/4/2</a:t>
             </a:fld>
             <a:endParaRPr lang="zh-CN" altLang="en-US"/>
           </a:p>
@@ -1324,7 +1335,7 @@
           <a:p>
             <a:fld id="{530820CF-B880-4189-942D-D702A7CBA730}" type="datetimeFigureOut">
               <a:rPr lang="zh-CN" altLang="en-US" smtClean="0"/>
-              <a:t>2019/3/31</a:t>
+              <a:t>2019/4/2</a:t>
             </a:fld>
             <a:endParaRPr lang="zh-CN" altLang="en-US"/>
           </a:p>
@@ -1741,7 +1752,7 @@
           <a:p>
             <a:fld id="{530820CF-B880-4189-942D-D702A7CBA730}" type="datetimeFigureOut">
               <a:rPr lang="zh-CN" altLang="en-US" smtClean="0"/>
-              <a:t>2019/3/31</a:t>
+              <a:t>2019/4/2</a:t>
             </a:fld>
             <a:endParaRPr lang="zh-CN" altLang="en-US"/>
           </a:p>
@@ -1854,7 +1865,7 @@
           <a:p>
             <a:fld id="{530820CF-B880-4189-942D-D702A7CBA730}" type="datetimeFigureOut">
               <a:rPr lang="zh-CN" altLang="en-US" smtClean="0"/>
-              <a:t>2019/3/31</a:t>
+              <a:t>2019/4/2</a:t>
             </a:fld>
             <a:endParaRPr lang="zh-CN" altLang="en-US"/>
           </a:p>
@@ -1944,7 +1955,7 @@
           <a:p>
             <a:fld id="{530820CF-B880-4189-942D-D702A7CBA730}" type="datetimeFigureOut">
               <a:rPr lang="zh-CN" altLang="en-US" smtClean="0"/>
-              <a:t>2019/3/31</a:t>
+              <a:t>2019/4/2</a:t>
             </a:fld>
             <a:endParaRPr lang="zh-CN" altLang="en-US"/>
           </a:p>
@@ -2216,7 +2227,7 @@
           <a:p>
             <a:fld id="{530820CF-B880-4189-942D-D702A7CBA730}" type="datetimeFigureOut">
               <a:rPr lang="zh-CN" altLang="en-US" smtClean="0"/>
-              <a:t>2019/3/31</a:t>
+              <a:t>2019/4/2</a:t>
             </a:fld>
             <a:endParaRPr lang="zh-CN" altLang="en-US"/>
           </a:p>
@@ -2464,7 +2475,7 @@
           <a:p>
             <a:fld id="{530820CF-B880-4189-942D-D702A7CBA730}" type="datetimeFigureOut">
               <a:rPr lang="zh-CN" altLang="en-US" smtClean="0"/>
-              <a:t>2019/3/31</a:t>
+              <a:t>2019/4/2</a:t>
             </a:fld>
             <a:endParaRPr lang="zh-CN" altLang="en-US"/>
           </a:p>
@@ -2672,7 +2683,7 @@
           <a:p>
             <a:fld id="{530820CF-B880-4189-942D-D702A7CBA730}" type="datetimeFigureOut">
               <a:rPr lang="zh-CN" altLang="en-US" smtClean="0"/>
-              <a:t>2019/3/31</a:t>
+              <a:t>2019/4/2</a:t>
             </a:fld>
             <a:endParaRPr lang="zh-CN" altLang="en-US"/>
           </a:p>
@@ -3101,6 +3112,889 @@
       </p:par>
     </p:tnLst>
   </p:timing>
+</p:sld>
+</file>
+
+<file path=ppt/slides/slide10.xml><?xml version="1.0" encoding="utf-8"?>
+<p:sld xmlns:a="http://schemas.openxmlformats.org/drawingml/2006/main" xmlns:r="http://schemas.openxmlformats.org/officeDocument/2006/relationships" xmlns:p="http://schemas.openxmlformats.org/presentationml/2006/main">
+  <p:cSld>
+    <p:spTree>
+      <p:nvGrpSpPr>
+        <p:cNvPr id="1" name=""/>
+        <p:cNvGrpSpPr/>
+        <p:nvPr/>
+      </p:nvGrpSpPr>
+      <p:grpSpPr>
+        <a:xfrm>
+          <a:off x="0" y="0"/>
+          <a:ext cx="0" cy="0"/>
+          <a:chOff x="0" y="0"/>
+          <a:chExt cx="0" cy="0"/>
+        </a:xfrm>
+      </p:grpSpPr>
+      <p:sp>
+        <p:nvSpPr>
+          <p:cNvPr id="2" name="标题 1"/>
+          <p:cNvSpPr>
+            <a:spLocks noGrp="1"/>
+          </p:cNvSpPr>
+          <p:nvPr>
+            <p:ph type="title"/>
+          </p:nvPr>
+        </p:nvSpPr>
+        <p:spPr/>
+        <p:txBody>
+          <a:bodyPr/>
+          <a:lstStyle/>
+          <a:p>
+            <a:r>
+              <a:rPr lang="zh-CN" altLang="en-US" dirty="0" smtClean="0"/>
+              <a:t>反向传播算法</a:t>
+            </a:r>
+            <a:endParaRPr lang="zh-CN" altLang="en-US" dirty="0"/>
+          </a:p>
+        </p:txBody>
+      </p:sp>
+      <p:pic>
+        <p:nvPicPr>
+          <p:cNvPr id="4" name="内容占位符 3"/>
+          <p:cNvPicPr>
+            <a:picLocks noGrp="1" noChangeAspect="1"/>
+          </p:cNvPicPr>
+          <p:nvPr>
+            <p:ph idx="1"/>
+          </p:nvPr>
+        </p:nvPicPr>
+        <p:blipFill>
+          <a:blip r:embed="rId2">
+            <a:extLst>
+              <a:ext uri="{28A0092B-C50C-407E-A947-70E740481C1C}">
+                <a14:useLocalDpi xmlns:a14="http://schemas.microsoft.com/office/drawing/2010/main" val="0"/>
+              </a:ext>
+            </a:extLst>
+          </a:blip>
+          <a:stretch>
+            <a:fillRect/>
+          </a:stretch>
+        </p:blipFill>
+        <p:spPr>
+          <a:xfrm>
+            <a:off x="574579" y="1600200"/>
+            <a:ext cx="7994841" cy="4525963"/>
+          </a:xfrm>
+        </p:spPr>
+      </p:pic>
+    </p:spTree>
+    <p:extLst>
+      <p:ext uri="{BB962C8B-B14F-4D97-AF65-F5344CB8AC3E}">
+        <p14:creationId xmlns:p14="http://schemas.microsoft.com/office/powerpoint/2010/main" val="3041944893"/>
+      </p:ext>
+    </p:extLst>
+  </p:cSld>
+  <p:clrMapOvr>
+    <a:masterClrMapping/>
+  </p:clrMapOvr>
+</p:sld>
+</file>
+
+<file path=ppt/slides/slide11.xml><?xml version="1.0" encoding="utf-8"?>
+<p:sld xmlns:a="http://schemas.openxmlformats.org/drawingml/2006/main" xmlns:r="http://schemas.openxmlformats.org/officeDocument/2006/relationships" xmlns:p="http://schemas.openxmlformats.org/presentationml/2006/main">
+  <p:cSld>
+    <p:spTree>
+      <p:nvGrpSpPr>
+        <p:cNvPr id="1" name=""/>
+        <p:cNvGrpSpPr/>
+        <p:nvPr/>
+      </p:nvGrpSpPr>
+      <p:grpSpPr>
+        <a:xfrm>
+          <a:off x="0" y="0"/>
+          <a:ext cx="0" cy="0"/>
+          <a:chOff x="0" y="0"/>
+          <a:chExt cx="0" cy="0"/>
+        </a:xfrm>
+      </p:grpSpPr>
+      <p:sp>
+        <p:nvSpPr>
+          <p:cNvPr id="2" name="标题 1"/>
+          <p:cNvSpPr>
+            <a:spLocks noGrp="1"/>
+          </p:cNvSpPr>
+          <p:nvPr>
+            <p:ph type="title"/>
+          </p:nvPr>
+        </p:nvSpPr>
+        <p:spPr/>
+        <p:txBody>
+          <a:bodyPr/>
+          <a:lstStyle/>
+          <a:p>
+            <a:r>
+              <a:rPr lang="zh-CN" altLang="en-US" dirty="0" smtClean="0"/>
+              <a:t>反向传播算法</a:t>
+            </a:r>
+            <a:endParaRPr lang="zh-CN" altLang="en-US" dirty="0"/>
+          </a:p>
+        </p:txBody>
+      </p:sp>
+      <p:pic>
+        <p:nvPicPr>
+          <p:cNvPr id="4" name="内容占位符 3"/>
+          <p:cNvPicPr>
+            <a:picLocks noGrp="1" noChangeAspect="1"/>
+          </p:cNvPicPr>
+          <p:nvPr>
+            <p:ph idx="1"/>
+          </p:nvPr>
+        </p:nvPicPr>
+        <p:blipFill>
+          <a:blip r:embed="rId2">
+            <a:extLst>
+              <a:ext uri="{28A0092B-C50C-407E-A947-70E740481C1C}">
+                <a14:useLocalDpi xmlns:a14="http://schemas.microsoft.com/office/drawing/2010/main" val="0"/>
+              </a:ext>
+            </a:extLst>
+          </a:blip>
+          <a:stretch>
+            <a:fillRect/>
+          </a:stretch>
+        </p:blipFill>
+        <p:spPr>
+          <a:xfrm>
+            <a:off x="323528" y="1412776"/>
+            <a:ext cx="8280920" cy="4713387"/>
+          </a:xfrm>
+        </p:spPr>
+      </p:pic>
+    </p:spTree>
+    <p:extLst>
+      <p:ext uri="{BB962C8B-B14F-4D97-AF65-F5344CB8AC3E}">
+        <p14:creationId xmlns:p14="http://schemas.microsoft.com/office/powerpoint/2010/main" val="1182244417"/>
+      </p:ext>
+    </p:extLst>
+  </p:cSld>
+  <p:clrMapOvr>
+    <a:masterClrMapping/>
+  </p:clrMapOvr>
+</p:sld>
+</file>
+
+<file path=ppt/slides/slide12.xml><?xml version="1.0" encoding="utf-8"?>
+<p:sld xmlns:a="http://schemas.openxmlformats.org/drawingml/2006/main" xmlns:r="http://schemas.openxmlformats.org/officeDocument/2006/relationships" xmlns:p="http://schemas.openxmlformats.org/presentationml/2006/main">
+  <p:cSld>
+    <p:spTree>
+      <p:nvGrpSpPr>
+        <p:cNvPr id="1" name=""/>
+        <p:cNvGrpSpPr/>
+        <p:nvPr/>
+      </p:nvGrpSpPr>
+      <p:grpSpPr>
+        <a:xfrm>
+          <a:off x="0" y="0"/>
+          <a:ext cx="0" cy="0"/>
+          <a:chOff x="0" y="0"/>
+          <a:chExt cx="0" cy="0"/>
+        </a:xfrm>
+      </p:grpSpPr>
+      <p:sp>
+        <p:nvSpPr>
+          <p:cNvPr id="2" name="标题 1"/>
+          <p:cNvSpPr>
+            <a:spLocks noGrp="1"/>
+          </p:cNvSpPr>
+          <p:nvPr>
+            <p:ph type="title"/>
+          </p:nvPr>
+        </p:nvSpPr>
+        <p:spPr>
+          <a:xfrm>
+            <a:off x="457200" y="274638"/>
+            <a:ext cx="8229600" cy="778098"/>
+          </a:xfrm>
+        </p:spPr>
+        <p:txBody>
+          <a:bodyPr/>
+          <a:lstStyle/>
+          <a:p>
+            <a:r>
+              <a:rPr lang="zh-CN" altLang="en-US" dirty="0" smtClean="0"/>
+              <a:t>反向传播算法</a:t>
+            </a:r>
+            <a:endParaRPr lang="zh-CN" altLang="en-US" dirty="0"/>
+          </a:p>
+        </p:txBody>
+      </p:sp>
+      <p:pic>
+        <p:nvPicPr>
+          <p:cNvPr id="4" name="内容占位符 3"/>
+          <p:cNvPicPr>
+            <a:picLocks noGrp="1" noChangeAspect="1"/>
+          </p:cNvPicPr>
+          <p:nvPr>
+            <p:ph idx="1"/>
+          </p:nvPr>
+        </p:nvPicPr>
+        <p:blipFill>
+          <a:blip r:embed="rId2" cstate="print">
+            <a:extLst>
+              <a:ext uri="{28A0092B-C50C-407E-A947-70E740481C1C}">
+                <a14:useLocalDpi xmlns:a14="http://schemas.microsoft.com/office/drawing/2010/main" val="0"/>
+              </a:ext>
+            </a:extLst>
+          </a:blip>
+          <a:stretch>
+            <a:fillRect/>
+          </a:stretch>
+        </p:blipFill>
+        <p:spPr>
+          <a:xfrm>
+            <a:off x="251520" y="908720"/>
+            <a:ext cx="8712968" cy="5760640"/>
+          </a:xfrm>
+        </p:spPr>
+      </p:pic>
+    </p:spTree>
+    <p:extLst>
+      <p:ext uri="{BB962C8B-B14F-4D97-AF65-F5344CB8AC3E}">
+        <p14:creationId xmlns:p14="http://schemas.microsoft.com/office/powerpoint/2010/main" val="2982537820"/>
+      </p:ext>
+    </p:extLst>
+  </p:cSld>
+  <p:clrMapOvr>
+    <a:masterClrMapping/>
+  </p:clrMapOvr>
+</p:sld>
+</file>
+
+<file path=ppt/slides/slide13.xml><?xml version="1.0" encoding="utf-8"?>
+<p:sld xmlns:a="http://schemas.openxmlformats.org/drawingml/2006/main" xmlns:r="http://schemas.openxmlformats.org/officeDocument/2006/relationships" xmlns:p="http://schemas.openxmlformats.org/presentationml/2006/main">
+  <p:cSld>
+    <p:spTree>
+      <p:nvGrpSpPr>
+        <p:cNvPr id="1" name=""/>
+        <p:cNvGrpSpPr/>
+        <p:nvPr/>
+      </p:nvGrpSpPr>
+      <p:grpSpPr>
+        <a:xfrm>
+          <a:off x="0" y="0"/>
+          <a:ext cx="0" cy="0"/>
+          <a:chOff x="0" y="0"/>
+          <a:chExt cx="0" cy="0"/>
+        </a:xfrm>
+      </p:grpSpPr>
+      <p:sp>
+        <p:nvSpPr>
+          <p:cNvPr id="2" name="标题 1"/>
+          <p:cNvSpPr>
+            <a:spLocks noGrp="1"/>
+          </p:cNvSpPr>
+          <p:nvPr>
+            <p:ph type="title"/>
+          </p:nvPr>
+        </p:nvSpPr>
+        <p:spPr/>
+        <p:txBody>
+          <a:bodyPr/>
+          <a:lstStyle/>
+          <a:p>
+            <a:r>
+              <a:rPr lang="zh-CN" altLang="en-US" dirty="0" smtClean="0"/>
+              <a:t>反向传播算法</a:t>
+            </a:r>
+            <a:endParaRPr lang="zh-CN" altLang="en-US" dirty="0"/>
+          </a:p>
+        </p:txBody>
+      </p:sp>
+      <p:pic>
+        <p:nvPicPr>
+          <p:cNvPr id="4" name="内容占位符 3"/>
+          <p:cNvPicPr>
+            <a:picLocks noGrp="1" noChangeAspect="1"/>
+          </p:cNvPicPr>
+          <p:nvPr>
+            <p:ph idx="1"/>
+          </p:nvPr>
+        </p:nvPicPr>
+        <p:blipFill>
+          <a:blip r:embed="rId2">
+            <a:extLst>
+              <a:ext uri="{28A0092B-C50C-407E-A947-70E740481C1C}">
+                <a14:useLocalDpi xmlns:a14="http://schemas.microsoft.com/office/drawing/2010/main" val="0"/>
+              </a:ext>
+            </a:extLst>
+          </a:blip>
+          <a:stretch>
+            <a:fillRect/>
+          </a:stretch>
+        </p:blipFill>
+        <p:spPr>
+          <a:xfrm>
+            <a:off x="457200" y="1484784"/>
+            <a:ext cx="8229600" cy="4608512"/>
+          </a:xfrm>
+        </p:spPr>
+      </p:pic>
+    </p:spTree>
+    <p:extLst>
+      <p:ext uri="{BB962C8B-B14F-4D97-AF65-F5344CB8AC3E}">
+        <p14:creationId xmlns:p14="http://schemas.microsoft.com/office/powerpoint/2010/main" val="2902397755"/>
+      </p:ext>
+    </p:extLst>
+  </p:cSld>
+  <p:clrMapOvr>
+    <a:masterClrMapping/>
+  </p:clrMapOvr>
+</p:sld>
+</file>
+
+<file path=ppt/slides/slide14.xml><?xml version="1.0" encoding="utf-8"?>
+<p:sld xmlns:a="http://schemas.openxmlformats.org/drawingml/2006/main" xmlns:r="http://schemas.openxmlformats.org/officeDocument/2006/relationships" xmlns:p="http://schemas.openxmlformats.org/presentationml/2006/main">
+  <p:cSld>
+    <p:spTree>
+      <p:nvGrpSpPr>
+        <p:cNvPr id="1" name=""/>
+        <p:cNvGrpSpPr/>
+        <p:nvPr/>
+      </p:nvGrpSpPr>
+      <p:grpSpPr>
+        <a:xfrm>
+          <a:off x="0" y="0"/>
+          <a:ext cx="0" cy="0"/>
+          <a:chOff x="0" y="0"/>
+          <a:chExt cx="0" cy="0"/>
+        </a:xfrm>
+      </p:grpSpPr>
+      <p:sp>
+        <p:nvSpPr>
+          <p:cNvPr id="2" name="标题 1"/>
+          <p:cNvSpPr>
+            <a:spLocks noGrp="1"/>
+          </p:cNvSpPr>
+          <p:nvPr>
+            <p:ph type="title"/>
+          </p:nvPr>
+        </p:nvSpPr>
+        <p:spPr/>
+        <p:txBody>
+          <a:bodyPr/>
+          <a:lstStyle/>
+          <a:p>
+            <a:r>
+              <a:rPr lang="zh-CN" altLang="en-US" dirty="0" smtClean="0"/>
+              <a:t>反向传播算法</a:t>
+            </a:r>
+            <a:endParaRPr lang="zh-CN" altLang="en-US" dirty="0"/>
+          </a:p>
+        </p:txBody>
+      </p:sp>
+      <p:pic>
+        <p:nvPicPr>
+          <p:cNvPr id="4" name="内容占位符 3"/>
+          <p:cNvPicPr>
+            <a:picLocks noGrp="1" noChangeAspect="1"/>
+          </p:cNvPicPr>
+          <p:nvPr>
+            <p:ph idx="1"/>
+          </p:nvPr>
+        </p:nvPicPr>
+        <p:blipFill>
+          <a:blip r:embed="rId2" cstate="print">
+            <a:extLst>
+              <a:ext uri="{28A0092B-C50C-407E-A947-70E740481C1C}">
+                <a14:useLocalDpi xmlns:a14="http://schemas.microsoft.com/office/drawing/2010/main" val="0"/>
+              </a:ext>
+            </a:extLst>
+          </a:blip>
+          <a:stretch>
+            <a:fillRect/>
+          </a:stretch>
+        </p:blipFill>
+        <p:spPr>
+          <a:xfrm>
+            <a:off x="323528" y="44624"/>
+            <a:ext cx="8568952" cy="6772599"/>
+          </a:xfrm>
+        </p:spPr>
+      </p:pic>
+    </p:spTree>
+    <p:extLst>
+      <p:ext uri="{BB962C8B-B14F-4D97-AF65-F5344CB8AC3E}">
+        <p14:creationId xmlns:p14="http://schemas.microsoft.com/office/powerpoint/2010/main" val="3530162946"/>
+      </p:ext>
+    </p:extLst>
+  </p:cSld>
+  <p:clrMapOvr>
+    <a:masterClrMapping/>
+  </p:clrMapOvr>
+  <p:timing>
+    <p:tnLst>
+      <p:par>
+        <p:cTn id="1" dur="indefinite" restart="never" nodeType="tmRoot"/>
+      </p:par>
+    </p:tnLst>
+  </p:timing>
+</p:sld>
+</file>
+
+<file path=ppt/slides/slide15.xml><?xml version="1.0" encoding="utf-8"?>
+<p:sld xmlns:a="http://schemas.openxmlformats.org/drawingml/2006/main" xmlns:r="http://schemas.openxmlformats.org/officeDocument/2006/relationships" xmlns:p="http://schemas.openxmlformats.org/presentationml/2006/main">
+  <p:cSld>
+    <p:spTree>
+      <p:nvGrpSpPr>
+        <p:cNvPr id="1" name=""/>
+        <p:cNvGrpSpPr/>
+        <p:nvPr/>
+      </p:nvGrpSpPr>
+      <p:grpSpPr>
+        <a:xfrm>
+          <a:off x="0" y="0"/>
+          <a:ext cx="0" cy="0"/>
+          <a:chOff x="0" y="0"/>
+          <a:chExt cx="0" cy="0"/>
+        </a:xfrm>
+      </p:grpSpPr>
+      <p:sp>
+        <p:nvSpPr>
+          <p:cNvPr id="2" name="标题 1"/>
+          <p:cNvSpPr>
+            <a:spLocks noGrp="1"/>
+          </p:cNvSpPr>
+          <p:nvPr>
+            <p:ph type="title"/>
+          </p:nvPr>
+        </p:nvSpPr>
+        <p:spPr/>
+        <p:txBody>
+          <a:bodyPr/>
+          <a:lstStyle/>
+          <a:p>
+            <a:r>
+              <a:rPr lang="zh-CN" altLang="en-US" dirty="0" smtClean="0"/>
+              <a:t>反向传播算法</a:t>
+            </a:r>
+            <a:endParaRPr lang="zh-CN" altLang="en-US" dirty="0"/>
+          </a:p>
+        </p:txBody>
+      </p:sp>
+      <p:pic>
+        <p:nvPicPr>
+          <p:cNvPr id="4" name="内容占位符 3"/>
+          <p:cNvPicPr>
+            <a:picLocks noGrp="1" noChangeAspect="1"/>
+          </p:cNvPicPr>
+          <p:nvPr>
+            <p:ph idx="1"/>
+          </p:nvPr>
+        </p:nvPicPr>
+        <p:blipFill>
+          <a:blip r:embed="rId2" cstate="print">
+            <a:extLst>
+              <a:ext uri="{28A0092B-C50C-407E-A947-70E740481C1C}">
+                <a14:useLocalDpi xmlns:a14="http://schemas.microsoft.com/office/drawing/2010/main" val="0"/>
+              </a:ext>
+            </a:extLst>
+          </a:blip>
+          <a:stretch>
+            <a:fillRect/>
+          </a:stretch>
+        </p:blipFill>
+        <p:spPr>
+          <a:xfrm>
+            <a:off x="179512" y="-48989"/>
+            <a:ext cx="8784976" cy="6916159"/>
+          </a:xfrm>
+        </p:spPr>
+      </p:pic>
+    </p:spTree>
+    <p:extLst>
+      <p:ext uri="{BB962C8B-B14F-4D97-AF65-F5344CB8AC3E}">
+        <p14:creationId xmlns:p14="http://schemas.microsoft.com/office/powerpoint/2010/main" val="1332617776"/>
+      </p:ext>
+    </p:extLst>
+  </p:cSld>
+  <p:clrMapOvr>
+    <a:masterClrMapping/>
+  </p:clrMapOvr>
+  <p:timing>
+    <p:tnLst>
+      <p:par>
+        <p:cTn id="1" dur="indefinite" restart="never" nodeType="tmRoot"/>
+      </p:par>
+    </p:tnLst>
+  </p:timing>
+</p:sld>
+</file>
+
+<file path=ppt/slides/slide16.xml><?xml version="1.0" encoding="utf-8"?>
+<p:sld xmlns:a="http://schemas.openxmlformats.org/drawingml/2006/main" xmlns:r="http://schemas.openxmlformats.org/officeDocument/2006/relationships" xmlns:p="http://schemas.openxmlformats.org/presentationml/2006/main">
+  <p:cSld>
+    <p:spTree>
+      <p:nvGrpSpPr>
+        <p:cNvPr id="1" name=""/>
+        <p:cNvGrpSpPr/>
+        <p:nvPr/>
+      </p:nvGrpSpPr>
+      <p:grpSpPr>
+        <a:xfrm>
+          <a:off x="0" y="0"/>
+          <a:ext cx="0" cy="0"/>
+          <a:chOff x="0" y="0"/>
+          <a:chExt cx="0" cy="0"/>
+        </a:xfrm>
+      </p:grpSpPr>
+      <p:sp>
+        <p:nvSpPr>
+          <p:cNvPr id="2" name="标题 1"/>
+          <p:cNvSpPr>
+            <a:spLocks noGrp="1"/>
+          </p:cNvSpPr>
+          <p:nvPr>
+            <p:ph type="title"/>
+          </p:nvPr>
+        </p:nvSpPr>
+        <p:spPr/>
+        <p:txBody>
+          <a:bodyPr/>
+          <a:lstStyle/>
+          <a:p>
+            <a:r>
+              <a:rPr lang="zh-CN" altLang="en-US" dirty="0" smtClean="0"/>
+              <a:t>反向传播算法</a:t>
+            </a:r>
+            <a:endParaRPr lang="zh-CN" altLang="en-US" dirty="0"/>
+          </a:p>
+        </p:txBody>
+      </p:sp>
+      <p:pic>
+        <p:nvPicPr>
+          <p:cNvPr id="4" name="内容占位符 3"/>
+          <p:cNvPicPr>
+            <a:picLocks noGrp="1" noChangeAspect="1"/>
+          </p:cNvPicPr>
+          <p:nvPr>
+            <p:ph idx="1"/>
+          </p:nvPr>
+        </p:nvPicPr>
+        <p:blipFill>
+          <a:blip r:embed="rId2">
+            <a:extLst>
+              <a:ext uri="{28A0092B-C50C-407E-A947-70E740481C1C}">
+                <a14:useLocalDpi xmlns:a14="http://schemas.microsoft.com/office/drawing/2010/main" val="0"/>
+              </a:ext>
+            </a:extLst>
+          </a:blip>
+          <a:stretch>
+            <a:fillRect/>
+          </a:stretch>
+        </p:blipFill>
+        <p:spPr>
+          <a:xfrm>
+            <a:off x="179512" y="1412776"/>
+            <a:ext cx="8784976" cy="2392801"/>
+          </a:xfrm>
+        </p:spPr>
+      </p:pic>
+    </p:spTree>
+    <p:extLst>
+      <p:ext uri="{BB962C8B-B14F-4D97-AF65-F5344CB8AC3E}">
+        <p14:creationId xmlns:p14="http://schemas.microsoft.com/office/powerpoint/2010/main" val="3942162563"/>
+      </p:ext>
+    </p:extLst>
+  </p:cSld>
+  <p:clrMapOvr>
+    <a:masterClrMapping/>
+  </p:clrMapOvr>
+  <p:timing>
+    <p:tnLst>
+      <p:par>
+        <p:cTn id="1" dur="indefinite" restart="never" nodeType="tmRoot"/>
+      </p:par>
+    </p:tnLst>
+  </p:timing>
+</p:sld>
+</file>
+
+<file path=ppt/slides/slide17.xml><?xml version="1.0" encoding="utf-8"?>
+<p:sld xmlns:a="http://schemas.openxmlformats.org/drawingml/2006/main" xmlns:r="http://schemas.openxmlformats.org/officeDocument/2006/relationships" xmlns:p="http://schemas.openxmlformats.org/presentationml/2006/main">
+  <p:cSld>
+    <p:spTree>
+      <p:nvGrpSpPr>
+        <p:cNvPr id="1" name=""/>
+        <p:cNvGrpSpPr/>
+        <p:nvPr/>
+      </p:nvGrpSpPr>
+      <p:grpSpPr>
+        <a:xfrm>
+          <a:off x="0" y="0"/>
+          <a:ext cx="0" cy="0"/>
+          <a:chOff x="0" y="0"/>
+          <a:chExt cx="0" cy="0"/>
+        </a:xfrm>
+      </p:grpSpPr>
+      <p:sp>
+        <p:nvSpPr>
+          <p:cNvPr id="2" name="标题 1"/>
+          <p:cNvSpPr>
+            <a:spLocks noGrp="1"/>
+          </p:cNvSpPr>
+          <p:nvPr>
+            <p:ph type="title"/>
+          </p:nvPr>
+        </p:nvSpPr>
+        <p:spPr/>
+        <p:txBody>
+          <a:bodyPr/>
+          <a:lstStyle/>
+          <a:p>
+            <a:r>
+              <a:rPr lang="zh-CN" altLang="en-US" dirty="0" smtClean="0"/>
+              <a:t>反向传播算法</a:t>
+            </a:r>
+            <a:endParaRPr lang="zh-CN" altLang="en-US" dirty="0"/>
+          </a:p>
+        </p:txBody>
+      </p:sp>
+      <p:pic>
+        <p:nvPicPr>
+          <p:cNvPr id="4" name="内容占位符 3"/>
+          <p:cNvPicPr>
+            <a:picLocks noGrp="1" noChangeAspect="1"/>
+          </p:cNvPicPr>
+          <p:nvPr>
+            <p:ph idx="1"/>
+          </p:nvPr>
+        </p:nvPicPr>
+        <p:blipFill>
+          <a:blip r:embed="rId2" cstate="print">
+            <a:extLst>
+              <a:ext uri="{28A0092B-C50C-407E-A947-70E740481C1C}">
+                <a14:useLocalDpi xmlns:a14="http://schemas.microsoft.com/office/drawing/2010/main" val="0"/>
+              </a:ext>
+            </a:extLst>
+          </a:blip>
+          <a:stretch>
+            <a:fillRect/>
+          </a:stretch>
+        </p:blipFill>
+        <p:spPr>
+          <a:xfrm>
+            <a:off x="1619672" y="188640"/>
+            <a:ext cx="5976664" cy="6202756"/>
+          </a:xfrm>
+        </p:spPr>
+      </p:pic>
+    </p:spTree>
+    <p:extLst>
+      <p:ext uri="{BB962C8B-B14F-4D97-AF65-F5344CB8AC3E}">
+        <p14:creationId xmlns:p14="http://schemas.microsoft.com/office/powerpoint/2010/main" val="3292272676"/>
+      </p:ext>
+    </p:extLst>
+  </p:cSld>
+  <p:clrMapOvr>
+    <a:masterClrMapping/>
+  </p:clrMapOvr>
+  <p:timing>
+    <p:tnLst>
+      <p:par>
+        <p:cTn id="1" dur="indefinite" restart="never" nodeType="tmRoot"/>
+      </p:par>
+    </p:tnLst>
+  </p:timing>
+</p:sld>
+</file>
+
+<file path=ppt/slides/slide18.xml><?xml version="1.0" encoding="utf-8"?>
+<p:sld xmlns:a="http://schemas.openxmlformats.org/drawingml/2006/main" xmlns:r="http://schemas.openxmlformats.org/officeDocument/2006/relationships" xmlns:p="http://schemas.openxmlformats.org/presentationml/2006/main">
+  <p:cSld>
+    <p:spTree>
+      <p:nvGrpSpPr>
+        <p:cNvPr id="1" name=""/>
+        <p:cNvGrpSpPr/>
+        <p:nvPr/>
+      </p:nvGrpSpPr>
+      <p:grpSpPr>
+        <a:xfrm>
+          <a:off x="0" y="0"/>
+          <a:ext cx="0" cy="0"/>
+          <a:chOff x="0" y="0"/>
+          <a:chExt cx="0" cy="0"/>
+        </a:xfrm>
+      </p:grpSpPr>
+      <p:sp>
+        <p:nvSpPr>
+          <p:cNvPr id="2" name="标题 1"/>
+          <p:cNvSpPr>
+            <a:spLocks noGrp="1"/>
+          </p:cNvSpPr>
+          <p:nvPr>
+            <p:ph type="title"/>
+          </p:nvPr>
+        </p:nvSpPr>
+        <p:spPr/>
+        <p:txBody>
+          <a:bodyPr/>
+          <a:lstStyle/>
+          <a:p>
+            <a:r>
+              <a:rPr lang="zh-CN" altLang="en-US" dirty="0" smtClean="0"/>
+              <a:t>反向传播算法</a:t>
+            </a:r>
+            <a:endParaRPr lang="zh-CN" altLang="en-US" dirty="0"/>
+          </a:p>
+        </p:txBody>
+      </p:sp>
+      <p:pic>
+        <p:nvPicPr>
+          <p:cNvPr id="4" name="内容占位符 3"/>
+          <p:cNvPicPr>
+            <a:picLocks noGrp="1" noChangeAspect="1"/>
+          </p:cNvPicPr>
+          <p:nvPr>
+            <p:ph idx="1"/>
+          </p:nvPr>
+        </p:nvPicPr>
+        <p:blipFill>
+          <a:blip r:embed="rId2">
+            <a:extLst>
+              <a:ext uri="{28A0092B-C50C-407E-A947-70E740481C1C}">
+                <a14:useLocalDpi xmlns:a14="http://schemas.microsoft.com/office/drawing/2010/main" val="0"/>
+              </a:ext>
+            </a:extLst>
+          </a:blip>
+          <a:stretch>
+            <a:fillRect/>
+          </a:stretch>
+        </p:blipFill>
+        <p:spPr>
+          <a:xfrm>
+            <a:off x="204203" y="1412776"/>
+            <a:ext cx="8688277" cy="1691927"/>
+          </a:xfrm>
+        </p:spPr>
+      </p:pic>
+      <p:pic>
+        <p:nvPicPr>
+          <p:cNvPr id="5" name="图片 4"/>
+          <p:cNvPicPr>
+            <a:picLocks noChangeAspect="1"/>
+          </p:cNvPicPr>
+          <p:nvPr/>
+        </p:nvPicPr>
+        <p:blipFill>
+          <a:blip r:embed="rId3">
+            <a:extLst>
+              <a:ext uri="{28A0092B-C50C-407E-A947-70E740481C1C}">
+                <a14:useLocalDpi xmlns:a14="http://schemas.microsoft.com/office/drawing/2010/main" val="0"/>
+              </a:ext>
+            </a:extLst>
+          </a:blip>
+          <a:stretch>
+            <a:fillRect/>
+          </a:stretch>
+        </p:blipFill>
+        <p:spPr>
+          <a:xfrm>
+            <a:off x="251520" y="3081999"/>
+            <a:ext cx="8673793" cy="2003185"/>
+          </a:xfrm>
+          <a:prstGeom prst="rect">
+            <a:avLst/>
+          </a:prstGeom>
+        </p:spPr>
+      </p:pic>
+    </p:spTree>
+    <p:extLst>
+      <p:ext uri="{BB962C8B-B14F-4D97-AF65-F5344CB8AC3E}">
+        <p14:creationId xmlns:p14="http://schemas.microsoft.com/office/powerpoint/2010/main" val="3147183671"/>
+      </p:ext>
+    </p:extLst>
+  </p:cSld>
+  <p:clrMapOvr>
+    <a:masterClrMapping/>
+  </p:clrMapOvr>
+</p:sld>
+</file>
+
+<file path=ppt/slides/slide19.xml><?xml version="1.0" encoding="utf-8"?>
+<p:sld xmlns:a="http://schemas.openxmlformats.org/drawingml/2006/main" xmlns:r="http://schemas.openxmlformats.org/officeDocument/2006/relationships" xmlns:p="http://schemas.openxmlformats.org/presentationml/2006/main">
+  <p:cSld>
+    <p:spTree>
+      <p:nvGrpSpPr>
+        <p:cNvPr id="1" name=""/>
+        <p:cNvGrpSpPr/>
+        <p:nvPr/>
+      </p:nvGrpSpPr>
+      <p:grpSpPr>
+        <a:xfrm>
+          <a:off x="0" y="0"/>
+          <a:ext cx="0" cy="0"/>
+          <a:chOff x="0" y="0"/>
+          <a:chExt cx="0" cy="0"/>
+        </a:xfrm>
+      </p:grpSpPr>
+      <p:sp>
+        <p:nvSpPr>
+          <p:cNvPr id="2" name="标题 1"/>
+          <p:cNvSpPr>
+            <a:spLocks noGrp="1"/>
+          </p:cNvSpPr>
+          <p:nvPr>
+            <p:ph type="title"/>
+          </p:nvPr>
+        </p:nvSpPr>
+        <p:spPr/>
+        <p:txBody>
+          <a:bodyPr/>
+          <a:lstStyle/>
+          <a:p>
+            <a:r>
+              <a:rPr lang="zh-CN" altLang="en-US" dirty="0" smtClean="0"/>
+              <a:t>反向传播算法</a:t>
+            </a:r>
+            <a:endParaRPr lang="zh-CN" altLang="en-US" dirty="0"/>
+          </a:p>
+        </p:txBody>
+      </p:sp>
+      <p:pic>
+        <p:nvPicPr>
+          <p:cNvPr id="4" name="内容占位符 3"/>
+          <p:cNvPicPr>
+            <a:picLocks noGrp="1" noChangeAspect="1"/>
+          </p:cNvPicPr>
+          <p:nvPr>
+            <p:ph idx="1"/>
+          </p:nvPr>
+        </p:nvPicPr>
+        <p:blipFill>
+          <a:blip r:embed="rId2">
+            <a:extLst>
+              <a:ext uri="{28A0092B-C50C-407E-A947-70E740481C1C}">
+                <a14:useLocalDpi xmlns:a14="http://schemas.microsoft.com/office/drawing/2010/main" val="0"/>
+              </a:ext>
+            </a:extLst>
+          </a:blip>
+          <a:stretch>
+            <a:fillRect/>
+          </a:stretch>
+        </p:blipFill>
+        <p:spPr>
+          <a:xfrm>
+            <a:off x="755577" y="84410"/>
+            <a:ext cx="7560839" cy="6656958"/>
+          </a:xfrm>
+        </p:spPr>
+      </p:pic>
+    </p:spTree>
+    <p:extLst>
+      <p:ext uri="{BB962C8B-B14F-4D97-AF65-F5344CB8AC3E}">
+        <p14:creationId xmlns:p14="http://schemas.microsoft.com/office/powerpoint/2010/main" val="3183444785"/>
+      </p:ext>
+    </p:extLst>
+  </p:cSld>
+  <p:clrMapOvr>
+    <a:masterClrMapping/>
+  </p:clrMapOvr>
 </p:sld>
 </file>
 
@@ -3937,8 +4831,8 @@
           </a:p>
         </p:txBody>
       </p:sp>
-      <mc:AlternateContent xmlns:mc="http://schemas.openxmlformats.org/markup-compatibility/2006">
-        <mc:Choice xmlns:a14="http://schemas.microsoft.com/office/drawing/2010/main" Requires="a14">
+      <mc:AlternateContent xmlns:mc="http://schemas.openxmlformats.org/markup-compatibility/2006" xmlns:a14="http://schemas.microsoft.com/office/drawing/2010/main">
+        <mc:Choice Requires="a14">
           <p:sp>
             <p:nvSpPr>
               <p:cNvPr id="3" name="内容占位符 2"/>
@@ -4185,7 +5079,7 @@
             </p:txBody>
           </p:sp>
         </mc:Choice>
-        <mc:Fallback>
+        <mc:Fallback xmlns="">
           <p:sp>
             <p:nvSpPr>
               <p:cNvPr id="3" name="内容占位符 2"/>
@@ -4272,6 +5166,88 @@
           <a:lstStyle/>
           <a:p>
             <a:r>
+              <a:rPr lang="zh-CN" altLang="en-US" dirty="0" smtClean="0"/>
+              <a:t>模拟大脑神经元</a:t>
+            </a:r>
+            <a:endParaRPr lang="zh-CN" altLang="en-US" dirty="0"/>
+          </a:p>
+        </p:txBody>
+      </p:sp>
+      <p:pic>
+        <p:nvPicPr>
+          <p:cNvPr id="4" name="内容占位符 3"/>
+          <p:cNvPicPr>
+            <a:picLocks noGrp="1" noChangeAspect="1"/>
+          </p:cNvPicPr>
+          <p:nvPr>
+            <p:ph idx="1"/>
+          </p:nvPr>
+        </p:nvPicPr>
+        <p:blipFill>
+          <a:blip r:embed="rId2">
+            <a:extLst>
+              <a:ext uri="{28A0092B-C50C-407E-A947-70E740481C1C}">
+                <a14:useLocalDpi xmlns:a14="http://schemas.microsoft.com/office/drawing/2010/main" val="0"/>
+              </a:ext>
+            </a:extLst>
+          </a:blip>
+          <a:stretch>
+            <a:fillRect/>
+          </a:stretch>
+        </p:blipFill>
+        <p:spPr>
+          <a:xfrm>
+            <a:off x="1186305" y="1700808"/>
+            <a:ext cx="6914087" cy="3462258"/>
+          </a:xfrm>
+        </p:spPr>
+      </p:pic>
+    </p:spTree>
+    <p:extLst>
+      <p:ext uri="{BB962C8B-B14F-4D97-AF65-F5344CB8AC3E}">
+        <p14:creationId xmlns:p14="http://schemas.microsoft.com/office/powerpoint/2010/main" val="410378593"/>
+      </p:ext>
+    </p:extLst>
+  </p:cSld>
+  <p:clrMapOvr>
+    <a:masterClrMapping/>
+  </p:clrMapOvr>
+</p:sld>
+</file>
+
+<file path=ppt/slides/slide7.xml><?xml version="1.0" encoding="utf-8"?>
+<p:sld xmlns:a="http://schemas.openxmlformats.org/drawingml/2006/main" xmlns:r="http://schemas.openxmlformats.org/officeDocument/2006/relationships" xmlns:p="http://schemas.openxmlformats.org/presentationml/2006/main">
+  <p:cSld>
+    <p:spTree>
+      <p:nvGrpSpPr>
+        <p:cNvPr id="1" name=""/>
+        <p:cNvGrpSpPr/>
+        <p:nvPr/>
+      </p:nvGrpSpPr>
+      <p:grpSpPr>
+        <a:xfrm>
+          <a:off x="0" y="0"/>
+          <a:ext cx="0" cy="0"/>
+          <a:chOff x="0" y="0"/>
+          <a:chExt cx="0" cy="0"/>
+        </a:xfrm>
+      </p:grpSpPr>
+      <p:sp>
+        <p:nvSpPr>
+          <p:cNvPr id="2" name="标题 1"/>
+          <p:cNvSpPr>
+            <a:spLocks noGrp="1"/>
+          </p:cNvSpPr>
+          <p:nvPr>
+            <p:ph type="title"/>
+          </p:nvPr>
+        </p:nvSpPr>
+        <p:spPr/>
+        <p:txBody>
+          <a:bodyPr/>
+          <a:lstStyle/>
+          <a:p>
+            <a:r>
               <a:rPr lang="zh-CN" altLang="en-US" dirty="0"/>
               <a:t>机器学习</a:t>
             </a:r>
@@ -4362,7 +5338,7 @@
 </p:sld>
 </file>
 
-<file path=ppt/slides/slide7.xml><?xml version="1.0" encoding="utf-8"?>
+<file path=ppt/slides/slide8.xml><?xml version="1.0" encoding="utf-8"?>
 <p:sld xmlns:a="http://schemas.openxmlformats.org/drawingml/2006/main" xmlns:r="http://schemas.openxmlformats.org/officeDocument/2006/relationships" xmlns:p="http://schemas.openxmlformats.org/presentationml/2006/main">
   <p:cSld>
     <p:spTree>
@@ -4455,7 +5431,15 @@
           <a:p>
             <a:r>
               <a:rPr lang="zh-CN" altLang="en-US" dirty="0" smtClean="0"/>
-              <a:t>采用多层神经网络进行学习，根据</a:t>
+              <a:t>采用多层神经网络</a:t>
+            </a:r>
+            <a:r>
+              <a:rPr lang="zh-CN" altLang="en-US" dirty="0" smtClean="0"/>
+              <a:t>进行</a:t>
+            </a:r>
+            <a:r>
+              <a:rPr lang="zh-CN" altLang="en-US" dirty="0"/>
+              <a:t>学习</a:t>
             </a:r>
             <a:endParaRPr lang="zh-CN" altLang="en-US" dirty="0"/>
           </a:p>
@@ -4481,7 +5465,7 @@
 </p:sld>
 </file>
 
-<file path=ppt/slides/slide8.xml><?xml version="1.0" encoding="utf-8"?>
+<file path=ppt/slides/slide9.xml><?xml version="1.0" encoding="utf-8"?>
 <p:sld xmlns:a="http://schemas.openxmlformats.org/drawingml/2006/main" xmlns:r="http://schemas.openxmlformats.org/officeDocument/2006/relationships" xmlns:p="http://schemas.openxmlformats.org/presentationml/2006/main">
   <p:cSld>
     <p:spTree>
@@ -4515,7 +5499,7 @@
           <a:p>
             <a:r>
               <a:rPr lang="zh-CN" altLang="en-US" dirty="0" smtClean="0"/>
-              <a:t>深度学习</a:t>
+              <a:t>反向传播算法</a:t>
             </a:r>
             <a:endParaRPr lang="zh-CN" altLang="en-US" dirty="0"/>
           </a:p>
@@ -4554,6 +5538,112 @@
             <a:endParaRPr lang="en-US" altLang="zh-CN" dirty="0" smtClean="0"/>
           </a:p>
           <a:p>
+            <a:endParaRPr lang="zh-CN" altLang="en-US" dirty="0"/>
+          </a:p>
+        </p:txBody>
+      </p:sp>
+      <p:pic>
+        <p:nvPicPr>
+          <p:cNvPr id="5" name="图片 4"/>
+          <p:cNvPicPr>
+            <a:picLocks noChangeAspect="1"/>
+          </p:cNvPicPr>
+          <p:nvPr/>
+        </p:nvPicPr>
+        <p:blipFill>
+          <a:blip r:embed="rId2">
+            <a:extLst>
+              <a:ext uri="{28A0092B-C50C-407E-A947-70E740481C1C}">
+                <a14:useLocalDpi xmlns:a14="http://schemas.microsoft.com/office/drawing/2010/main" val="0"/>
+              </a:ext>
+            </a:extLst>
+          </a:blip>
+          <a:stretch>
+            <a:fillRect/>
+          </a:stretch>
+        </p:blipFill>
+        <p:spPr>
+          <a:xfrm>
+            <a:off x="1427023" y="2996952"/>
+            <a:ext cx="6241321" cy="3068625"/>
+          </a:xfrm>
+          <a:prstGeom prst="rect">
+            <a:avLst/>
+          </a:prstGeom>
+        </p:spPr>
+      </p:pic>
+      <p:sp>
+        <p:nvSpPr>
+          <p:cNvPr id="7" name="TextBox 6"/>
+          <p:cNvSpPr txBox="1"/>
+          <p:nvPr/>
+        </p:nvSpPr>
+        <p:spPr>
+          <a:xfrm>
+            <a:off x="1115616" y="1196752"/>
+            <a:ext cx="6696744" cy="923330"/>
+          </a:xfrm>
+          <a:prstGeom prst="rect">
+            <a:avLst/>
+          </a:prstGeom>
+          <a:noFill/>
+        </p:spPr>
+        <p:txBody>
+          <a:bodyPr wrap="square" rtlCol="0">
+            <a:spAutoFit/>
+          </a:bodyPr>
+          <a:lstStyle/>
+          <a:p>
+            <a:r>
+              <a:rPr lang="en-US" altLang="zh-CN" dirty="0" smtClean="0"/>
+              <a:t>BP</a:t>
+            </a:r>
+            <a:r>
+              <a:rPr lang="zh-CN" altLang="en-US" dirty="0" smtClean="0"/>
+              <a:t>算法思想</a:t>
+            </a:r>
+            <a:r>
+              <a:rPr lang="zh-CN" altLang="en-US" dirty="0" smtClean="0">
+                <a:sym typeface="Wingdings" pitchFamily="2" charset="2"/>
+              </a:rPr>
+              <a:t>：</a:t>
+            </a:r>
+            <a:r>
+              <a:rPr lang="en-US" altLang="zh-CN" dirty="0" smtClean="0">
+                <a:sym typeface="Wingdings" pitchFamily="2" charset="2"/>
+              </a:rPr>
+              <a:t>1</a:t>
+            </a:r>
+            <a:r>
+              <a:rPr lang="zh-CN" altLang="en-US" dirty="0" smtClean="0">
+                <a:sym typeface="Wingdings" pitchFamily="2" charset="2"/>
+              </a:rPr>
+              <a:t>、先计算每一层的状态和激活值，直到最后一层（即前向传播算法）</a:t>
+            </a:r>
+            <a:r>
+              <a:rPr lang="en-US" altLang="zh-CN" dirty="0" smtClean="0">
+                <a:sym typeface="Wingdings" pitchFamily="2" charset="2"/>
+              </a:rPr>
+              <a:t>2</a:t>
+            </a:r>
+            <a:r>
+              <a:rPr lang="zh-CN" altLang="en-US" dirty="0" smtClean="0">
+                <a:sym typeface="Wingdings" pitchFamily="2" charset="2"/>
+              </a:rPr>
+              <a:t>、计算每一层的误差，误差从最后一层开始</a:t>
+            </a:r>
+            <a:r>
+              <a:rPr lang="en-US" altLang="zh-CN" dirty="0" smtClean="0">
+                <a:sym typeface="Wingdings" pitchFamily="2" charset="2"/>
+              </a:rPr>
+              <a:t>3</a:t>
+            </a:r>
+            <a:r>
+              <a:rPr lang="zh-CN" altLang="en-US" dirty="0" smtClean="0">
+                <a:sym typeface="Wingdings" pitchFamily="2" charset="2"/>
+              </a:rPr>
+              <a:t>、更新参数使误差变小。</a:t>
+            </a:r>
             <a:endParaRPr lang="zh-CN" altLang="en-US" dirty="0"/>
           </a:p>
         </p:txBody>

--- a/机器学习&深度学习介绍.pptx
+++ b/机器学习&深度学习介绍.pptx
@@ -5,25 +5,37 @@
     <p:sldMasterId id="2147483648" r:id="rId1"/>
   </p:sldMasterIdLst>
   <p:sldIdLst>
-    <p:sldId id="256" r:id="rId2"/>
-    <p:sldId id="257" r:id="rId3"/>
-    <p:sldId id="258" r:id="rId4"/>
-    <p:sldId id="259" r:id="rId5"/>
-    <p:sldId id="260" r:id="rId6"/>
-    <p:sldId id="274" r:id="rId7"/>
-    <p:sldId id="261" r:id="rId8"/>
-    <p:sldId id="262" r:id="rId9"/>
-    <p:sldId id="263" r:id="rId10"/>
-    <p:sldId id="264" r:id="rId11"/>
-    <p:sldId id="265" r:id="rId12"/>
-    <p:sldId id="266" r:id="rId13"/>
-    <p:sldId id="267" r:id="rId14"/>
-    <p:sldId id="268" r:id="rId15"/>
-    <p:sldId id="269" r:id="rId16"/>
-    <p:sldId id="270" r:id="rId17"/>
-    <p:sldId id="271" r:id="rId18"/>
-    <p:sldId id="272" r:id="rId19"/>
-    <p:sldId id="273" r:id="rId20"/>
+    <p:sldId id="275" r:id="rId2"/>
+    <p:sldId id="276" r:id="rId3"/>
+    <p:sldId id="256" r:id="rId4"/>
+    <p:sldId id="257" r:id="rId5"/>
+    <p:sldId id="277" r:id="rId6"/>
+    <p:sldId id="258" r:id="rId7"/>
+    <p:sldId id="259" r:id="rId8"/>
+    <p:sldId id="278" r:id="rId9"/>
+    <p:sldId id="279" r:id="rId10"/>
+    <p:sldId id="280" r:id="rId11"/>
+    <p:sldId id="281" r:id="rId12"/>
+    <p:sldId id="282" r:id="rId13"/>
+    <p:sldId id="283" r:id="rId14"/>
+    <p:sldId id="284" r:id="rId15"/>
+    <p:sldId id="285" r:id="rId16"/>
+    <p:sldId id="286" r:id="rId17"/>
+    <p:sldId id="262" r:id="rId18"/>
+    <p:sldId id="288" r:id="rId19"/>
+    <p:sldId id="289" r:id="rId20"/>
+    <p:sldId id="287" r:id="rId21"/>
+    <p:sldId id="263" r:id="rId22"/>
+    <p:sldId id="264" r:id="rId23"/>
+    <p:sldId id="265" r:id="rId24"/>
+    <p:sldId id="266" r:id="rId25"/>
+    <p:sldId id="267" r:id="rId26"/>
+    <p:sldId id="268" r:id="rId27"/>
+    <p:sldId id="269" r:id="rId28"/>
+    <p:sldId id="270" r:id="rId29"/>
+    <p:sldId id="271" r:id="rId30"/>
+    <p:sldId id="272" r:id="rId31"/>
+    <p:sldId id="273" r:id="rId32"/>
   </p:sldIdLst>
   <p:sldSz cx="9144000" cy="6858000" type="screen4x3"/>
   <p:notesSz cx="6858000" cy="9144000"/>
@@ -306,7 +318,7 @@
           <a:p>
             <a:fld id="{530820CF-B880-4189-942D-D702A7CBA730}" type="datetimeFigureOut">
               <a:rPr lang="zh-CN" altLang="en-US" smtClean="0"/>
-              <a:t>2019/4/2</a:t>
+              <a:t>2019/4/13</a:t>
             </a:fld>
             <a:endParaRPr lang="zh-CN" altLang="en-US"/>
           </a:p>
@@ -471,7 +483,7 @@
           <a:p>
             <a:fld id="{530820CF-B880-4189-942D-D702A7CBA730}" type="datetimeFigureOut">
               <a:rPr lang="zh-CN" altLang="en-US" smtClean="0"/>
-              <a:t>2019/4/2</a:t>
+              <a:t>2019/4/13</a:t>
             </a:fld>
             <a:endParaRPr lang="zh-CN" altLang="en-US"/>
           </a:p>
@@ -646,7 +658,7 @@
           <a:p>
             <a:fld id="{530820CF-B880-4189-942D-D702A7CBA730}" type="datetimeFigureOut">
               <a:rPr lang="zh-CN" altLang="en-US" smtClean="0"/>
-              <a:t>2019/4/2</a:t>
+              <a:t>2019/4/13</a:t>
             </a:fld>
             <a:endParaRPr lang="zh-CN" altLang="en-US"/>
           </a:p>
@@ -811,7 +823,7 @@
           <a:p>
             <a:fld id="{530820CF-B880-4189-942D-D702A7CBA730}" type="datetimeFigureOut">
               <a:rPr lang="zh-CN" altLang="en-US" smtClean="0"/>
-              <a:t>2019/4/2</a:t>
+              <a:t>2019/4/13</a:t>
             </a:fld>
             <a:endParaRPr lang="zh-CN" altLang="en-US"/>
           </a:p>
@@ -1052,7 +1064,7 @@
           <a:p>
             <a:fld id="{530820CF-B880-4189-942D-D702A7CBA730}" type="datetimeFigureOut">
               <a:rPr lang="zh-CN" altLang="en-US" smtClean="0"/>
-              <a:t>2019/4/2</a:t>
+              <a:t>2019/4/13</a:t>
             </a:fld>
             <a:endParaRPr lang="zh-CN" altLang="en-US"/>
           </a:p>
@@ -1335,7 +1347,7 @@
           <a:p>
             <a:fld id="{530820CF-B880-4189-942D-D702A7CBA730}" type="datetimeFigureOut">
               <a:rPr lang="zh-CN" altLang="en-US" smtClean="0"/>
-              <a:t>2019/4/2</a:t>
+              <a:t>2019/4/13</a:t>
             </a:fld>
             <a:endParaRPr lang="zh-CN" altLang="en-US"/>
           </a:p>
@@ -1752,7 +1764,7 @@
           <a:p>
             <a:fld id="{530820CF-B880-4189-942D-D702A7CBA730}" type="datetimeFigureOut">
               <a:rPr lang="zh-CN" altLang="en-US" smtClean="0"/>
-              <a:t>2019/4/2</a:t>
+              <a:t>2019/4/13</a:t>
             </a:fld>
             <a:endParaRPr lang="zh-CN" altLang="en-US"/>
           </a:p>
@@ -1865,7 +1877,7 @@
           <a:p>
             <a:fld id="{530820CF-B880-4189-942D-D702A7CBA730}" type="datetimeFigureOut">
               <a:rPr lang="zh-CN" altLang="en-US" smtClean="0"/>
-              <a:t>2019/4/2</a:t>
+              <a:t>2019/4/13</a:t>
             </a:fld>
             <a:endParaRPr lang="zh-CN" altLang="en-US"/>
           </a:p>
@@ -1955,7 +1967,7 @@
           <a:p>
             <a:fld id="{530820CF-B880-4189-942D-D702A7CBA730}" type="datetimeFigureOut">
               <a:rPr lang="zh-CN" altLang="en-US" smtClean="0"/>
-              <a:t>2019/4/2</a:t>
+              <a:t>2019/4/13</a:t>
             </a:fld>
             <a:endParaRPr lang="zh-CN" altLang="en-US"/>
           </a:p>
@@ -2227,7 +2239,7 @@
           <a:p>
             <a:fld id="{530820CF-B880-4189-942D-D702A7CBA730}" type="datetimeFigureOut">
               <a:rPr lang="zh-CN" altLang="en-US" smtClean="0"/>
-              <a:t>2019/4/2</a:t>
+              <a:t>2019/4/13</a:t>
             </a:fld>
             <a:endParaRPr lang="zh-CN" altLang="en-US"/>
           </a:p>
@@ -2475,7 +2487,7 @@
           <a:p>
             <a:fld id="{530820CF-B880-4189-942D-D702A7CBA730}" type="datetimeFigureOut">
               <a:rPr lang="zh-CN" altLang="en-US" smtClean="0"/>
-              <a:t>2019/4/2</a:t>
+              <a:t>2019/4/13</a:t>
             </a:fld>
             <a:endParaRPr lang="zh-CN" altLang="en-US"/>
           </a:p>
@@ -2683,7 +2695,7 @@
           <a:p>
             <a:fld id="{530820CF-B880-4189-942D-D702A7CBA730}" type="datetimeFigureOut">
               <a:rPr lang="zh-CN" altLang="en-US" smtClean="0"/>
-              <a:t>2019/4/2</a:t>
+              <a:t>2019/4/13</a:t>
             </a:fld>
             <a:endParaRPr lang="zh-CN" altLang="en-US"/>
           </a:p>
@@ -3060,7 +3072,7 @@
             <a:spLocks noGrp="1"/>
           </p:cNvSpPr>
           <p:nvPr>
-            <p:ph type="ctrTitle"/>
+            <p:ph type="title"/>
           </p:nvPr>
         </p:nvSpPr>
         <p:spPr/>
@@ -3070,7 +3082,7 @@
           <a:p>
             <a:r>
               <a:rPr lang="zh-CN" altLang="en-US" dirty="0" smtClean="0"/>
-              <a:t>什么是机器学习？</a:t>
+              <a:t>人工智能概述</a:t>
             </a:r>
             <a:endParaRPr lang="zh-CN" altLang="en-US" dirty="0"/>
           </a:p>
@@ -3078,27 +3090,65 @@
       </p:sp>
       <p:sp>
         <p:nvSpPr>
-          <p:cNvPr id="3" name="副标题 2"/>
+          <p:cNvPr id="3" name="内容占位符 2"/>
           <p:cNvSpPr>
             <a:spLocks noGrp="1"/>
           </p:cNvSpPr>
           <p:nvPr>
-            <p:ph type="subTitle" idx="1"/>
+            <p:ph idx="1"/>
           </p:nvPr>
         </p:nvSpPr>
         <p:spPr/>
         <p:txBody>
-          <a:bodyPr/>
+          <a:bodyPr>
+            <a:normAutofit/>
+          </a:bodyPr>
           <a:lstStyle/>
           <a:p>
-            <a:endParaRPr lang="zh-CN" altLang="en-US" dirty="0"/>
+            <a:r>
+              <a:rPr lang="zh-CN" altLang="en-US" sz="2000" dirty="0" smtClean="0"/>
+              <a:t>人工智能是目前最热的一个话题，从较早的谷歌大脑到近期的百度无人车，谷歌</a:t>
+            </a:r>
+            <a:r>
+              <a:rPr lang="en-US" altLang="zh-CN" sz="2000" dirty="0" err="1" smtClean="0"/>
+              <a:t>AlphaGo</a:t>
+            </a:r>
+            <a:r>
+              <a:rPr lang="zh-CN" altLang="en-US" sz="2000" dirty="0" smtClean="0"/>
+              <a:t>大师，一个个人工智能的新应用都在不断刷新人们对机器能力的认知。人们开始关注下一个被机器取代的功能会是什么，甚至下一个被机器取代的职业会是什么。</a:t>
+            </a:r>
+            <a:endParaRPr lang="en-US" altLang="zh-CN" sz="2000" dirty="0" smtClean="0"/>
+          </a:p>
+          <a:p>
+            <a:endParaRPr lang="en-US" altLang="zh-CN" sz="2000" dirty="0" smtClean="0"/>
+          </a:p>
+          <a:p>
+            <a:r>
+              <a:rPr lang="zh-CN" altLang="en-US" sz="2000" dirty="0" smtClean="0"/>
+              <a:t>网络安全也是国内外非常热门的一个话题，从大量的大型网站密码泄露到大半个美国网络瘫痪，再到直接影响美国总统大选的结果，一个个安全事件让大家意识到安全的重要性，网络安全已经是国家安全战略层面问题。人工智能在网络安全领域是否可以创造奇迹？现状又是怎样呢？</a:t>
+            </a:r>
+            <a:endParaRPr lang="en-US" altLang="zh-CN" sz="2000" dirty="0" smtClean="0"/>
+          </a:p>
+          <a:p>
+            <a:endParaRPr lang="en-US" altLang="zh-CN" sz="2000" dirty="0" smtClean="0"/>
+          </a:p>
+          <a:p>
+            <a:r>
+              <a:rPr lang="zh-CN" altLang="en-US" sz="2000" dirty="0"/>
+              <a:t>本</a:t>
+            </a:r>
+            <a:r>
+              <a:rPr lang="zh-CN" altLang="en-US" sz="2000" dirty="0" smtClean="0"/>
+              <a:t>次报告目的是简要介绍机器学习和深度学习的相关概念</a:t>
+            </a:r>
+            <a:endParaRPr lang="zh-CN" altLang="en-US" sz="2000" dirty="0"/>
           </a:p>
         </p:txBody>
       </p:sp>
     </p:spTree>
     <p:extLst>
       <p:ext uri="{BB962C8B-B14F-4D97-AF65-F5344CB8AC3E}">
-        <p14:creationId xmlns:p14="http://schemas.microsoft.com/office/powerpoint/2010/main" val="3703394754"/>
+        <p14:creationId xmlns:p14="http://schemas.microsoft.com/office/powerpoint/2010/main" val="1807207036"/>
       </p:ext>
     </p:extLst>
   </p:cSld>
@@ -3116,6 +3166,5189 @@
 </file>
 
 <file path=ppt/slides/slide10.xml><?xml version="1.0" encoding="utf-8"?>
+<p:sld xmlns:a="http://schemas.openxmlformats.org/drawingml/2006/main" xmlns:r="http://schemas.openxmlformats.org/officeDocument/2006/relationships" xmlns:p="http://schemas.openxmlformats.org/presentationml/2006/main">
+  <p:cSld>
+    <p:spTree>
+      <p:nvGrpSpPr>
+        <p:cNvPr id="1" name=""/>
+        <p:cNvGrpSpPr/>
+        <p:nvPr/>
+      </p:nvGrpSpPr>
+      <p:grpSpPr>
+        <a:xfrm>
+          <a:off x="0" y="0"/>
+          <a:ext cx="0" cy="0"/>
+          <a:chOff x="0" y="0"/>
+          <a:chExt cx="0" cy="0"/>
+        </a:xfrm>
+      </p:grpSpPr>
+      <p:sp>
+        <p:nvSpPr>
+          <p:cNvPr id="2" name="标题 1"/>
+          <p:cNvSpPr>
+            <a:spLocks noGrp="1"/>
+          </p:cNvSpPr>
+          <p:nvPr>
+            <p:ph type="title"/>
+          </p:nvPr>
+        </p:nvSpPr>
+        <p:spPr>
+          <a:xfrm>
+            <a:off x="457200" y="274638"/>
+            <a:ext cx="8229600" cy="562074"/>
+          </a:xfrm>
+        </p:spPr>
+        <p:txBody>
+          <a:bodyPr>
+            <a:normAutofit fontScale="90000"/>
+          </a:bodyPr>
+          <a:lstStyle/>
+          <a:p>
+            <a:r>
+              <a:rPr lang="zh-CN" altLang="en-US" sz="3200" dirty="0" smtClean="0"/>
+              <a:t>分类问题</a:t>
+            </a:r>
+            <a:endParaRPr lang="zh-CN" altLang="en-US" sz="3200" dirty="0"/>
+          </a:p>
+        </p:txBody>
+      </p:sp>
+      <p:pic>
+        <p:nvPicPr>
+          <p:cNvPr id="3074" name="Picture 2"/>
+          <p:cNvPicPr>
+            <a:picLocks noGrp="1" noChangeAspect="1" noChangeArrowheads="1"/>
+          </p:cNvPicPr>
+          <p:nvPr>
+            <p:ph idx="1"/>
+          </p:nvPr>
+        </p:nvPicPr>
+        <p:blipFill>
+          <a:blip r:embed="rId2">
+            <a:extLst>
+              <a:ext uri="{28A0092B-C50C-407E-A947-70E740481C1C}">
+                <a14:useLocalDpi xmlns:a14="http://schemas.microsoft.com/office/drawing/2010/main" val="0"/>
+              </a:ext>
+            </a:extLst>
+          </a:blip>
+          <a:srcRect/>
+          <a:stretch>
+            <a:fillRect/>
+          </a:stretch>
+        </p:blipFill>
+        <p:spPr bwMode="auto">
+          <a:xfrm>
+            <a:off x="683568" y="980728"/>
+            <a:ext cx="5352752" cy="3865199"/>
+          </a:xfrm>
+          <a:prstGeom prst="rect">
+            <a:avLst/>
+          </a:prstGeom>
+          <a:noFill/>
+          <a:ln>
+            <a:noFill/>
+          </a:ln>
+          <a:effectLst/>
+          <a:extLst>
+            <a:ext uri="{909E8E84-426E-40DD-AFC4-6F175D3DCCD1}">
+              <a14:hiddenFill xmlns:a14="http://schemas.microsoft.com/office/drawing/2010/main">
+                <a:solidFill>
+                  <a:schemeClr val="accent1"/>
+                </a:solidFill>
+              </a14:hiddenFill>
+            </a:ext>
+            <a:ext uri="{91240B29-F687-4F45-9708-019B960494DF}">
+              <a14:hiddenLine xmlns:a14="http://schemas.microsoft.com/office/drawing/2010/main" w="9525">
+                <a:solidFill>
+                  <a:schemeClr val="tx1"/>
+                </a:solidFill>
+                <a:miter lim="800000"/>
+                <a:headEnd/>
+                <a:tailEnd/>
+              </a14:hiddenLine>
+            </a:ext>
+            <a:ext uri="{AF507438-7753-43E0-B8FC-AC1667EBCBE1}">
+              <a14:hiddenEffects xmlns:a14="http://schemas.microsoft.com/office/drawing/2010/main">
+                <a:effectLst>
+                  <a:outerShdw dist="35921" dir="2700000" algn="ctr" rotWithShape="0">
+                    <a:schemeClr val="bg2"/>
+                  </a:outerShdw>
+                </a:effectLst>
+              </a14:hiddenEffects>
+            </a:ext>
+          </a:extLst>
+        </p:spPr>
+      </p:pic>
+      <p:cxnSp>
+        <p:nvCxnSpPr>
+          <p:cNvPr id="5" name="直接箭头连接符 4"/>
+          <p:cNvCxnSpPr/>
+          <p:nvPr/>
+        </p:nvCxnSpPr>
+        <p:spPr>
+          <a:xfrm>
+            <a:off x="6012160" y="2708920"/>
+            <a:ext cx="396044" cy="0"/>
+          </a:xfrm>
+          <a:prstGeom prst="straightConnector1">
+            <a:avLst/>
+          </a:prstGeom>
+          <a:ln>
+            <a:tailEnd type="arrow"/>
+          </a:ln>
+        </p:spPr>
+        <p:style>
+          <a:lnRef idx="1">
+            <a:schemeClr val="accent1"/>
+          </a:lnRef>
+          <a:fillRef idx="0">
+            <a:schemeClr val="accent1"/>
+          </a:fillRef>
+          <a:effectRef idx="0">
+            <a:schemeClr val="accent1"/>
+          </a:effectRef>
+          <a:fontRef idx="minor">
+            <a:schemeClr val="tx1"/>
+          </a:fontRef>
+        </p:style>
+      </p:cxnSp>
+      <p:sp>
+        <p:nvSpPr>
+          <p:cNvPr id="6" name="椭圆 5"/>
+          <p:cNvSpPr/>
+          <p:nvPr/>
+        </p:nvSpPr>
+        <p:spPr>
+          <a:xfrm>
+            <a:off x="6372200" y="2420888"/>
+            <a:ext cx="1152128" cy="576064"/>
+          </a:xfrm>
+          <a:prstGeom prst="ellipse">
+            <a:avLst/>
+          </a:prstGeom>
+        </p:spPr>
+        <p:style>
+          <a:lnRef idx="2">
+            <a:schemeClr val="accent1">
+              <a:shade val="50000"/>
+            </a:schemeClr>
+          </a:lnRef>
+          <a:fillRef idx="1">
+            <a:schemeClr val="accent1"/>
+          </a:fillRef>
+          <a:effectRef idx="0">
+            <a:schemeClr val="accent1"/>
+          </a:effectRef>
+          <a:fontRef idx="minor">
+            <a:schemeClr val="lt1"/>
+          </a:fontRef>
+        </p:style>
+        <p:txBody>
+          <a:bodyPr rtlCol="0" anchor="ctr"/>
+          <a:lstStyle/>
+          <a:p>
+            <a:pPr algn="ctr"/>
+            <a:r>
+              <a:rPr lang="en-US" altLang="zh-CN" sz="1400" dirty="0" smtClean="0"/>
+              <a:t>sigmoid</a:t>
+            </a:r>
+            <a:endParaRPr lang="zh-CN" altLang="en-US" sz="1400" dirty="0"/>
+          </a:p>
+        </p:txBody>
+      </p:sp>
+      <mc:AlternateContent xmlns:mc="http://schemas.openxmlformats.org/markup-compatibility/2006">
+        <mc:Choice xmlns:a14="http://schemas.microsoft.com/office/drawing/2010/main" Requires="a14">
+          <p:sp>
+            <p:nvSpPr>
+              <p:cNvPr id="12" name="TextBox 11"/>
+              <p:cNvSpPr txBox="1"/>
+              <p:nvPr/>
+            </p:nvSpPr>
+            <p:spPr>
+              <a:xfrm>
+                <a:off x="6156176" y="3645024"/>
+                <a:ext cx="1685461" cy="622030"/>
+              </a:xfrm>
+              <a:prstGeom prst="rect">
+                <a:avLst/>
+              </a:prstGeom>
+              <a:noFill/>
+            </p:spPr>
+            <p:txBody>
+              <a:bodyPr wrap="none" rtlCol="0">
+                <a:spAutoFit/>
+              </a:bodyPr>
+              <a:lstStyle/>
+              <a:p>
+                <a14:m>
+                  <m:oMathPara xmlns:m="http://schemas.openxmlformats.org/officeDocument/2006/math">
+                    <m:oMathParaPr>
+                      <m:jc m:val="centerGroup"/>
+                    </m:oMathParaPr>
+                    <m:oMath xmlns:m="http://schemas.openxmlformats.org/officeDocument/2006/math">
+                      <m:r>
+                        <a:rPr lang="en-US" altLang="zh-CN" b="0" i="1" smtClean="0">
+                          <a:latin typeface="Cambria Math"/>
+                        </a:rPr>
+                        <m:t>𝑜</m:t>
+                      </m:r>
+                      <m:r>
+                        <a:rPr lang="en-US" altLang="zh-CN" b="0" i="1" smtClean="0">
+                          <a:latin typeface="Cambria Math"/>
+                        </a:rPr>
+                        <m:t>=</m:t>
+                      </m:r>
+                      <m:f>
+                        <m:fPr>
+                          <m:ctrlPr>
+                            <a:rPr lang="en-US" altLang="zh-CN" b="0" i="1" smtClean="0">
+                              <a:latin typeface="Cambria Math"/>
+                            </a:rPr>
+                          </m:ctrlPr>
+                        </m:fPr>
+                        <m:num>
+                          <m:r>
+                            <a:rPr lang="en-US" altLang="zh-CN" b="0" i="1" smtClean="0">
+                              <a:latin typeface="Cambria Math"/>
+                            </a:rPr>
+                            <m:t>1</m:t>
+                          </m:r>
+                        </m:num>
+                        <m:den>
+                          <m:r>
+                            <a:rPr lang="en-US" altLang="zh-CN" b="0" i="1" smtClean="0">
+                              <a:latin typeface="Cambria Math"/>
+                            </a:rPr>
+                            <m:t>1+</m:t>
+                          </m:r>
+                          <m:sSup>
+                            <m:sSupPr>
+                              <m:ctrlPr>
+                                <a:rPr lang="en-US" altLang="zh-CN" b="0" i="1" smtClean="0">
+                                  <a:latin typeface="Cambria Math"/>
+                                </a:rPr>
+                              </m:ctrlPr>
+                            </m:sSupPr>
+                            <m:e>
+                              <m:r>
+                                <a:rPr lang="en-US" altLang="zh-CN" b="0" i="1" smtClean="0">
+                                  <a:latin typeface="Cambria Math"/>
+                                </a:rPr>
+                                <m:t>𝑒</m:t>
+                              </m:r>
+                            </m:e>
+                            <m:sup>
+                              <m:r>
+                                <a:rPr lang="en-US" altLang="zh-CN" b="0" i="1" smtClean="0">
+                                  <a:latin typeface="Cambria Math"/>
+                                </a:rPr>
+                                <m:t>−</m:t>
+                              </m:r>
+                              <m:r>
+                                <a:rPr lang="en-US" altLang="zh-CN" b="0" i="1" smtClean="0">
+                                  <a:latin typeface="Cambria Math"/>
+                                </a:rPr>
+                                <m:t>𝐹</m:t>
+                              </m:r>
+                              <m:r>
+                                <a:rPr lang="en-US" altLang="zh-CN" b="0" i="1" smtClean="0">
+                                  <a:latin typeface="Cambria Math"/>
+                                </a:rPr>
+                                <m:t>(</m:t>
+                              </m:r>
+                              <m:r>
+                                <a:rPr lang="en-US" altLang="zh-CN" b="0" i="1" smtClean="0">
+                                  <a:latin typeface="Cambria Math"/>
+                                </a:rPr>
+                                <m:t>𝑥</m:t>
+                              </m:r>
+                              <m:r>
+                                <a:rPr lang="en-US" altLang="zh-CN" b="0" i="1" smtClean="0">
+                                  <a:latin typeface="Cambria Math"/>
+                                </a:rPr>
+                                <m:t>)</m:t>
+                              </m:r>
+                            </m:sup>
+                          </m:sSup>
+                        </m:den>
+                      </m:f>
+                    </m:oMath>
+                  </m:oMathPara>
+                </a14:m>
+                <a:endParaRPr lang="zh-CN" altLang="en-US" dirty="0"/>
+              </a:p>
+            </p:txBody>
+          </p:sp>
+        </mc:Choice>
+        <mc:Fallback>
+          <p:sp>
+            <p:nvSpPr>
+              <p:cNvPr id="12" name="TextBox 11"/>
+              <p:cNvSpPr txBox="1">
+                <a:spLocks noRot="1" noChangeAspect="1" noMove="1" noResize="1" noEditPoints="1" noAdjustHandles="1" noChangeArrowheads="1" noChangeShapeType="1" noTextEdit="1"/>
+              </p:cNvSpPr>
+              <p:nvPr/>
+            </p:nvSpPr>
+            <p:spPr>
+              <a:xfrm>
+                <a:off x="6156176" y="3645024"/>
+                <a:ext cx="1685461" cy="622030"/>
+              </a:xfrm>
+              <a:prstGeom prst="rect">
+                <a:avLst/>
+              </a:prstGeom>
+              <a:blipFill rotWithShape="1">
+                <a:blip r:embed="rId3"/>
+                <a:stretch>
+                  <a:fillRect/>
+                </a:stretch>
+              </a:blipFill>
+            </p:spPr>
+            <p:txBody>
+              <a:bodyPr/>
+              <a:lstStyle/>
+              <a:p>
+                <a:r>
+                  <a:rPr lang="zh-CN" altLang="en-US">
+                    <a:noFill/>
+                  </a:rPr>
+                  <a:t> </a:t>
+                </a:r>
+              </a:p>
+            </p:txBody>
+          </p:sp>
+        </mc:Fallback>
+      </mc:AlternateContent>
+      <p:cxnSp>
+        <p:nvCxnSpPr>
+          <p:cNvPr id="14" name="直接箭头连接符 13"/>
+          <p:cNvCxnSpPr>
+            <a:stCxn id="6" idx="4"/>
+            <a:endCxn id="12" idx="0"/>
+          </p:cNvCxnSpPr>
+          <p:nvPr/>
+        </p:nvCxnSpPr>
+        <p:spPr>
+          <a:xfrm>
+            <a:off x="6948264" y="2996952"/>
+            <a:ext cx="50643" cy="648072"/>
+          </a:xfrm>
+          <a:prstGeom prst="straightConnector1">
+            <a:avLst/>
+          </a:prstGeom>
+          <a:ln>
+            <a:tailEnd type="arrow"/>
+          </a:ln>
+        </p:spPr>
+        <p:style>
+          <a:lnRef idx="1">
+            <a:schemeClr val="accent1"/>
+          </a:lnRef>
+          <a:fillRef idx="0">
+            <a:schemeClr val="accent1"/>
+          </a:fillRef>
+          <a:effectRef idx="0">
+            <a:schemeClr val="accent1"/>
+          </a:effectRef>
+          <a:fontRef idx="minor">
+            <a:schemeClr val="tx1"/>
+          </a:fontRef>
+        </p:style>
+      </p:cxnSp>
+      <mc:AlternateContent xmlns:mc="http://schemas.openxmlformats.org/markup-compatibility/2006">
+        <mc:Choice xmlns:a14="http://schemas.microsoft.com/office/drawing/2010/main" Requires="a14">
+          <p:sp>
+            <p:nvSpPr>
+              <p:cNvPr id="17" name="TextBox 16"/>
+              <p:cNvSpPr txBox="1"/>
+              <p:nvPr/>
+            </p:nvSpPr>
+            <p:spPr>
+              <a:xfrm>
+                <a:off x="6408204" y="620688"/>
+                <a:ext cx="2052228" cy="888000"/>
+              </a:xfrm>
+              <a:prstGeom prst="rect">
+                <a:avLst/>
+              </a:prstGeom>
+              <a:noFill/>
+            </p:spPr>
+            <p:txBody>
+              <a:bodyPr wrap="square" rtlCol="0">
+                <a:spAutoFit/>
+              </a:bodyPr>
+              <a:lstStyle/>
+              <a:p>
+                <a14:m>
+                  <m:oMathPara xmlns:m="http://schemas.openxmlformats.org/officeDocument/2006/math">
+                    <m:oMathParaPr>
+                      <m:jc m:val="centerGroup"/>
+                    </m:oMathParaPr>
+                    <m:oMath xmlns:m="http://schemas.openxmlformats.org/officeDocument/2006/math">
+                      <m:r>
+                        <a:rPr lang="en-US" altLang="zh-CN" b="0" i="1" smtClean="0">
+                          <a:latin typeface="Cambria Math"/>
+                        </a:rPr>
+                        <m:t>𝑠𝑖𝑔𝑚𝑜𝑖𝑑</m:t>
+                      </m:r>
+                      <m:r>
+                        <a:rPr lang="zh-CN" altLang="en-US" i="1">
+                          <a:latin typeface="Cambria Math"/>
+                        </a:rPr>
+                        <m:t>函数</m:t>
+                      </m:r>
+                    </m:oMath>
+                  </m:oMathPara>
+                </a14:m>
+                <a:endParaRPr lang="en-US" altLang="zh-CN" i="1" dirty="0" smtClean="0">
+                  <a:latin typeface="Cambria Math"/>
+                </a:endParaRPr>
+              </a:p>
+              <a:p>
+                <a14:m>
+                  <m:oMathPara xmlns:m="http://schemas.openxmlformats.org/officeDocument/2006/math">
+                    <m:oMathParaPr>
+                      <m:jc m:val="centerGroup"/>
+                    </m:oMathParaPr>
+                    <m:oMath xmlns:m="http://schemas.openxmlformats.org/officeDocument/2006/math">
+                      <m:r>
+                        <m:rPr>
+                          <m:sty m:val="p"/>
+                        </m:rPr>
+                        <a:rPr lang="en-US" altLang="zh-CN" i="1" smtClean="0">
+                          <a:latin typeface="Cambria Math"/>
+                        </a:rPr>
+                        <m:t>g</m:t>
+                      </m:r>
+                      <m:d>
+                        <m:dPr>
+                          <m:ctrlPr>
+                            <a:rPr lang="en-US" altLang="zh-CN" b="0" i="1" smtClean="0">
+                              <a:latin typeface="Cambria Math"/>
+                            </a:rPr>
+                          </m:ctrlPr>
+                        </m:dPr>
+                        <m:e>
+                          <m:r>
+                            <a:rPr lang="en-US" altLang="zh-CN" b="0" i="1" smtClean="0">
+                              <a:latin typeface="Cambria Math"/>
+                            </a:rPr>
+                            <m:t>𝑧</m:t>
+                          </m:r>
+                        </m:e>
+                      </m:d>
+                      <m:r>
+                        <a:rPr lang="en-US" altLang="zh-CN" b="0" i="1" smtClean="0">
+                          <a:latin typeface="Cambria Math"/>
+                        </a:rPr>
+                        <m:t>=</m:t>
+                      </m:r>
+                      <m:f>
+                        <m:fPr>
+                          <m:ctrlPr>
+                            <a:rPr lang="en-US" altLang="zh-CN" b="0" i="1" smtClean="0">
+                              <a:latin typeface="Cambria Math"/>
+                            </a:rPr>
+                          </m:ctrlPr>
+                        </m:fPr>
+                        <m:num>
+                          <m:r>
+                            <a:rPr lang="en-US" altLang="zh-CN" b="0" i="1" smtClean="0">
+                              <a:latin typeface="Cambria Math"/>
+                            </a:rPr>
+                            <m:t>1</m:t>
+                          </m:r>
+                        </m:num>
+                        <m:den>
+                          <m:r>
+                            <a:rPr lang="en-US" altLang="zh-CN" b="0" i="1" smtClean="0">
+                              <a:latin typeface="Cambria Math"/>
+                            </a:rPr>
+                            <m:t>1+</m:t>
+                          </m:r>
+                          <m:sSup>
+                            <m:sSupPr>
+                              <m:ctrlPr>
+                                <a:rPr lang="en-US" altLang="zh-CN" b="0" i="1" smtClean="0">
+                                  <a:latin typeface="Cambria Math"/>
+                                </a:rPr>
+                              </m:ctrlPr>
+                            </m:sSupPr>
+                            <m:e>
+                              <m:r>
+                                <a:rPr lang="en-US" altLang="zh-CN" b="0" i="1" smtClean="0">
+                                  <a:latin typeface="Cambria Math"/>
+                                </a:rPr>
+                                <m:t>𝑒</m:t>
+                              </m:r>
+                            </m:e>
+                            <m:sup>
+                              <m:r>
+                                <a:rPr lang="en-US" altLang="zh-CN" b="0" i="1" smtClean="0">
+                                  <a:latin typeface="Cambria Math"/>
+                                </a:rPr>
+                                <m:t>−</m:t>
+                              </m:r>
+                              <m:r>
+                                <a:rPr lang="en-US" altLang="zh-CN" b="0" i="1" smtClean="0">
+                                  <a:latin typeface="Cambria Math"/>
+                                </a:rPr>
+                                <m:t>𝑧</m:t>
+                              </m:r>
+                            </m:sup>
+                          </m:sSup>
+                        </m:den>
+                      </m:f>
+                    </m:oMath>
+                  </m:oMathPara>
+                </a14:m>
+                <a:endParaRPr lang="zh-CN" altLang="en-US" dirty="0"/>
+              </a:p>
+            </p:txBody>
+          </p:sp>
+        </mc:Choice>
+        <mc:Fallback>
+          <p:sp>
+            <p:nvSpPr>
+              <p:cNvPr id="17" name="TextBox 16"/>
+              <p:cNvSpPr txBox="1">
+                <a:spLocks noRot="1" noChangeAspect="1" noMove="1" noResize="1" noEditPoints="1" noAdjustHandles="1" noChangeArrowheads="1" noChangeShapeType="1" noTextEdit="1"/>
+              </p:cNvSpPr>
+              <p:nvPr/>
+            </p:nvSpPr>
+            <p:spPr>
+              <a:xfrm>
+                <a:off x="6408204" y="620688"/>
+                <a:ext cx="2052228" cy="888000"/>
+              </a:xfrm>
+              <a:prstGeom prst="rect">
+                <a:avLst/>
+              </a:prstGeom>
+              <a:blipFill rotWithShape="1">
+                <a:blip r:embed="rId4"/>
+                <a:stretch>
+                  <a:fillRect/>
+                </a:stretch>
+              </a:blipFill>
+            </p:spPr>
+            <p:txBody>
+              <a:bodyPr/>
+              <a:lstStyle/>
+              <a:p>
+                <a:r>
+                  <a:rPr lang="zh-CN" altLang="en-US">
+                    <a:noFill/>
+                  </a:rPr>
+                  <a:t> </a:t>
+                </a:r>
+              </a:p>
+            </p:txBody>
+          </p:sp>
+        </mc:Fallback>
+      </mc:AlternateContent>
+      <p:pic>
+        <p:nvPicPr>
+          <p:cNvPr id="18" name="图片 17"/>
+          <p:cNvPicPr>
+            <a:picLocks noChangeAspect="1"/>
+          </p:cNvPicPr>
+          <p:nvPr/>
+        </p:nvPicPr>
+        <p:blipFill>
+          <a:blip r:embed="rId5">
+            <a:extLst>
+              <a:ext uri="{28A0092B-C50C-407E-A947-70E740481C1C}">
+                <a14:useLocalDpi xmlns:a14="http://schemas.microsoft.com/office/drawing/2010/main" val="0"/>
+              </a:ext>
+            </a:extLst>
+          </a:blip>
+          <a:stretch>
+            <a:fillRect/>
+          </a:stretch>
+        </p:blipFill>
+        <p:spPr>
+          <a:xfrm>
+            <a:off x="1979712" y="3789040"/>
+            <a:ext cx="3816424" cy="2304256"/>
+          </a:xfrm>
+          <a:prstGeom prst="rect">
+            <a:avLst/>
+          </a:prstGeom>
+        </p:spPr>
+      </p:pic>
+      <p:sp>
+        <p:nvSpPr>
+          <p:cNvPr id="19" name="TextBox 18"/>
+          <p:cNvSpPr txBox="1"/>
+          <p:nvPr/>
+        </p:nvSpPr>
+        <p:spPr>
+          <a:xfrm>
+            <a:off x="2195736" y="6237312"/>
+            <a:ext cx="3096344" cy="369332"/>
+          </a:xfrm>
+          <a:prstGeom prst="rect">
+            <a:avLst/>
+          </a:prstGeom>
+          <a:noFill/>
+        </p:spPr>
+        <p:txBody>
+          <a:bodyPr wrap="square" rtlCol="0">
+            <a:spAutoFit/>
+          </a:bodyPr>
+          <a:lstStyle/>
+          <a:p>
+            <a:r>
+              <a:rPr lang="zh-CN" altLang="en-US" dirty="0" smtClean="0"/>
+              <a:t>图</a:t>
+            </a:r>
+            <a:r>
+              <a:rPr lang="en-US" altLang="zh-CN" dirty="0" smtClean="0"/>
+              <a:t>4</a:t>
+            </a:r>
+            <a:r>
+              <a:rPr lang="zh-CN" altLang="en-US" dirty="0" smtClean="0"/>
+              <a:t>：房子性价比分类问题</a:t>
+            </a:r>
+            <a:endParaRPr lang="zh-CN" altLang="en-US" dirty="0"/>
+          </a:p>
+        </p:txBody>
+      </p:sp>
+    </p:spTree>
+    <p:extLst>
+      <p:ext uri="{BB962C8B-B14F-4D97-AF65-F5344CB8AC3E}">
+        <p14:creationId xmlns:p14="http://schemas.microsoft.com/office/powerpoint/2010/main" val="3939620223"/>
+      </p:ext>
+    </p:extLst>
+  </p:cSld>
+  <p:clrMapOvr>
+    <a:masterClrMapping/>
+  </p:clrMapOvr>
+  <p:timing>
+    <p:tnLst>
+      <p:par>
+        <p:cTn id="1" dur="indefinite" restart="never" nodeType="tmRoot"/>
+      </p:par>
+    </p:tnLst>
+  </p:timing>
+</p:sld>
+</file>
+
+<file path=ppt/slides/slide11.xml><?xml version="1.0" encoding="utf-8"?>
+<p:sld xmlns:a="http://schemas.openxmlformats.org/drawingml/2006/main" xmlns:r="http://schemas.openxmlformats.org/officeDocument/2006/relationships" xmlns:p="http://schemas.openxmlformats.org/presentationml/2006/main">
+  <p:cSld>
+    <p:spTree>
+      <p:nvGrpSpPr>
+        <p:cNvPr id="1" name=""/>
+        <p:cNvGrpSpPr/>
+        <p:nvPr/>
+      </p:nvGrpSpPr>
+      <p:grpSpPr>
+        <a:xfrm>
+          <a:off x="0" y="0"/>
+          <a:ext cx="0" cy="0"/>
+          <a:chOff x="0" y="0"/>
+          <a:chExt cx="0" cy="0"/>
+        </a:xfrm>
+      </p:grpSpPr>
+      <p:sp>
+        <p:nvSpPr>
+          <p:cNvPr id="2" name="标题 1"/>
+          <p:cNvSpPr>
+            <a:spLocks noGrp="1"/>
+          </p:cNvSpPr>
+          <p:nvPr>
+            <p:ph type="title"/>
+          </p:nvPr>
+        </p:nvSpPr>
+        <p:spPr/>
+        <p:txBody>
+          <a:bodyPr>
+            <a:normAutofit/>
+          </a:bodyPr>
+          <a:lstStyle/>
+          <a:p>
+            <a:r>
+              <a:rPr lang="zh-CN" altLang="en-US" sz="3200" dirty="0" smtClean="0"/>
+              <a:t>分类问题</a:t>
+            </a:r>
+            <a:endParaRPr lang="zh-CN" altLang="en-US" sz="3200" dirty="0"/>
+          </a:p>
+        </p:txBody>
+      </p:sp>
+      <mc:AlternateContent xmlns:mc="http://schemas.openxmlformats.org/markup-compatibility/2006">
+        <mc:Choice xmlns:a14="http://schemas.microsoft.com/office/drawing/2010/main" Requires="a14">
+          <p:sp>
+            <p:nvSpPr>
+              <p:cNvPr id="3" name="内容占位符 2"/>
+              <p:cNvSpPr>
+                <a:spLocks noGrp="1"/>
+              </p:cNvSpPr>
+              <p:nvPr>
+                <p:ph idx="1"/>
+              </p:nvPr>
+            </p:nvSpPr>
+            <p:spPr/>
+            <p:txBody>
+              <a:bodyPr>
+                <a:normAutofit/>
+              </a:bodyPr>
+              <a:lstStyle/>
+              <a:p>
+                <a:pPr marL="0" indent="0">
+                  <a:buNone/>
+                </a:pPr>
+                <a:r>
+                  <a:rPr lang="zh-CN" altLang="en-US" sz="2400" dirty="0" smtClean="0"/>
+                  <a:t>这里的最后输出为：</a:t>
+                </a:r>
+                <a14:m>
+                  <m:oMath xmlns:m="http://schemas.openxmlformats.org/officeDocument/2006/math">
+                    <m:r>
+                      <m:rPr>
+                        <m:sty m:val="p"/>
+                      </m:rPr>
+                      <a:rPr lang="en-US" altLang="zh-CN" sz="2400" dirty="0">
+                        <a:latin typeface="Cambria Math"/>
+                      </a:rPr>
+                      <m:t>o</m:t>
+                    </m:r>
+                    <m:r>
+                      <a:rPr lang="en-US" altLang="zh-CN" sz="2400" b="0" i="0" dirty="0" smtClean="0">
+                        <a:latin typeface="Cambria Math"/>
+                      </a:rPr>
+                      <m:t>=</m:t>
+                    </m:r>
+                    <m:f>
+                      <m:fPr>
+                        <m:ctrlPr>
+                          <a:rPr lang="en-US" altLang="zh-CN" sz="2400" b="0" i="1" dirty="0" smtClean="0">
+                            <a:latin typeface="Cambria Math"/>
+                          </a:rPr>
+                        </m:ctrlPr>
+                      </m:fPr>
+                      <m:num>
+                        <m:r>
+                          <a:rPr lang="en-US" altLang="zh-CN" sz="2400" b="0" i="1" dirty="0" smtClean="0">
+                            <a:latin typeface="Cambria Math"/>
+                          </a:rPr>
+                          <m:t>1</m:t>
+                        </m:r>
+                      </m:num>
+                      <m:den>
+                        <m:r>
+                          <a:rPr lang="en-US" altLang="zh-CN" sz="2400" b="0" i="1" dirty="0" smtClean="0">
+                            <a:latin typeface="Cambria Math"/>
+                          </a:rPr>
+                          <m:t>1+</m:t>
+                        </m:r>
+                        <m:sSup>
+                          <m:sSupPr>
+                            <m:ctrlPr>
+                              <a:rPr lang="en-US" altLang="zh-CN" sz="2400" b="0" i="1" dirty="0" smtClean="0">
+                                <a:latin typeface="Cambria Math"/>
+                              </a:rPr>
+                            </m:ctrlPr>
+                          </m:sSupPr>
+                          <m:e>
+                            <m:r>
+                              <a:rPr lang="en-US" altLang="zh-CN" sz="2400" b="0" i="1" dirty="0" smtClean="0">
+                                <a:latin typeface="Cambria Math"/>
+                              </a:rPr>
+                              <m:t>𝑒</m:t>
+                            </m:r>
+                          </m:e>
+                          <m:sup>
+                            <m:r>
+                              <a:rPr lang="en-US" altLang="zh-CN" sz="2400" b="0" i="1" dirty="0" smtClean="0">
+                                <a:latin typeface="Cambria Math"/>
+                              </a:rPr>
+                              <m:t>−(</m:t>
+                            </m:r>
+                            <m:r>
+                              <a:rPr lang="en-US" altLang="zh-CN" sz="2400" b="0" i="1" dirty="0" smtClean="0">
+                                <a:latin typeface="Cambria Math"/>
+                              </a:rPr>
+                              <m:t>𝑤𝑥</m:t>
+                            </m:r>
+                            <m:r>
+                              <a:rPr lang="en-US" altLang="zh-CN" sz="2400" b="0" i="1" dirty="0" smtClean="0">
+                                <a:latin typeface="Cambria Math"/>
+                              </a:rPr>
+                              <m:t>+</m:t>
+                            </m:r>
+                            <m:r>
+                              <a:rPr lang="en-US" altLang="zh-CN" sz="2400" b="0" i="1" dirty="0" smtClean="0">
+                                <a:latin typeface="Cambria Math"/>
+                              </a:rPr>
+                              <m:t>𝑏</m:t>
+                            </m:r>
+                            <m:r>
+                              <a:rPr lang="en-US" altLang="zh-CN" sz="2400" b="0" i="1" dirty="0" smtClean="0">
+                                <a:latin typeface="Cambria Math"/>
+                              </a:rPr>
+                              <m:t>)</m:t>
+                            </m:r>
+                          </m:sup>
+                        </m:sSup>
+                      </m:den>
+                    </m:f>
+                  </m:oMath>
+                </a14:m>
+                <a:r>
+                  <a:rPr lang="zh-CN" altLang="en-US" sz="2400" dirty="0" smtClean="0"/>
+                  <a:t>，同时希望对样本输出的结果损失函数最小。</a:t>
+                </a:r>
+                <a:endParaRPr lang="en-US" altLang="zh-CN" sz="2400" dirty="0" smtClean="0"/>
+              </a:p>
+              <a:p>
+                <a:pPr marL="0" indent="0">
+                  <a:buNone/>
+                </a:pPr>
+                <a:endParaRPr lang="en-US" altLang="zh-CN" sz="2400" dirty="0"/>
+              </a:p>
+              <a:p>
+                <a:pPr marL="0" indent="0">
+                  <a:buNone/>
+                </a:pPr>
+                <a:endParaRPr lang="en-US" altLang="zh-CN" sz="2400" dirty="0" smtClean="0"/>
+              </a:p>
+              <a:p>
+                <a:pPr marL="0" indent="0">
+                  <a:buNone/>
+                </a:pPr>
+                <a:r>
+                  <a:rPr lang="zh-CN" altLang="en-US" sz="2400" dirty="0" smtClean="0"/>
+                  <a:t>即：</a:t>
+                </a:r>
+                <a14:m>
+                  <m:oMath xmlns:m="http://schemas.openxmlformats.org/officeDocument/2006/math">
+                    <m:r>
+                      <m:rPr>
+                        <m:sty m:val="p"/>
+                      </m:rPr>
+                      <a:rPr lang="en-US" altLang="zh-CN" sz="2400" i="1" dirty="0">
+                        <a:latin typeface="Cambria Math"/>
+                      </a:rPr>
+                      <m:t>ar</m:t>
+                    </m:r>
+                    <m:r>
+                      <a:rPr lang="en-US" altLang="zh-CN" sz="2400" b="0" i="1" dirty="0" smtClean="0">
+                        <a:latin typeface="Cambria Math"/>
+                      </a:rPr>
+                      <m:t>𝑔𝑚𝑖𝑛</m:t>
+                    </m:r>
+                    <m:r>
+                      <a:rPr lang="en-US" altLang="zh-CN" sz="2400" b="0" i="1" dirty="0" smtClean="0">
+                        <a:latin typeface="Cambria Math"/>
+                      </a:rPr>
+                      <m:t>(</m:t>
+                    </m:r>
+                    <m:nary>
+                      <m:naryPr>
+                        <m:chr m:val="∑"/>
+                        <m:ctrlPr>
+                          <a:rPr lang="zh-CN" altLang="en-US" sz="2400" i="1" smtClean="0">
+                            <a:latin typeface="Cambria Math"/>
+                          </a:rPr>
+                        </m:ctrlPr>
+                      </m:naryPr>
+                      <m:sub>
+                        <m:r>
+                          <m:rPr>
+                            <m:brk m:alnAt="23"/>
+                          </m:rPr>
+                          <a:rPr lang="en-US" altLang="zh-CN" sz="2400" b="0" i="1" smtClean="0">
+                            <a:latin typeface="Cambria Math"/>
+                          </a:rPr>
+                          <m:t>𝑖</m:t>
+                        </m:r>
+                        <m:r>
+                          <a:rPr lang="en-US" altLang="zh-CN" sz="2400" b="0" i="1" smtClean="0">
+                            <a:latin typeface="Cambria Math"/>
+                          </a:rPr>
+                          <m:t>=1</m:t>
+                        </m:r>
+                      </m:sub>
+                      <m:sup>
+                        <m:r>
+                          <a:rPr lang="en-US" altLang="zh-CN" sz="2400" b="0" i="1" smtClean="0">
+                            <a:latin typeface="Cambria Math"/>
+                          </a:rPr>
+                          <m:t>𝑀</m:t>
+                        </m:r>
+                      </m:sup>
+                      <m:e>
+                        <m:r>
+                          <a:rPr lang="en-US" altLang="zh-CN" sz="2400" b="0" i="1" smtClean="0">
+                            <a:latin typeface="Cambria Math"/>
+                          </a:rPr>
+                          <m:t>(−</m:t>
+                        </m:r>
+                        <m:sSub>
+                          <m:sSubPr>
+                            <m:ctrlPr>
+                              <a:rPr lang="en-US" altLang="zh-CN" sz="2400" b="0" i="1" smtClean="0">
+                                <a:latin typeface="Cambria Math"/>
+                              </a:rPr>
+                            </m:ctrlPr>
+                          </m:sSubPr>
+                          <m:e>
+                            <m:r>
+                              <a:rPr lang="en-US" altLang="zh-CN" sz="2400" b="0" i="1" smtClean="0">
+                                <a:latin typeface="Cambria Math"/>
+                              </a:rPr>
+                              <m:t>𝑦</m:t>
+                            </m:r>
+                          </m:e>
+                          <m:sub>
+                            <m:r>
+                              <a:rPr lang="en-US" altLang="zh-CN" sz="2400" b="0" i="1" smtClean="0">
+                                <a:latin typeface="Cambria Math"/>
+                              </a:rPr>
+                              <m:t>𝑖</m:t>
+                            </m:r>
+                          </m:sub>
+                        </m:sSub>
+                        <m:r>
+                          <a:rPr lang="en-US" altLang="zh-CN" sz="2400" b="0" i="1" smtClean="0">
+                            <a:latin typeface="Cambria Math"/>
+                          </a:rPr>
+                          <m:t>𝑙𝑜𝑔</m:t>
+                        </m:r>
+                        <m:d>
+                          <m:dPr>
+                            <m:ctrlPr>
+                              <a:rPr lang="en-US" altLang="zh-CN" sz="2400" b="0" i="1" smtClean="0">
+                                <a:latin typeface="Cambria Math"/>
+                              </a:rPr>
+                            </m:ctrlPr>
+                          </m:dPr>
+                          <m:e>
+                            <m:sSub>
+                              <m:sSubPr>
+                                <m:ctrlPr>
+                                  <a:rPr lang="en-US" altLang="zh-CN" sz="2400" b="0" i="1" smtClean="0">
+                                    <a:latin typeface="Cambria Math"/>
+                                  </a:rPr>
+                                </m:ctrlPr>
+                              </m:sSubPr>
+                              <m:e>
+                                <m:r>
+                                  <a:rPr lang="en-US" altLang="zh-CN" sz="2400" b="0" i="1" smtClean="0">
+                                    <a:latin typeface="Cambria Math"/>
+                                  </a:rPr>
+                                  <m:t>𝑜</m:t>
+                                </m:r>
+                              </m:e>
+                              <m:sub>
+                                <m:r>
+                                  <a:rPr lang="en-US" altLang="zh-CN" sz="2400" b="0" i="1" smtClean="0">
+                                    <a:latin typeface="Cambria Math"/>
+                                  </a:rPr>
+                                  <m:t>𝑖</m:t>
+                                </m:r>
+                              </m:sub>
+                            </m:sSub>
+                          </m:e>
+                        </m:d>
+                        <m:r>
+                          <a:rPr lang="en-US" altLang="zh-CN" sz="2400" b="0" i="1" smtClean="0">
+                            <a:latin typeface="Cambria Math"/>
+                          </a:rPr>
+                          <m:t>−</m:t>
+                        </m:r>
+                        <m:d>
+                          <m:dPr>
+                            <m:ctrlPr>
+                              <a:rPr lang="en-US" altLang="zh-CN" sz="2400" b="0" i="1" smtClean="0">
+                                <a:latin typeface="Cambria Math"/>
+                              </a:rPr>
+                            </m:ctrlPr>
+                          </m:dPr>
+                          <m:e>
+                            <m:r>
+                              <a:rPr lang="en-US" altLang="zh-CN" sz="2400" b="0" i="1" smtClean="0">
+                                <a:latin typeface="Cambria Math"/>
+                              </a:rPr>
+                              <m:t>1−</m:t>
+                            </m:r>
+                            <m:sSub>
+                              <m:sSubPr>
+                                <m:ctrlPr>
+                                  <a:rPr lang="en-US" altLang="zh-CN" sz="2400" b="0" i="1" smtClean="0">
+                                    <a:latin typeface="Cambria Math"/>
+                                  </a:rPr>
+                                </m:ctrlPr>
+                              </m:sSubPr>
+                              <m:e>
+                                <m:r>
+                                  <a:rPr lang="en-US" altLang="zh-CN" sz="2400" b="0" i="1" smtClean="0">
+                                    <a:latin typeface="Cambria Math"/>
+                                  </a:rPr>
+                                  <m:t>𝑦</m:t>
+                                </m:r>
+                              </m:e>
+                              <m:sub>
+                                <m:r>
+                                  <a:rPr lang="en-US" altLang="zh-CN" sz="2400" b="0" i="1" smtClean="0">
+                                    <a:latin typeface="Cambria Math"/>
+                                  </a:rPr>
+                                  <m:t>𝑖</m:t>
+                                </m:r>
+                              </m:sub>
+                            </m:sSub>
+                          </m:e>
+                        </m:d>
+                        <m:r>
+                          <m:rPr>
+                            <m:sty m:val="p"/>
+                          </m:rPr>
+                          <a:rPr lang="en-US" altLang="zh-CN" sz="2400" b="0" i="0" smtClean="0">
+                            <a:latin typeface="Cambria Math"/>
+                          </a:rPr>
+                          <m:t>log</m:t>
+                        </m:r>
+                        <m:r>
+                          <a:rPr lang="en-US" altLang="zh-CN" sz="2400" b="0" i="1" smtClean="0">
+                            <a:latin typeface="Cambria Math"/>
+                          </a:rPr>
+                          <m:t>⁡(1−</m:t>
+                        </m:r>
+                        <m:sSub>
+                          <m:sSubPr>
+                            <m:ctrlPr>
+                              <a:rPr lang="en-US" altLang="zh-CN" sz="2400" b="0" i="1" smtClean="0">
+                                <a:latin typeface="Cambria Math"/>
+                              </a:rPr>
+                            </m:ctrlPr>
+                          </m:sSubPr>
+                          <m:e>
+                            <m:r>
+                              <a:rPr lang="en-US" altLang="zh-CN" sz="2400" b="0" i="1" smtClean="0">
+                                <a:latin typeface="Cambria Math"/>
+                              </a:rPr>
+                              <m:t>𝑜</m:t>
+                            </m:r>
+                          </m:e>
+                          <m:sub>
+                            <m:r>
+                              <a:rPr lang="en-US" altLang="zh-CN" sz="2400" b="0" i="1" smtClean="0">
+                                <a:latin typeface="Cambria Math"/>
+                              </a:rPr>
+                              <m:t>𝑖</m:t>
+                            </m:r>
+                          </m:sub>
+                        </m:sSub>
+                        <m:r>
+                          <a:rPr lang="en-US" altLang="zh-CN" sz="2400" b="0" i="1" smtClean="0">
+                            <a:latin typeface="Cambria Math"/>
+                          </a:rPr>
+                          <m:t>)))</m:t>
+                        </m:r>
+                      </m:e>
+                    </m:nary>
+                  </m:oMath>
+                </a14:m>
+                <a:r>
+                  <a:rPr lang="zh-CN" altLang="en-US" sz="2400" dirty="0" smtClean="0"/>
+                  <a:t>，</a:t>
+                </a:r>
+                <a:r>
+                  <a:rPr lang="en-US" altLang="zh-CN" sz="2400" dirty="0" smtClean="0"/>
+                  <a:t>{</a:t>
+                </a:r>
+                <a:r>
+                  <a:rPr lang="en-US" altLang="zh-CN" sz="2400" dirty="0" err="1" smtClean="0"/>
+                  <a:t>y</a:t>
+                </a:r>
+                <a:r>
+                  <a:rPr lang="en-US" altLang="zh-CN" sz="2400" baseline="-25000" dirty="0" err="1" smtClean="0"/>
+                  <a:t>i</a:t>
+                </a:r>
+                <a:r>
+                  <a:rPr lang="zh-CN" altLang="en-US" sz="2400" dirty="0" smtClean="0"/>
+                  <a:t>为真实值，</a:t>
+                </a:r>
+                <a:r>
+                  <a:rPr lang="en-US" altLang="zh-CN" sz="2400" dirty="0" err="1" smtClean="0"/>
+                  <a:t>o</a:t>
+                </a:r>
+                <a:r>
+                  <a:rPr lang="en-US" altLang="zh-CN" sz="2400" baseline="-25000" dirty="0" err="1" smtClean="0"/>
+                  <a:t>i</a:t>
+                </a:r>
+                <a:r>
+                  <a:rPr lang="zh-CN" altLang="en-US" sz="2400" dirty="0" smtClean="0"/>
+                  <a:t>为预测值</a:t>
+                </a:r>
+                <a:r>
+                  <a:rPr lang="en-US" altLang="zh-CN" sz="2400" dirty="0" smtClean="0"/>
+                  <a:t>}</a:t>
+                </a:r>
+                <a:endParaRPr lang="zh-CN" altLang="en-US" sz="2400" dirty="0"/>
+              </a:p>
+            </p:txBody>
+          </p:sp>
+        </mc:Choice>
+        <mc:Fallback>
+          <p:sp>
+            <p:nvSpPr>
+              <p:cNvPr id="3" name="内容占位符 2"/>
+              <p:cNvSpPr>
+                <a:spLocks noGrp="1" noRot="1" noChangeAspect="1" noMove="1" noResize="1" noEditPoints="1" noAdjustHandles="1" noChangeArrowheads="1" noChangeShapeType="1" noTextEdit="1"/>
+              </p:cNvSpPr>
+              <p:nvPr>
+                <p:ph idx="1"/>
+              </p:nvPr>
+            </p:nvSpPr>
+            <p:spPr>
+              <a:blipFill rotWithShape="1">
+                <a:blip r:embed="rId2"/>
+                <a:stretch>
+                  <a:fillRect l="-1111"/>
+                </a:stretch>
+              </a:blipFill>
+            </p:spPr>
+            <p:txBody>
+              <a:bodyPr/>
+              <a:lstStyle/>
+              <a:p>
+                <a:r>
+                  <a:rPr lang="zh-CN" altLang="en-US">
+                    <a:noFill/>
+                  </a:rPr>
+                  <a:t> </a:t>
+                </a:r>
+              </a:p>
+            </p:txBody>
+          </p:sp>
+        </mc:Fallback>
+      </mc:AlternateContent>
+    </p:spTree>
+    <p:extLst>
+      <p:ext uri="{BB962C8B-B14F-4D97-AF65-F5344CB8AC3E}">
+        <p14:creationId xmlns:p14="http://schemas.microsoft.com/office/powerpoint/2010/main" val="3829357091"/>
+      </p:ext>
+    </p:extLst>
+  </p:cSld>
+  <p:clrMapOvr>
+    <a:masterClrMapping/>
+  </p:clrMapOvr>
+  <p:timing>
+    <p:tnLst>
+      <p:par>
+        <p:cTn id="1" dur="indefinite" restart="never" nodeType="tmRoot"/>
+      </p:par>
+    </p:tnLst>
+  </p:timing>
+</p:sld>
+</file>
+
+<file path=ppt/slides/slide12.xml><?xml version="1.0" encoding="utf-8"?>
+<p:sld xmlns:a="http://schemas.openxmlformats.org/drawingml/2006/main" xmlns:r="http://schemas.openxmlformats.org/officeDocument/2006/relationships" xmlns:p="http://schemas.openxmlformats.org/presentationml/2006/main">
+  <p:cSld>
+    <p:spTree>
+      <p:nvGrpSpPr>
+        <p:cNvPr id="1" name=""/>
+        <p:cNvGrpSpPr/>
+        <p:nvPr/>
+      </p:nvGrpSpPr>
+      <p:grpSpPr>
+        <a:xfrm>
+          <a:off x="0" y="0"/>
+          <a:ext cx="0" cy="0"/>
+          <a:chOff x="0" y="0"/>
+          <a:chExt cx="0" cy="0"/>
+        </a:xfrm>
+      </p:grpSpPr>
+      <p:sp>
+        <p:nvSpPr>
+          <p:cNvPr id="2" name="标题 1"/>
+          <p:cNvSpPr>
+            <a:spLocks noGrp="1"/>
+          </p:cNvSpPr>
+          <p:nvPr>
+            <p:ph type="title"/>
+          </p:nvPr>
+        </p:nvSpPr>
+        <p:spPr>
+          <a:xfrm>
+            <a:off x="457200" y="274638"/>
+            <a:ext cx="8229600" cy="850106"/>
+          </a:xfrm>
+        </p:spPr>
+        <p:txBody>
+          <a:bodyPr>
+            <a:normAutofit/>
+          </a:bodyPr>
+          <a:lstStyle/>
+          <a:p>
+            <a:r>
+              <a:rPr lang="zh-CN" altLang="en-US" sz="3600" dirty="0" smtClean="0"/>
+              <a:t>神经网络简介</a:t>
+            </a:r>
+            <a:endParaRPr lang="zh-CN" altLang="en-US" sz="3600" dirty="0"/>
+          </a:p>
+        </p:txBody>
+      </p:sp>
+      <p:pic>
+        <p:nvPicPr>
+          <p:cNvPr id="4098" name="Picture 2"/>
+          <p:cNvPicPr>
+            <a:picLocks noGrp="1" noChangeAspect="1" noChangeArrowheads="1"/>
+          </p:cNvPicPr>
+          <p:nvPr>
+            <p:ph idx="1"/>
+          </p:nvPr>
+        </p:nvPicPr>
+        <p:blipFill>
+          <a:blip r:embed="rId2">
+            <a:extLst>
+              <a:ext uri="{28A0092B-C50C-407E-A947-70E740481C1C}">
+                <a14:useLocalDpi xmlns:a14="http://schemas.microsoft.com/office/drawing/2010/main" val="0"/>
+              </a:ext>
+            </a:extLst>
+          </a:blip>
+          <a:srcRect/>
+          <a:stretch>
+            <a:fillRect/>
+          </a:stretch>
+        </p:blipFill>
+        <p:spPr bwMode="auto">
+          <a:xfrm>
+            <a:off x="1907704" y="2906360"/>
+            <a:ext cx="5314801" cy="3338900"/>
+          </a:xfrm>
+          <a:prstGeom prst="rect">
+            <a:avLst/>
+          </a:prstGeom>
+          <a:noFill/>
+          <a:ln>
+            <a:noFill/>
+          </a:ln>
+          <a:effectLst/>
+          <a:extLst>
+            <a:ext uri="{909E8E84-426E-40DD-AFC4-6F175D3DCCD1}">
+              <a14:hiddenFill xmlns:a14="http://schemas.microsoft.com/office/drawing/2010/main">
+                <a:solidFill>
+                  <a:schemeClr val="accent1"/>
+                </a:solidFill>
+              </a14:hiddenFill>
+            </a:ext>
+            <a:ext uri="{91240B29-F687-4F45-9708-019B960494DF}">
+              <a14:hiddenLine xmlns:a14="http://schemas.microsoft.com/office/drawing/2010/main" w="9525">
+                <a:solidFill>
+                  <a:schemeClr val="tx1"/>
+                </a:solidFill>
+                <a:miter lim="800000"/>
+                <a:headEnd/>
+                <a:tailEnd/>
+              </a14:hiddenLine>
+            </a:ext>
+            <a:ext uri="{AF507438-7753-43E0-B8FC-AC1667EBCBE1}">
+              <a14:hiddenEffects xmlns:a14="http://schemas.microsoft.com/office/drawing/2010/main">
+                <a:effectLst>
+                  <a:outerShdw dist="35921" dir="2700000" algn="ctr" rotWithShape="0">
+                    <a:schemeClr val="bg2"/>
+                  </a:outerShdw>
+                </a:effectLst>
+              </a14:hiddenEffects>
+            </a:ext>
+          </a:extLst>
+        </p:spPr>
+      </p:pic>
+      <p:sp>
+        <p:nvSpPr>
+          <p:cNvPr id="4" name="TextBox 3"/>
+          <p:cNvSpPr txBox="1"/>
+          <p:nvPr/>
+        </p:nvSpPr>
+        <p:spPr>
+          <a:xfrm>
+            <a:off x="3275856" y="6300028"/>
+            <a:ext cx="2520280" cy="369332"/>
+          </a:xfrm>
+          <a:prstGeom prst="rect">
+            <a:avLst/>
+          </a:prstGeom>
+          <a:noFill/>
+        </p:spPr>
+        <p:txBody>
+          <a:bodyPr wrap="square" rtlCol="0">
+            <a:spAutoFit/>
+          </a:bodyPr>
+          <a:lstStyle/>
+          <a:p>
+            <a:r>
+              <a:rPr lang="zh-CN" altLang="en-US" dirty="0" smtClean="0"/>
+              <a:t>图</a:t>
+            </a:r>
+            <a:r>
+              <a:rPr lang="en-US" altLang="zh-CN" dirty="0" smtClean="0"/>
+              <a:t>5</a:t>
+            </a:r>
+            <a:r>
+              <a:rPr lang="zh-CN" altLang="en-US" dirty="0" smtClean="0"/>
+              <a:t>：人体神经网络图</a:t>
+            </a:r>
+            <a:endParaRPr lang="zh-CN" altLang="en-US" dirty="0"/>
+          </a:p>
+        </p:txBody>
+      </p:sp>
+      <p:sp>
+        <p:nvSpPr>
+          <p:cNvPr id="5" name="TextBox 4"/>
+          <p:cNvSpPr txBox="1"/>
+          <p:nvPr/>
+        </p:nvSpPr>
+        <p:spPr>
+          <a:xfrm>
+            <a:off x="539552" y="1558533"/>
+            <a:ext cx="7488832" cy="646331"/>
+          </a:xfrm>
+          <a:prstGeom prst="rect">
+            <a:avLst/>
+          </a:prstGeom>
+          <a:noFill/>
+        </p:spPr>
+        <p:txBody>
+          <a:bodyPr wrap="square" rtlCol="0">
+            <a:spAutoFit/>
+          </a:bodyPr>
+          <a:lstStyle/>
+          <a:p>
+            <a:r>
+              <a:rPr lang="zh-CN" altLang="en-US" dirty="0" smtClean="0"/>
+              <a:t>人体大脑是由无数神经元组成的复杂网络，神经元由细胞体、轴突、和树突组成。􃔌</a:t>
+            </a:r>
+            <a:endParaRPr lang="zh-CN" altLang="en-US" dirty="0"/>
+          </a:p>
+        </p:txBody>
+      </p:sp>
+    </p:spTree>
+    <p:extLst>
+      <p:ext uri="{BB962C8B-B14F-4D97-AF65-F5344CB8AC3E}">
+        <p14:creationId xmlns:p14="http://schemas.microsoft.com/office/powerpoint/2010/main" val="3955186188"/>
+      </p:ext>
+    </p:extLst>
+  </p:cSld>
+  <p:clrMapOvr>
+    <a:masterClrMapping/>
+  </p:clrMapOvr>
+</p:sld>
+</file>
+
+<file path=ppt/slides/slide13.xml><?xml version="1.0" encoding="utf-8"?>
+<p:sld xmlns:a="http://schemas.openxmlformats.org/drawingml/2006/main" xmlns:r="http://schemas.openxmlformats.org/officeDocument/2006/relationships" xmlns:p="http://schemas.openxmlformats.org/presentationml/2006/main">
+  <p:cSld>
+    <p:spTree>
+      <p:nvGrpSpPr>
+        <p:cNvPr id="1" name=""/>
+        <p:cNvGrpSpPr/>
+        <p:nvPr/>
+      </p:nvGrpSpPr>
+      <p:grpSpPr>
+        <a:xfrm>
+          <a:off x="0" y="0"/>
+          <a:ext cx="0" cy="0"/>
+          <a:chOff x="0" y="0"/>
+          <a:chExt cx="0" cy="0"/>
+        </a:xfrm>
+      </p:grpSpPr>
+      <p:sp>
+        <p:nvSpPr>
+          <p:cNvPr id="2" name="标题 1"/>
+          <p:cNvSpPr>
+            <a:spLocks noGrp="1"/>
+          </p:cNvSpPr>
+          <p:nvPr>
+            <p:ph type="title"/>
+          </p:nvPr>
+        </p:nvSpPr>
+        <p:spPr>
+          <a:xfrm>
+            <a:off x="457200" y="274638"/>
+            <a:ext cx="8229600" cy="634082"/>
+          </a:xfrm>
+        </p:spPr>
+        <p:txBody>
+          <a:bodyPr>
+            <a:normAutofit/>
+          </a:bodyPr>
+          <a:lstStyle/>
+          <a:p>
+            <a:r>
+              <a:rPr lang="zh-CN" altLang="en-US" sz="3200" dirty="0" smtClean="0"/>
+              <a:t>神经网络简介</a:t>
+            </a:r>
+            <a:endParaRPr lang="zh-CN" altLang="en-US" sz="3200" dirty="0"/>
+          </a:p>
+        </p:txBody>
+      </p:sp>
+      <p:sp>
+        <p:nvSpPr>
+          <p:cNvPr id="3" name="内容占位符 2"/>
+          <p:cNvSpPr>
+            <a:spLocks noGrp="1"/>
+          </p:cNvSpPr>
+          <p:nvPr>
+            <p:ph idx="1"/>
+          </p:nvPr>
+        </p:nvSpPr>
+        <p:spPr>
+          <a:xfrm>
+            <a:off x="457200" y="908720"/>
+            <a:ext cx="8229600" cy="4813995"/>
+          </a:xfrm>
+        </p:spPr>
+        <p:txBody>
+          <a:bodyPr/>
+          <a:lstStyle/>
+          <a:p>
+            <a:endParaRPr lang="en-US" altLang="zh-CN" dirty="0" smtClean="0"/>
+          </a:p>
+          <a:p>
+            <a:endParaRPr lang="en-US" altLang="zh-CN" dirty="0"/>
+          </a:p>
+          <a:p>
+            <a:endParaRPr lang="en-US" altLang="zh-CN" dirty="0" smtClean="0"/>
+          </a:p>
+          <a:p>
+            <a:endParaRPr lang="en-US" altLang="zh-CN" dirty="0"/>
+          </a:p>
+          <a:p>
+            <a:endParaRPr lang="en-US" altLang="zh-CN" dirty="0" smtClean="0"/>
+          </a:p>
+          <a:p>
+            <a:endParaRPr lang="en-US" altLang="zh-CN" dirty="0"/>
+          </a:p>
+          <a:p>
+            <a:pPr marL="0" indent="0" algn="ctr">
+              <a:buNone/>
+            </a:pPr>
+            <a:r>
+              <a:rPr lang="zh-CN" altLang="en-US" sz="2000" dirty="0" smtClean="0"/>
+              <a:t>图</a:t>
+            </a:r>
+            <a:r>
+              <a:rPr lang="en-US" altLang="zh-CN" sz="2000" dirty="0" smtClean="0"/>
+              <a:t>6</a:t>
+            </a:r>
+            <a:r>
+              <a:rPr lang="zh-CN" altLang="en-US" sz="2000" dirty="0" smtClean="0"/>
+              <a:t>：神经元信息传递处理过程</a:t>
+            </a:r>
+            <a:endParaRPr lang="zh-CN" altLang="en-US" sz="2000" dirty="0"/>
+          </a:p>
+        </p:txBody>
+      </p:sp>
+      <p:pic>
+        <p:nvPicPr>
+          <p:cNvPr id="5122" name="Picture 2"/>
+          <p:cNvPicPr>
+            <a:picLocks noChangeAspect="1" noChangeArrowheads="1"/>
+          </p:cNvPicPr>
+          <p:nvPr/>
+        </p:nvPicPr>
+        <p:blipFill>
+          <a:blip r:embed="rId2">
+            <a:extLst>
+              <a:ext uri="{28A0092B-C50C-407E-A947-70E740481C1C}">
+                <a14:useLocalDpi xmlns:a14="http://schemas.microsoft.com/office/drawing/2010/main" val="0"/>
+              </a:ext>
+            </a:extLst>
+          </a:blip>
+          <a:srcRect/>
+          <a:stretch>
+            <a:fillRect/>
+          </a:stretch>
+        </p:blipFill>
+        <p:spPr bwMode="auto">
+          <a:xfrm>
+            <a:off x="933450" y="908720"/>
+            <a:ext cx="7277100" cy="2533650"/>
+          </a:xfrm>
+          <a:prstGeom prst="rect">
+            <a:avLst/>
+          </a:prstGeom>
+          <a:noFill/>
+          <a:ln>
+            <a:noFill/>
+          </a:ln>
+          <a:effectLst/>
+          <a:extLst>
+            <a:ext uri="{909E8E84-426E-40DD-AFC4-6F175D3DCCD1}">
+              <a14:hiddenFill xmlns:a14="http://schemas.microsoft.com/office/drawing/2010/main">
+                <a:solidFill>
+                  <a:schemeClr val="accent1"/>
+                </a:solidFill>
+              </a14:hiddenFill>
+            </a:ext>
+            <a:ext uri="{91240B29-F687-4F45-9708-019B960494DF}">
+              <a14:hiddenLine xmlns:a14="http://schemas.microsoft.com/office/drawing/2010/main" w="9525">
+                <a:solidFill>
+                  <a:schemeClr val="tx1"/>
+                </a:solidFill>
+                <a:miter lim="800000"/>
+                <a:headEnd/>
+                <a:tailEnd/>
+              </a14:hiddenLine>
+            </a:ext>
+            <a:ext uri="{AF507438-7753-43E0-B8FC-AC1667EBCBE1}">
+              <a14:hiddenEffects xmlns:a14="http://schemas.microsoft.com/office/drawing/2010/main">
+                <a:effectLst>
+                  <a:outerShdw dist="35921" dir="2700000" algn="ctr" rotWithShape="0">
+                    <a:schemeClr val="bg2"/>
+                  </a:outerShdw>
+                </a:effectLst>
+              </a14:hiddenEffects>
+            </a:ext>
+          </a:extLst>
+        </p:spPr>
+      </p:pic>
+      <p:pic>
+        <p:nvPicPr>
+          <p:cNvPr id="5123" name="Picture 3"/>
+          <p:cNvPicPr>
+            <a:picLocks noChangeAspect="1" noChangeArrowheads="1"/>
+          </p:cNvPicPr>
+          <p:nvPr/>
+        </p:nvPicPr>
+        <p:blipFill>
+          <a:blip r:embed="rId3">
+            <a:extLst>
+              <a:ext uri="{28A0092B-C50C-407E-A947-70E740481C1C}">
+                <a14:useLocalDpi xmlns:a14="http://schemas.microsoft.com/office/drawing/2010/main" val="0"/>
+              </a:ext>
+            </a:extLst>
+          </a:blip>
+          <a:srcRect/>
+          <a:stretch>
+            <a:fillRect/>
+          </a:stretch>
+        </p:blipFill>
+        <p:spPr bwMode="auto">
+          <a:xfrm>
+            <a:off x="1316453" y="3356992"/>
+            <a:ext cx="6457950" cy="942975"/>
+          </a:xfrm>
+          <a:prstGeom prst="rect">
+            <a:avLst/>
+          </a:prstGeom>
+          <a:noFill/>
+          <a:ln>
+            <a:noFill/>
+          </a:ln>
+          <a:effectLst/>
+          <a:extLst>
+            <a:ext uri="{909E8E84-426E-40DD-AFC4-6F175D3DCCD1}">
+              <a14:hiddenFill xmlns:a14="http://schemas.microsoft.com/office/drawing/2010/main">
+                <a:solidFill>
+                  <a:schemeClr val="accent1"/>
+                </a:solidFill>
+              </a14:hiddenFill>
+            </a:ext>
+            <a:ext uri="{91240B29-F687-4F45-9708-019B960494DF}">
+              <a14:hiddenLine xmlns:a14="http://schemas.microsoft.com/office/drawing/2010/main" w="9525">
+                <a:solidFill>
+                  <a:schemeClr val="tx1"/>
+                </a:solidFill>
+                <a:miter lim="800000"/>
+                <a:headEnd/>
+                <a:tailEnd/>
+              </a14:hiddenLine>
+            </a:ext>
+            <a:ext uri="{AF507438-7753-43E0-B8FC-AC1667EBCBE1}">
+              <a14:hiddenEffects xmlns:a14="http://schemas.microsoft.com/office/drawing/2010/main">
+                <a:effectLst>
+                  <a:outerShdw dist="35921" dir="2700000" algn="ctr" rotWithShape="0">
+                    <a:schemeClr val="bg2"/>
+                  </a:outerShdw>
+                </a:effectLst>
+              </a14:hiddenEffects>
+            </a:ext>
+          </a:extLst>
+        </p:spPr>
+      </p:pic>
+    </p:spTree>
+    <p:extLst>
+      <p:ext uri="{BB962C8B-B14F-4D97-AF65-F5344CB8AC3E}">
+        <p14:creationId xmlns:p14="http://schemas.microsoft.com/office/powerpoint/2010/main" val="1550599934"/>
+      </p:ext>
+    </p:extLst>
+  </p:cSld>
+  <p:clrMapOvr>
+    <a:masterClrMapping/>
+  </p:clrMapOvr>
+</p:sld>
+</file>
+
+<file path=ppt/slides/slide14.xml><?xml version="1.0" encoding="utf-8"?>
+<p:sld xmlns:a="http://schemas.openxmlformats.org/drawingml/2006/main" xmlns:r="http://schemas.openxmlformats.org/officeDocument/2006/relationships" xmlns:p="http://schemas.openxmlformats.org/presentationml/2006/main">
+  <p:cSld>
+    <p:spTree>
+      <p:nvGrpSpPr>
+        <p:cNvPr id="1" name=""/>
+        <p:cNvGrpSpPr/>
+        <p:nvPr/>
+      </p:nvGrpSpPr>
+      <p:grpSpPr>
+        <a:xfrm>
+          <a:off x="0" y="0"/>
+          <a:ext cx="0" cy="0"/>
+          <a:chOff x="0" y="0"/>
+          <a:chExt cx="0" cy="0"/>
+        </a:xfrm>
+      </p:grpSpPr>
+      <p:sp>
+        <p:nvSpPr>
+          <p:cNvPr id="2" name="标题 1"/>
+          <p:cNvSpPr>
+            <a:spLocks noGrp="1"/>
+          </p:cNvSpPr>
+          <p:nvPr>
+            <p:ph type="title"/>
+          </p:nvPr>
+        </p:nvSpPr>
+        <p:spPr>
+          <a:xfrm>
+            <a:off x="457200" y="274638"/>
+            <a:ext cx="8229600" cy="634082"/>
+          </a:xfrm>
+        </p:spPr>
+        <p:txBody>
+          <a:bodyPr>
+            <a:normAutofit/>
+          </a:bodyPr>
+          <a:lstStyle/>
+          <a:p>
+            <a:r>
+              <a:rPr lang="zh-CN" altLang="en-US" sz="3200" dirty="0" smtClean="0"/>
+              <a:t>神经网络简介</a:t>
+            </a:r>
+            <a:endParaRPr lang="zh-CN" altLang="en-US" sz="3200" dirty="0"/>
+          </a:p>
+        </p:txBody>
+      </p:sp>
+      <p:sp>
+        <p:nvSpPr>
+          <p:cNvPr id="3" name="内容占位符 2"/>
+          <p:cNvSpPr>
+            <a:spLocks noGrp="1"/>
+          </p:cNvSpPr>
+          <p:nvPr>
+            <p:ph idx="1"/>
+          </p:nvPr>
+        </p:nvSpPr>
+        <p:spPr>
+          <a:xfrm>
+            <a:off x="457200" y="980728"/>
+            <a:ext cx="8229600" cy="5145435"/>
+          </a:xfrm>
+        </p:spPr>
+        <p:txBody>
+          <a:bodyPr/>
+          <a:lstStyle/>
+          <a:p>
+            <a:r>
+              <a:rPr lang="zh-CN" altLang="en-US" sz="2400" dirty="0" smtClean="0"/>
+              <a:t>神经网络算法是模拟人体神经元工作原理，多个输入参数，分别具有各自权重，经过激励函数处理后，得到输出，如图</a:t>
+            </a:r>
+            <a:r>
+              <a:rPr lang="en-US" altLang="zh-CN" sz="2400" dirty="0" smtClean="0"/>
+              <a:t>7</a:t>
+            </a:r>
+            <a:r>
+              <a:rPr lang="zh-CN" altLang="en-US" sz="2400" dirty="0" smtClean="0"/>
+              <a:t>所示。输出对接下一级的神经网络的输入，从而组成更加复杂的神经网络。</a:t>
+            </a:r>
+            <a:endParaRPr lang="en-US" altLang="zh-CN" sz="2400" dirty="0" smtClean="0"/>
+          </a:p>
+          <a:p>
+            <a:endParaRPr lang="en-US" altLang="zh-CN" sz="2400" dirty="0"/>
+          </a:p>
+          <a:p>
+            <a:endParaRPr lang="en-US" altLang="zh-CN" sz="2400" dirty="0" smtClean="0"/>
+          </a:p>
+          <a:p>
+            <a:endParaRPr lang="en-US" altLang="zh-CN" sz="2400" dirty="0"/>
+          </a:p>
+          <a:p>
+            <a:endParaRPr lang="en-US" altLang="zh-CN" sz="2400" dirty="0" smtClean="0"/>
+          </a:p>
+          <a:p>
+            <a:endParaRPr lang="en-US" altLang="zh-CN" sz="2400" dirty="0"/>
+          </a:p>
+          <a:p>
+            <a:pPr marL="0" indent="0" algn="ctr">
+              <a:buNone/>
+            </a:pPr>
+            <a:endParaRPr lang="en-US" altLang="zh-CN" sz="2000" dirty="0" smtClean="0"/>
+          </a:p>
+          <a:p>
+            <a:pPr marL="0" indent="0" algn="ctr">
+              <a:buNone/>
+            </a:pPr>
+            <a:r>
+              <a:rPr lang="zh-CN" altLang="en-US" sz="2000" dirty="0" smtClean="0"/>
+              <a:t>图</a:t>
+            </a:r>
+            <a:r>
+              <a:rPr lang="en-US" altLang="zh-CN" sz="2000" dirty="0" smtClean="0"/>
+              <a:t>7</a:t>
+            </a:r>
+            <a:r>
+              <a:rPr lang="zh-CN" altLang="en-US" sz="2000" dirty="0" smtClean="0"/>
+              <a:t>：人工神经网络传递过程</a:t>
+            </a:r>
+            <a:endParaRPr lang="zh-CN" altLang="en-US" sz="2800" dirty="0"/>
+          </a:p>
+        </p:txBody>
+      </p:sp>
+      <p:pic>
+        <p:nvPicPr>
+          <p:cNvPr id="6146" name="Picture 2"/>
+          <p:cNvPicPr>
+            <a:picLocks noChangeAspect="1" noChangeArrowheads="1"/>
+          </p:cNvPicPr>
+          <p:nvPr/>
+        </p:nvPicPr>
+        <p:blipFill>
+          <a:blip r:embed="rId2">
+            <a:extLst>
+              <a:ext uri="{28A0092B-C50C-407E-A947-70E740481C1C}">
+                <a14:useLocalDpi xmlns:a14="http://schemas.microsoft.com/office/drawing/2010/main" val="0"/>
+              </a:ext>
+            </a:extLst>
+          </a:blip>
+          <a:srcRect/>
+          <a:stretch>
+            <a:fillRect/>
+          </a:stretch>
+        </p:blipFill>
+        <p:spPr bwMode="auto">
+          <a:xfrm>
+            <a:off x="1262063" y="2677269"/>
+            <a:ext cx="6619875" cy="2047875"/>
+          </a:xfrm>
+          <a:prstGeom prst="rect">
+            <a:avLst/>
+          </a:prstGeom>
+          <a:noFill/>
+          <a:ln>
+            <a:noFill/>
+          </a:ln>
+          <a:effectLst/>
+          <a:extLst>
+            <a:ext uri="{909E8E84-426E-40DD-AFC4-6F175D3DCCD1}">
+              <a14:hiddenFill xmlns:a14="http://schemas.microsoft.com/office/drawing/2010/main">
+                <a:solidFill>
+                  <a:schemeClr val="accent1"/>
+                </a:solidFill>
+              </a14:hiddenFill>
+            </a:ext>
+            <a:ext uri="{91240B29-F687-4F45-9708-019B960494DF}">
+              <a14:hiddenLine xmlns:a14="http://schemas.microsoft.com/office/drawing/2010/main" w="9525">
+                <a:solidFill>
+                  <a:schemeClr val="tx1"/>
+                </a:solidFill>
+                <a:miter lim="800000"/>
+                <a:headEnd/>
+                <a:tailEnd/>
+              </a14:hiddenLine>
+            </a:ext>
+            <a:ext uri="{AF507438-7753-43E0-B8FC-AC1667EBCBE1}">
+              <a14:hiddenEffects xmlns:a14="http://schemas.microsoft.com/office/drawing/2010/main">
+                <a:effectLst>
+                  <a:outerShdw dist="35921" dir="2700000" algn="ctr" rotWithShape="0">
+                    <a:schemeClr val="bg2"/>
+                  </a:outerShdw>
+                </a:effectLst>
+              </a14:hiddenEffects>
+            </a:ext>
+          </a:extLst>
+        </p:spPr>
+      </p:pic>
+    </p:spTree>
+    <p:extLst>
+      <p:ext uri="{BB962C8B-B14F-4D97-AF65-F5344CB8AC3E}">
+        <p14:creationId xmlns:p14="http://schemas.microsoft.com/office/powerpoint/2010/main" val="2037899546"/>
+      </p:ext>
+    </p:extLst>
+  </p:cSld>
+  <p:clrMapOvr>
+    <a:masterClrMapping/>
+  </p:clrMapOvr>
+</p:sld>
+</file>
+
+<file path=ppt/slides/slide15.xml><?xml version="1.0" encoding="utf-8"?>
+<p:sld xmlns:a="http://schemas.openxmlformats.org/drawingml/2006/main" xmlns:r="http://schemas.openxmlformats.org/officeDocument/2006/relationships" xmlns:p="http://schemas.openxmlformats.org/presentationml/2006/main">
+  <p:cSld>
+    <p:spTree>
+      <p:nvGrpSpPr>
+        <p:cNvPr id="1" name=""/>
+        <p:cNvGrpSpPr/>
+        <p:nvPr/>
+      </p:nvGrpSpPr>
+      <p:grpSpPr>
+        <a:xfrm>
+          <a:off x="0" y="0"/>
+          <a:ext cx="0" cy="0"/>
+          <a:chOff x="0" y="0"/>
+          <a:chExt cx="0" cy="0"/>
+        </a:xfrm>
+      </p:grpSpPr>
+      <p:sp>
+        <p:nvSpPr>
+          <p:cNvPr id="2" name="标题 1"/>
+          <p:cNvSpPr>
+            <a:spLocks noGrp="1"/>
+          </p:cNvSpPr>
+          <p:nvPr>
+            <p:ph type="title"/>
+          </p:nvPr>
+        </p:nvSpPr>
+        <p:spPr>
+          <a:xfrm>
+            <a:off x="457200" y="274638"/>
+            <a:ext cx="8229600" cy="634082"/>
+          </a:xfrm>
+        </p:spPr>
+        <p:txBody>
+          <a:bodyPr>
+            <a:normAutofit/>
+          </a:bodyPr>
+          <a:lstStyle/>
+          <a:p>
+            <a:r>
+              <a:rPr lang="zh-CN" altLang="en-US" sz="3200" dirty="0" smtClean="0"/>
+              <a:t>神经网络简介</a:t>
+            </a:r>
+            <a:endParaRPr lang="zh-CN" altLang="en-US" sz="3200" dirty="0"/>
+          </a:p>
+        </p:txBody>
+      </p:sp>
+      <p:sp>
+        <p:nvSpPr>
+          <p:cNvPr id="3" name="内容占位符 2"/>
+          <p:cNvSpPr>
+            <a:spLocks noGrp="1"/>
+          </p:cNvSpPr>
+          <p:nvPr>
+            <p:ph idx="1"/>
+          </p:nvPr>
+        </p:nvSpPr>
+        <p:spPr>
+          <a:xfrm>
+            <a:off x="457200" y="1052736"/>
+            <a:ext cx="8229600" cy="5544616"/>
+          </a:xfrm>
+        </p:spPr>
+        <p:txBody>
+          <a:bodyPr>
+            <a:normAutofit/>
+          </a:bodyPr>
+          <a:lstStyle/>
+          <a:p>
+            <a:r>
+              <a:rPr lang="zh-CN" altLang="en-US" sz="2400" dirty="0" smtClean="0"/>
+              <a:t>前馈神经网络如图</a:t>
+            </a:r>
+            <a:r>
+              <a:rPr lang="en-US" altLang="zh-CN" sz="2400" dirty="0" smtClean="0"/>
+              <a:t>8</a:t>
+            </a:r>
+            <a:r>
+              <a:rPr lang="zh-CN" altLang="en-US" sz="2400" dirty="0" smtClean="0"/>
+              <a:t>所示：</a:t>
+            </a:r>
+            <a:endParaRPr lang="en-US" altLang="zh-CN" sz="2400" dirty="0" smtClean="0"/>
+          </a:p>
+          <a:p>
+            <a:endParaRPr lang="en-US" altLang="zh-CN" sz="2400" dirty="0"/>
+          </a:p>
+          <a:p>
+            <a:endParaRPr lang="en-US" altLang="zh-CN" sz="2400" dirty="0" smtClean="0"/>
+          </a:p>
+          <a:p>
+            <a:endParaRPr lang="en-US" altLang="zh-CN" sz="2400" dirty="0"/>
+          </a:p>
+          <a:p>
+            <a:endParaRPr lang="en-US" altLang="zh-CN" sz="2400" dirty="0" smtClean="0"/>
+          </a:p>
+          <a:p>
+            <a:endParaRPr lang="en-US" altLang="zh-CN" sz="2400" dirty="0"/>
+          </a:p>
+          <a:p>
+            <a:endParaRPr lang="en-US" altLang="zh-CN" sz="2400" dirty="0" smtClean="0"/>
+          </a:p>
+          <a:p>
+            <a:endParaRPr lang="en-US" altLang="zh-CN" sz="2400" dirty="0"/>
+          </a:p>
+          <a:p>
+            <a:endParaRPr lang="en-US" altLang="zh-CN" sz="2400" dirty="0" smtClean="0"/>
+          </a:p>
+          <a:p>
+            <a:endParaRPr lang="en-US" altLang="zh-CN" sz="2400" dirty="0"/>
+          </a:p>
+          <a:p>
+            <a:endParaRPr lang="en-US" altLang="zh-CN" sz="2400" dirty="0" smtClean="0"/>
+          </a:p>
+          <a:p>
+            <a:pPr marL="0" indent="0" algn="ctr">
+              <a:buNone/>
+            </a:pPr>
+            <a:r>
+              <a:rPr lang="zh-CN" altLang="en-US" sz="1800" dirty="0" smtClean="0"/>
+              <a:t>图</a:t>
+            </a:r>
+            <a:r>
+              <a:rPr lang="en-US" altLang="zh-CN" sz="1800" dirty="0" smtClean="0"/>
+              <a:t>8</a:t>
+            </a:r>
+            <a:r>
+              <a:rPr lang="zh-CN" altLang="en-US" sz="1800" dirty="0" smtClean="0"/>
+              <a:t>：前馈网络神经网络</a:t>
+            </a:r>
+            <a:endParaRPr lang="en-US" altLang="zh-CN" sz="1800" dirty="0" smtClean="0"/>
+          </a:p>
+          <a:p>
+            <a:endParaRPr lang="zh-CN" altLang="en-US" sz="2400" dirty="0"/>
+          </a:p>
+        </p:txBody>
+      </p:sp>
+      <p:pic>
+        <p:nvPicPr>
+          <p:cNvPr id="7170" name="Picture 2"/>
+          <p:cNvPicPr>
+            <a:picLocks noChangeAspect="1" noChangeArrowheads="1"/>
+          </p:cNvPicPr>
+          <p:nvPr/>
+        </p:nvPicPr>
+        <p:blipFill>
+          <a:blip r:embed="rId2">
+            <a:extLst>
+              <a:ext uri="{28A0092B-C50C-407E-A947-70E740481C1C}">
+                <a14:useLocalDpi xmlns:a14="http://schemas.microsoft.com/office/drawing/2010/main" val="0"/>
+              </a:ext>
+            </a:extLst>
+          </a:blip>
+          <a:srcRect/>
+          <a:stretch>
+            <a:fillRect/>
+          </a:stretch>
+        </p:blipFill>
+        <p:spPr bwMode="auto">
+          <a:xfrm>
+            <a:off x="1763688" y="1556792"/>
+            <a:ext cx="4705350" cy="4095750"/>
+          </a:xfrm>
+          <a:prstGeom prst="rect">
+            <a:avLst/>
+          </a:prstGeom>
+          <a:noFill/>
+          <a:ln>
+            <a:noFill/>
+          </a:ln>
+          <a:effectLst/>
+          <a:extLst>
+            <a:ext uri="{909E8E84-426E-40DD-AFC4-6F175D3DCCD1}">
+              <a14:hiddenFill xmlns:a14="http://schemas.microsoft.com/office/drawing/2010/main">
+                <a:solidFill>
+                  <a:schemeClr val="accent1"/>
+                </a:solidFill>
+              </a14:hiddenFill>
+            </a:ext>
+            <a:ext uri="{91240B29-F687-4F45-9708-019B960494DF}">
+              <a14:hiddenLine xmlns:a14="http://schemas.microsoft.com/office/drawing/2010/main" w="9525">
+                <a:solidFill>
+                  <a:schemeClr val="tx1"/>
+                </a:solidFill>
+                <a:miter lim="800000"/>
+                <a:headEnd/>
+                <a:tailEnd/>
+              </a14:hiddenLine>
+            </a:ext>
+            <a:ext uri="{AF507438-7753-43E0-B8FC-AC1667EBCBE1}">
+              <a14:hiddenEffects xmlns:a14="http://schemas.microsoft.com/office/drawing/2010/main">
+                <a:effectLst>
+                  <a:outerShdw dist="35921" dir="2700000" algn="ctr" rotWithShape="0">
+                    <a:schemeClr val="bg2"/>
+                  </a:outerShdw>
+                </a:effectLst>
+              </a14:hiddenEffects>
+            </a:ext>
+          </a:extLst>
+        </p:spPr>
+      </p:pic>
+    </p:spTree>
+    <p:extLst>
+      <p:ext uri="{BB962C8B-B14F-4D97-AF65-F5344CB8AC3E}">
+        <p14:creationId xmlns:p14="http://schemas.microsoft.com/office/powerpoint/2010/main" val="1589331710"/>
+      </p:ext>
+    </p:extLst>
+  </p:cSld>
+  <p:clrMapOvr>
+    <a:masterClrMapping/>
+  </p:clrMapOvr>
+</p:sld>
+</file>
+
+<file path=ppt/slides/slide16.xml><?xml version="1.0" encoding="utf-8"?>
+<p:sld xmlns:a="http://schemas.openxmlformats.org/drawingml/2006/main" xmlns:r="http://schemas.openxmlformats.org/officeDocument/2006/relationships" xmlns:p="http://schemas.openxmlformats.org/presentationml/2006/main">
+  <p:cSld>
+    <p:spTree>
+      <p:nvGrpSpPr>
+        <p:cNvPr id="1" name=""/>
+        <p:cNvGrpSpPr/>
+        <p:nvPr/>
+      </p:nvGrpSpPr>
+      <p:grpSpPr>
+        <a:xfrm>
+          <a:off x="0" y="0"/>
+          <a:ext cx="0" cy="0"/>
+          <a:chOff x="0" y="0"/>
+          <a:chExt cx="0" cy="0"/>
+        </a:xfrm>
+      </p:grpSpPr>
+      <p:sp>
+        <p:nvSpPr>
+          <p:cNvPr id="2" name="标题 1"/>
+          <p:cNvSpPr>
+            <a:spLocks noGrp="1"/>
+          </p:cNvSpPr>
+          <p:nvPr>
+            <p:ph type="title"/>
+          </p:nvPr>
+        </p:nvSpPr>
+        <p:spPr>
+          <a:xfrm>
+            <a:off x="457200" y="274638"/>
+            <a:ext cx="8229600" cy="634082"/>
+          </a:xfrm>
+        </p:spPr>
+        <p:txBody>
+          <a:bodyPr>
+            <a:normAutofit/>
+          </a:bodyPr>
+          <a:lstStyle/>
+          <a:p>
+            <a:r>
+              <a:rPr lang="zh-CN" altLang="en-US" sz="3200" dirty="0" smtClean="0"/>
+              <a:t>神经网络简介</a:t>
+            </a:r>
+            <a:endParaRPr lang="zh-CN" altLang="en-US" sz="3200" dirty="0"/>
+          </a:p>
+        </p:txBody>
+      </p:sp>
+      <p:sp>
+        <p:nvSpPr>
+          <p:cNvPr id="4" name="椭圆 3"/>
+          <p:cNvSpPr/>
+          <p:nvPr/>
+        </p:nvSpPr>
+        <p:spPr>
+          <a:xfrm>
+            <a:off x="1259632" y="2132856"/>
+            <a:ext cx="648072" cy="504056"/>
+          </a:xfrm>
+          <a:prstGeom prst="ellipse">
+            <a:avLst/>
+          </a:prstGeom>
+        </p:spPr>
+        <p:style>
+          <a:lnRef idx="2">
+            <a:schemeClr val="dk1"/>
+          </a:lnRef>
+          <a:fillRef idx="1">
+            <a:schemeClr val="lt1"/>
+          </a:fillRef>
+          <a:effectRef idx="0">
+            <a:schemeClr val="dk1"/>
+          </a:effectRef>
+          <a:fontRef idx="minor">
+            <a:schemeClr val="dk1"/>
+          </a:fontRef>
+        </p:style>
+        <p:txBody>
+          <a:bodyPr rtlCol="0" anchor="ctr"/>
+          <a:lstStyle/>
+          <a:p>
+            <a:pPr algn="ctr"/>
+            <a:r>
+              <a:rPr lang="en-US" altLang="zh-CN" dirty="0" smtClean="0"/>
+              <a:t>x</a:t>
+            </a:r>
+            <a:r>
+              <a:rPr lang="en-US" altLang="zh-CN" baseline="-25000" dirty="0" smtClean="0"/>
+              <a:t>1</a:t>
+            </a:r>
+            <a:endParaRPr lang="zh-CN" altLang="en-US" dirty="0"/>
+          </a:p>
+        </p:txBody>
+      </p:sp>
+      <p:sp>
+        <p:nvSpPr>
+          <p:cNvPr id="6" name="椭圆 5"/>
+          <p:cNvSpPr/>
+          <p:nvPr/>
+        </p:nvSpPr>
+        <p:spPr>
+          <a:xfrm>
+            <a:off x="1259632" y="3068960"/>
+            <a:ext cx="648072" cy="504056"/>
+          </a:xfrm>
+          <a:prstGeom prst="ellipse">
+            <a:avLst/>
+          </a:prstGeom>
+        </p:spPr>
+        <p:style>
+          <a:lnRef idx="2">
+            <a:schemeClr val="dk1"/>
+          </a:lnRef>
+          <a:fillRef idx="1">
+            <a:schemeClr val="lt1"/>
+          </a:fillRef>
+          <a:effectRef idx="0">
+            <a:schemeClr val="dk1"/>
+          </a:effectRef>
+          <a:fontRef idx="minor">
+            <a:schemeClr val="dk1"/>
+          </a:fontRef>
+        </p:style>
+        <p:txBody>
+          <a:bodyPr rtlCol="0" anchor="ctr"/>
+          <a:lstStyle/>
+          <a:p>
+            <a:pPr algn="ctr"/>
+            <a:r>
+              <a:rPr lang="en-US" altLang="zh-CN" dirty="0" smtClean="0"/>
+              <a:t>x2</a:t>
+            </a:r>
+            <a:endParaRPr lang="zh-CN" altLang="en-US" dirty="0"/>
+          </a:p>
+        </p:txBody>
+      </p:sp>
+      <mc:AlternateContent xmlns:mc="http://schemas.openxmlformats.org/markup-compatibility/2006">
+        <mc:Choice xmlns:a14="http://schemas.microsoft.com/office/drawing/2010/main" Requires="a14">
+          <p:sp>
+            <p:nvSpPr>
+              <p:cNvPr id="8" name="椭圆 7"/>
+              <p:cNvSpPr/>
+              <p:nvPr/>
+            </p:nvSpPr>
+            <p:spPr>
+              <a:xfrm>
+                <a:off x="3707904" y="1628800"/>
+                <a:ext cx="1512168" cy="504056"/>
+              </a:xfrm>
+              <a:prstGeom prst="ellipse">
+                <a:avLst/>
+              </a:prstGeom>
+            </p:spPr>
+            <p:style>
+              <a:lnRef idx="2">
+                <a:schemeClr val="dk1"/>
+              </a:lnRef>
+              <a:fillRef idx="1">
+                <a:schemeClr val="lt1"/>
+              </a:fillRef>
+              <a:effectRef idx="0">
+                <a:schemeClr val="dk1"/>
+              </a:effectRef>
+              <a:fontRef idx="minor">
+                <a:schemeClr val="dk1"/>
+              </a:fontRef>
+            </p:style>
+            <p:txBody>
+              <a:bodyPr rtlCol="0" anchor="ctr"/>
+              <a:lstStyle/>
+              <a:p>
+                <a:pPr algn="ctr"/>
+                <a14:m>
+                  <m:oMathPara xmlns:m="http://schemas.openxmlformats.org/officeDocument/2006/math">
+                    <m:oMathParaPr>
+                      <m:jc m:val="centerGroup"/>
+                    </m:oMathParaPr>
+                    <m:oMath xmlns:m="http://schemas.openxmlformats.org/officeDocument/2006/math">
+                      <m:sSup>
+                        <m:sSupPr>
+                          <m:ctrlPr>
+                            <a:rPr lang="en-US" altLang="zh-CN" i="1" smtClean="0">
+                              <a:latin typeface="Cambria Math"/>
+                            </a:rPr>
+                          </m:ctrlPr>
+                        </m:sSupPr>
+                        <m:e>
+                          <m:sSub>
+                            <m:sSubPr>
+                              <m:ctrlPr>
+                                <a:rPr lang="en-US" altLang="zh-CN" b="0" i="1" smtClean="0">
+                                  <a:latin typeface="Cambria Math"/>
+                                </a:rPr>
+                              </m:ctrlPr>
+                            </m:sSubPr>
+                            <m:e>
+                              <m:r>
+                                <a:rPr lang="en-US" altLang="zh-CN" b="0" i="1" smtClean="0">
+                                  <a:latin typeface="Cambria Math"/>
+                                </a:rPr>
+                                <m:t>𝑧</m:t>
+                              </m:r>
+                            </m:e>
+                            <m:sub>
+                              <m:r>
+                                <a:rPr lang="en-US" altLang="zh-CN" b="0" i="1" smtClean="0">
+                                  <a:latin typeface="Cambria Math"/>
+                                </a:rPr>
+                                <m:t>1</m:t>
+                              </m:r>
+                            </m:sub>
+                          </m:sSub>
+                        </m:e>
+                        <m:sup>
+                          <m:r>
+                            <a:rPr lang="en-US" altLang="zh-CN" b="0" i="1" smtClean="0">
+                              <a:latin typeface="Cambria Math"/>
+                            </a:rPr>
+                            <m:t>(2)</m:t>
+                          </m:r>
+                        </m:sup>
+                      </m:sSup>
+                      <m:r>
+                        <a:rPr lang="en-US" altLang="zh-CN" b="0" i="1" smtClean="0">
+                          <a:latin typeface="Cambria Math"/>
+                        </a:rPr>
+                        <m:t>|</m:t>
+                      </m:r>
+                      <m:sSup>
+                        <m:sSupPr>
+                          <m:ctrlPr>
+                            <a:rPr lang="en-US" altLang="zh-CN" b="0" i="1" smtClean="0">
+                              <a:latin typeface="Cambria Math"/>
+                            </a:rPr>
+                          </m:ctrlPr>
+                        </m:sSupPr>
+                        <m:e>
+                          <m:sSub>
+                            <m:sSubPr>
+                              <m:ctrlPr>
+                                <a:rPr lang="en-US" altLang="zh-CN" b="0" i="1" smtClean="0">
+                                  <a:latin typeface="Cambria Math"/>
+                                </a:rPr>
+                              </m:ctrlPr>
+                            </m:sSubPr>
+                            <m:e>
+                              <m:r>
+                                <a:rPr lang="en-US" altLang="zh-CN" b="0" i="1" smtClean="0">
+                                  <a:latin typeface="Cambria Math"/>
+                                </a:rPr>
+                                <m:t>𝑎</m:t>
+                              </m:r>
+                            </m:e>
+                            <m:sub>
+                              <m:r>
+                                <a:rPr lang="en-US" altLang="zh-CN" b="0" i="1" smtClean="0">
+                                  <a:latin typeface="Cambria Math"/>
+                                </a:rPr>
+                                <m:t>1</m:t>
+                              </m:r>
+                            </m:sub>
+                          </m:sSub>
+                        </m:e>
+                        <m:sup>
+                          <m:r>
+                            <a:rPr lang="en-US" altLang="zh-CN" b="0" i="1" smtClean="0">
+                              <a:latin typeface="Cambria Math"/>
+                            </a:rPr>
+                            <m:t>(2)</m:t>
+                          </m:r>
+                        </m:sup>
+                      </m:sSup>
+                    </m:oMath>
+                  </m:oMathPara>
+                </a14:m>
+                <a:endParaRPr lang="zh-CN" altLang="en-US" dirty="0"/>
+              </a:p>
+            </p:txBody>
+          </p:sp>
+        </mc:Choice>
+        <mc:Fallback>
+          <p:sp>
+            <p:nvSpPr>
+              <p:cNvPr id="8" name="椭圆 7"/>
+              <p:cNvSpPr>
+                <a:spLocks noRot="1" noChangeAspect="1" noMove="1" noResize="1" noEditPoints="1" noAdjustHandles="1" noChangeArrowheads="1" noChangeShapeType="1" noTextEdit="1"/>
+              </p:cNvSpPr>
+              <p:nvPr/>
+            </p:nvSpPr>
+            <p:spPr>
+              <a:xfrm>
+                <a:off x="3707904" y="1628800"/>
+                <a:ext cx="1512168" cy="504056"/>
+              </a:xfrm>
+              <a:prstGeom prst="ellipse">
+                <a:avLst/>
+              </a:prstGeom>
+              <a:blipFill rotWithShape="1">
+                <a:blip r:embed="rId2"/>
+                <a:stretch>
+                  <a:fillRect/>
+                </a:stretch>
+              </a:blipFill>
+            </p:spPr>
+            <p:txBody>
+              <a:bodyPr/>
+              <a:lstStyle/>
+              <a:p>
+                <a:r>
+                  <a:rPr lang="zh-CN" altLang="en-US">
+                    <a:noFill/>
+                  </a:rPr>
+                  <a:t> </a:t>
+                </a:r>
+              </a:p>
+            </p:txBody>
+          </p:sp>
+        </mc:Fallback>
+      </mc:AlternateContent>
+      <p:sp>
+        <p:nvSpPr>
+          <p:cNvPr id="9" name="椭圆 8"/>
+          <p:cNvSpPr/>
+          <p:nvPr/>
+        </p:nvSpPr>
+        <p:spPr>
+          <a:xfrm>
+            <a:off x="3707904" y="2636912"/>
+            <a:ext cx="1512168" cy="504056"/>
+          </a:xfrm>
+          <a:prstGeom prst="ellipse">
+            <a:avLst/>
+          </a:prstGeom>
+        </p:spPr>
+        <p:style>
+          <a:lnRef idx="2">
+            <a:schemeClr val="dk1"/>
+          </a:lnRef>
+          <a:fillRef idx="1">
+            <a:schemeClr val="lt1"/>
+          </a:fillRef>
+          <a:effectRef idx="0">
+            <a:schemeClr val="dk1"/>
+          </a:effectRef>
+          <a:fontRef idx="minor">
+            <a:schemeClr val="dk1"/>
+          </a:fontRef>
+        </p:style>
+        <p:txBody>
+          <a:bodyPr rtlCol="0" anchor="ctr"/>
+          <a:lstStyle/>
+          <a:p>
+            <a:pPr algn="ctr"/>
+            <a:endParaRPr lang="zh-CN" altLang="en-US"/>
+          </a:p>
+        </p:txBody>
+      </p:sp>
+      <p:sp>
+        <p:nvSpPr>
+          <p:cNvPr id="10" name="椭圆 9"/>
+          <p:cNvSpPr/>
+          <p:nvPr/>
+        </p:nvSpPr>
+        <p:spPr>
+          <a:xfrm>
+            <a:off x="3707904" y="3573016"/>
+            <a:ext cx="1512168" cy="504056"/>
+          </a:xfrm>
+          <a:prstGeom prst="ellipse">
+            <a:avLst/>
+          </a:prstGeom>
+        </p:spPr>
+        <p:style>
+          <a:lnRef idx="2">
+            <a:schemeClr val="dk1"/>
+          </a:lnRef>
+          <a:fillRef idx="1">
+            <a:schemeClr val="lt1"/>
+          </a:fillRef>
+          <a:effectRef idx="0">
+            <a:schemeClr val="dk1"/>
+          </a:effectRef>
+          <a:fontRef idx="minor">
+            <a:schemeClr val="dk1"/>
+          </a:fontRef>
+        </p:style>
+        <p:txBody>
+          <a:bodyPr rtlCol="0" anchor="ctr"/>
+          <a:lstStyle/>
+          <a:p>
+            <a:pPr algn="ctr"/>
+            <a:endParaRPr lang="zh-CN" altLang="en-US"/>
+          </a:p>
+        </p:txBody>
+      </p:sp>
+      <mc:AlternateContent xmlns:mc="http://schemas.openxmlformats.org/markup-compatibility/2006">
+        <mc:Choice xmlns:a14="http://schemas.microsoft.com/office/drawing/2010/main" Requires="a14">
+          <p:sp>
+            <p:nvSpPr>
+              <p:cNvPr id="11" name="椭圆 10"/>
+              <p:cNvSpPr/>
+              <p:nvPr/>
+            </p:nvSpPr>
+            <p:spPr>
+              <a:xfrm>
+                <a:off x="6588224" y="2564904"/>
+                <a:ext cx="1656184" cy="504056"/>
+              </a:xfrm>
+              <a:prstGeom prst="ellipse">
+                <a:avLst/>
+              </a:prstGeom>
+            </p:spPr>
+            <p:style>
+              <a:lnRef idx="2">
+                <a:schemeClr val="dk1"/>
+              </a:lnRef>
+              <a:fillRef idx="1">
+                <a:schemeClr val="lt1"/>
+              </a:fillRef>
+              <a:effectRef idx="0">
+                <a:schemeClr val="dk1"/>
+              </a:effectRef>
+              <a:fontRef idx="minor">
+                <a:schemeClr val="dk1"/>
+              </a:fontRef>
+            </p:style>
+            <p:txBody>
+              <a:bodyPr rtlCol="0" anchor="ctr"/>
+              <a:lstStyle/>
+              <a:p>
+                <a:pPr algn="ctr"/>
+                <a14:m>
+                  <m:oMathPara xmlns:m="http://schemas.openxmlformats.org/officeDocument/2006/math">
+                    <m:oMathParaPr>
+                      <m:jc m:val="centerGroup"/>
+                    </m:oMathParaPr>
+                    <m:oMath xmlns:m="http://schemas.openxmlformats.org/officeDocument/2006/math">
+                      <m:sSup>
+                        <m:sSupPr>
+                          <m:ctrlPr>
+                            <a:rPr lang="en-US" altLang="zh-CN" i="1" smtClean="0">
+                              <a:latin typeface="Cambria Math"/>
+                            </a:rPr>
+                          </m:ctrlPr>
+                        </m:sSupPr>
+                        <m:e>
+                          <m:sSub>
+                            <m:sSubPr>
+                              <m:ctrlPr>
+                                <a:rPr lang="en-US" altLang="zh-CN" b="0" i="1" smtClean="0">
+                                  <a:latin typeface="Cambria Math"/>
+                                </a:rPr>
+                              </m:ctrlPr>
+                            </m:sSubPr>
+                            <m:e>
+                              <m:r>
+                                <a:rPr lang="en-US" altLang="zh-CN" b="0" i="1" smtClean="0">
+                                  <a:latin typeface="Cambria Math"/>
+                                </a:rPr>
+                                <m:t>𝑧</m:t>
+                              </m:r>
+                            </m:e>
+                            <m:sub>
+                              <m:r>
+                                <a:rPr lang="en-US" altLang="zh-CN" b="0" i="1" smtClean="0">
+                                  <a:latin typeface="Cambria Math"/>
+                                </a:rPr>
+                                <m:t>1</m:t>
+                              </m:r>
+                            </m:sub>
+                          </m:sSub>
+                        </m:e>
+                        <m:sup>
+                          <m:r>
+                            <a:rPr lang="en-US" altLang="zh-CN" b="0" i="1" smtClean="0">
+                              <a:latin typeface="Cambria Math"/>
+                            </a:rPr>
+                            <m:t>(3)</m:t>
+                          </m:r>
+                        </m:sup>
+                      </m:sSup>
+                      <m:r>
+                        <a:rPr lang="en-US" altLang="zh-CN" b="0" i="1" smtClean="0">
+                          <a:latin typeface="Cambria Math"/>
+                        </a:rPr>
+                        <m:t>|</m:t>
+                      </m:r>
+                      <m:sSup>
+                        <m:sSupPr>
+                          <m:ctrlPr>
+                            <a:rPr lang="en-US" altLang="zh-CN" b="0" i="1" smtClean="0">
+                              <a:latin typeface="Cambria Math"/>
+                            </a:rPr>
+                          </m:ctrlPr>
+                        </m:sSupPr>
+                        <m:e>
+                          <m:sSub>
+                            <m:sSubPr>
+                              <m:ctrlPr>
+                                <a:rPr lang="en-US" altLang="zh-CN" b="0" i="1" smtClean="0">
+                                  <a:latin typeface="Cambria Math"/>
+                                </a:rPr>
+                              </m:ctrlPr>
+                            </m:sSubPr>
+                            <m:e>
+                              <m:r>
+                                <a:rPr lang="en-US" altLang="zh-CN" b="0" i="1" smtClean="0">
+                                  <a:latin typeface="Cambria Math"/>
+                                </a:rPr>
+                                <m:t>𝑎</m:t>
+                              </m:r>
+                            </m:e>
+                            <m:sub>
+                              <m:r>
+                                <a:rPr lang="en-US" altLang="zh-CN" b="0" i="1" smtClean="0">
+                                  <a:latin typeface="Cambria Math"/>
+                                </a:rPr>
+                                <m:t>1</m:t>
+                              </m:r>
+                            </m:sub>
+                          </m:sSub>
+                        </m:e>
+                        <m:sup>
+                          <m:r>
+                            <a:rPr lang="en-US" altLang="zh-CN" b="0" i="1" smtClean="0">
+                              <a:latin typeface="Cambria Math"/>
+                            </a:rPr>
+                            <m:t>(3)</m:t>
+                          </m:r>
+                        </m:sup>
+                      </m:sSup>
+                    </m:oMath>
+                  </m:oMathPara>
+                </a14:m>
+                <a:endParaRPr lang="zh-CN" altLang="en-US" dirty="0"/>
+              </a:p>
+            </p:txBody>
+          </p:sp>
+        </mc:Choice>
+        <mc:Fallback>
+          <p:sp>
+            <p:nvSpPr>
+              <p:cNvPr id="11" name="椭圆 10"/>
+              <p:cNvSpPr>
+                <a:spLocks noRot="1" noChangeAspect="1" noMove="1" noResize="1" noEditPoints="1" noAdjustHandles="1" noChangeArrowheads="1" noChangeShapeType="1" noTextEdit="1"/>
+              </p:cNvSpPr>
+              <p:nvPr/>
+            </p:nvSpPr>
+            <p:spPr>
+              <a:xfrm>
+                <a:off x="6588224" y="2564904"/>
+                <a:ext cx="1656184" cy="504056"/>
+              </a:xfrm>
+              <a:prstGeom prst="ellipse">
+                <a:avLst/>
+              </a:prstGeom>
+              <a:blipFill rotWithShape="1">
+                <a:blip r:embed="rId3"/>
+                <a:stretch>
+                  <a:fillRect/>
+                </a:stretch>
+              </a:blipFill>
+            </p:spPr>
+            <p:txBody>
+              <a:bodyPr/>
+              <a:lstStyle/>
+              <a:p>
+                <a:r>
+                  <a:rPr lang="zh-CN" altLang="en-US">
+                    <a:noFill/>
+                  </a:rPr>
+                  <a:t> </a:t>
+                </a:r>
+              </a:p>
+            </p:txBody>
+          </p:sp>
+        </mc:Fallback>
+      </mc:AlternateContent>
+      <p:cxnSp>
+        <p:nvCxnSpPr>
+          <p:cNvPr id="12" name="直接箭头连接符 11"/>
+          <p:cNvCxnSpPr>
+            <a:stCxn id="4" idx="6"/>
+            <a:endCxn id="8" idx="2"/>
+          </p:cNvCxnSpPr>
+          <p:nvPr/>
+        </p:nvCxnSpPr>
+        <p:spPr>
+          <a:xfrm flipV="1">
+            <a:off x="1907704" y="1880828"/>
+            <a:ext cx="1800200" cy="504056"/>
+          </a:xfrm>
+          <a:prstGeom prst="straightConnector1">
+            <a:avLst/>
+          </a:prstGeom>
+          <a:ln>
+            <a:tailEnd type="arrow"/>
+          </a:ln>
+        </p:spPr>
+        <p:style>
+          <a:lnRef idx="1">
+            <a:schemeClr val="accent1"/>
+          </a:lnRef>
+          <a:fillRef idx="0">
+            <a:schemeClr val="accent1"/>
+          </a:fillRef>
+          <a:effectRef idx="0">
+            <a:schemeClr val="accent1"/>
+          </a:effectRef>
+          <a:fontRef idx="minor">
+            <a:schemeClr val="tx1"/>
+          </a:fontRef>
+        </p:style>
+      </p:cxnSp>
+      <p:cxnSp>
+        <p:nvCxnSpPr>
+          <p:cNvPr id="14" name="直接箭头连接符 13"/>
+          <p:cNvCxnSpPr>
+            <a:stCxn id="4" idx="6"/>
+            <a:endCxn id="9" idx="2"/>
+          </p:cNvCxnSpPr>
+          <p:nvPr/>
+        </p:nvCxnSpPr>
+        <p:spPr>
+          <a:xfrm>
+            <a:off x="1907704" y="2384884"/>
+            <a:ext cx="1800200" cy="504056"/>
+          </a:xfrm>
+          <a:prstGeom prst="straightConnector1">
+            <a:avLst/>
+          </a:prstGeom>
+          <a:ln>
+            <a:tailEnd type="arrow"/>
+          </a:ln>
+        </p:spPr>
+        <p:style>
+          <a:lnRef idx="1">
+            <a:schemeClr val="accent1"/>
+          </a:lnRef>
+          <a:fillRef idx="0">
+            <a:schemeClr val="accent1"/>
+          </a:fillRef>
+          <a:effectRef idx="0">
+            <a:schemeClr val="accent1"/>
+          </a:effectRef>
+          <a:fontRef idx="minor">
+            <a:schemeClr val="tx1"/>
+          </a:fontRef>
+        </p:style>
+      </p:cxnSp>
+      <p:cxnSp>
+        <p:nvCxnSpPr>
+          <p:cNvPr id="16" name="直接箭头连接符 15"/>
+          <p:cNvCxnSpPr>
+            <a:stCxn id="4" idx="6"/>
+            <a:endCxn id="10" idx="2"/>
+          </p:cNvCxnSpPr>
+          <p:nvPr/>
+        </p:nvCxnSpPr>
+        <p:spPr>
+          <a:xfrm>
+            <a:off x="1907704" y="2384884"/>
+            <a:ext cx="1800200" cy="1440160"/>
+          </a:xfrm>
+          <a:prstGeom prst="straightConnector1">
+            <a:avLst/>
+          </a:prstGeom>
+          <a:ln>
+            <a:tailEnd type="arrow"/>
+          </a:ln>
+        </p:spPr>
+        <p:style>
+          <a:lnRef idx="1">
+            <a:schemeClr val="accent1"/>
+          </a:lnRef>
+          <a:fillRef idx="0">
+            <a:schemeClr val="accent1"/>
+          </a:fillRef>
+          <a:effectRef idx="0">
+            <a:schemeClr val="accent1"/>
+          </a:effectRef>
+          <a:fontRef idx="minor">
+            <a:schemeClr val="tx1"/>
+          </a:fontRef>
+        </p:style>
+      </p:cxnSp>
+      <p:cxnSp>
+        <p:nvCxnSpPr>
+          <p:cNvPr id="18" name="直接箭头连接符 17"/>
+          <p:cNvCxnSpPr>
+            <a:stCxn id="6" idx="6"/>
+            <a:endCxn id="8" idx="2"/>
+          </p:cNvCxnSpPr>
+          <p:nvPr/>
+        </p:nvCxnSpPr>
+        <p:spPr>
+          <a:xfrm flipV="1">
+            <a:off x="1907704" y="1880828"/>
+            <a:ext cx="1800200" cy="1440160"/>
+          </a:xfrm>
+          <a:prstGeom prst="straightConnector1">
+            <a:avLst/>
+          </a:prstGeom>
+          <a:ln>
+            <a:tailEnd type="arrow"/>
+          </a:ln>
+        </p:spPr>
+        <p:style>
+          <a:lnRef idx="1">
+            <a:schemeClr val="accent1"/>
+          </a:lnRef>
+          <a:fillRef idx="0">
+            <a:schemeClr val="accent1"/>
+          </a:fillRef>
+          <a:effectRef idx="0">
+            <a:schemeClr val="accent1"/>
+          </a:effectRef>
+          <a:fontRef idx="minor">
+            <a:schemeClr val="tx1"/>
+          </a:fontRef>
+        </p:style>
+      </p:cxnSp>
+      <p:cxnSp>
+        <p:nvCxnSpPr>
+          <p:cNvPr id="20" name="直接箭头连接符 19"/>
+          <p:cNvCxnSpPr>
+            <a:stCxn id="6" idx="6"/>
+            <a:endCxn id="9" idx="2"/>
+          </p:cNvCxnSpPr>
+          <p:nvPr/>
+        </p:nvCxnSpPr>
+        <p:spPr>
+          <a:xfrm flipV="1">
+            <a:off x="1907704" y="2888940"/>
+            <a:ext cx="1800200" cy="432048"/>
+          </a:xfrm>
+          <a:prstGeom prst="straightConnector1">
+            <a:avLst/>
+          </a:prstGeom>
+          <a:ln>
+            <a:tailEnd type="arrow"/>
+          </a:ln>
+        </p:spPr>
+        <p:style>
+          <a:lnRef idx="1">
+            <a:schemeClr val="accent1"/>
+          </a:lnRef>
+          <a:fillRef idx="0">
+            <a:schemeClr val="accent1"/>
+          </a:fillRef>
+          <a:effectRef idx="0">
+            <a:schemeClr val="accent1"/>
+          </a:effectRef>
+          <a:fontRef idx="minor">
+            <a:schemeClr val="tx1"/>
+          </a:fontRef>
+        </p:style>
+      </p:cxnSp>
+      <p:cxnSp>
+        <p:nvCxnSpPr>
+          <p:cNvPr id="22" name="直接箭头连接符 21"/>
+          <p:cNvCxnSpPr>
+            <a:stCxn id="6" idx="6"/>
+            <a:endCxn id="10" idx="2"/>
+          </p:cNvCxnSpPr>
+          <p:nvPr/>
+        </p:nvCxnSpPr>
+        <p:spPr>
+          <a:xfrm>
+            <a:off x="1907704" y="3320988"/>
+            <a:ext cx="1800200" cy="504056"/>
+          </a:xfrm>
+          <a:prstGeom prst="straightConnector1">
+            <a:avLst/>
+          </a:prstGeom>
+          <a:ln>
+            <a:tailEnd type="arrow"/>
+          </a:ln>
+        </p:spPr>
+        <p:style>
+          <a:lnRef idx="1">
+            <a:schemeClr val="accent1"/>
+          </a:lnRef>
+          <a:fillRef idx="0">
+            <a:schemeClr val="accent1"/>
+          </a:fillRef>
+          <a:effectRef idx="0">
+            <a:schemeClr val="accent1"/>
+          </a:effectRef>
+          <a:fontRef idx="minor">
+            <a:schemeClr val="tx1"/>
+          </a:fontRef>
+        </p:style>
+      </p:cxnSp>
+      <p:cxnSp>
+        <p:nvCxnSpPr>
+          <p:cNvPr id="24" name="直接箭头连接符 23"/>
+          <p:cNvCxnSpPr>
+            <a:stCxn id="8" idx="6"/>
+            <a:endCxn id="11" idx="2"/>
+          </p:cNvCxnSpPr>
+          <p:nvPr/>
+        </p:nvCxnSpPr>
+        <p:spPr>
+          <a:xfrm>
+            <a:off x="5220072" y="1880828"/>
+            <a:ext cx="1368152" cy="936104"/>
+          </a:xfrm>
+          <a:prstGeom prst="straightConnector1">
+            <a:avLst/>
+          </a:prstGeom>
+          <a:ln>
+            <a:tailEnd type="arrow"/>
+          </a:ln>
+        </p:spPr>
+        <p:style>
+          <a:lnRef idx="1">
+            <a:schemeClr val="accent1"/>
+          </a:lnRef>
+          <a:fillRef idx="0">
+            <a:schemeClr val="accent1"/>
+          </a:fillRef>
+          <a:effectRef idx="0">
+            <a:schemeClr val="accent1"/>
+          </a:effectRef>
+          <a:fontRef idx="minor">
+            <a:schemeClr val="tx1"/>
+          </a:fontRef>
+        </p:style>
+      </p:cxnSp>
+      <p:cxnSp>
+        <p:nvCxnSpPr>
+          <p:cNvPr id="26" name="直接箭头连接符 25"/>
+          <p:cNvCxnSpPr>
+            <a:stCxn id="9" idx="6"/>
+            <a:endCxn id="11" idx="2"/>
+          </p:cNvCxnSpPr>
+          <p:nvPr/>
+        </p:nvCxnSpPr>
+        <p:spPr>
+          <a:xfrm flipV="1">
+            <a:off x="5220072" y="2816932"/>
+            <a:ext cx="1368152" cy="72008"/>
+          </a:xfrm>
+          <a:prstGeom prst="straightConnector1">
+            <a:avLst/>
+          </a:prstGeom>
+          <a:ln>
+            <a:tailEnd type="arrow"/>
+          </a:ln>
+        </p:spPr>
+        <p:style>
+          <a:lnRef idx="1">
+            <a:schemeClr val="accent1"/>
+          </a:lnRef>
+          <a:fillRef idx="0">
+            <a:schemeClr val="accent1"/>
+          </a:fillRef>
+          <a:effectRef idx="0">
+            <a:schemeClr val="accent1"/>
+          </a:effectRef>
+          <a:fontRef idx="minor">
+            <a:schemeClr val="tx1"/>
+          </a:fontRef>
+        </p:style>
+      </p:cxnSp>
+      <p:cxnSp>
+        <p:nvCxnSpPr>
+          <p:cNvPr id="28" name="直接箭头连接符 27"/>
+          <p:cNvCxnSpPr>
+            <a:stCxn id="10" idx="6"/>
+            <a:endCxn id="11" idx="2"/>
+          </p:cNvCxnSpPr>
+          <p:nvPr/>
+        </p:nvCxnSpPr>
+        <p:spPr>
+          <a:xfrm flipV="1">
+            <a:off x="5220072" y="2816932"/>
+            <a:ext cx="1368152" cy="1008112"/>
+          </a:xfrm>
+          <a:prstGeom prst="straightConnector1">
+            <a:avLst/>
+          </a:prstGeom>
+          <a:ln>
+            <a:tailEnd type="arrow"/>
+          </a:ln>
+        </p:spPr>
+        <p:style>
+          <a:lnRef idx="1">
+            <a:schemeClr val="accent1"/>
+          </a:lnRef>
+          <a:fillRef idx="0">
+            <a:schemeClr val="accent1"/>
+          </a:fillRef>
+          <a:effectRef idx="0">
+            <a:schemeClr val="accent1"/>
+          </a:effectRef>
+          <a:fontRef idx="minor">
+            <a:schemeClr val="tx1"/>
+          </a:fontRef>
+        </p:style>
+      </p:cxnSp>
+      <p:sp>
+        <p:nvSpPr>
+          <p:cNvPr id="29" name="矩形 28"/>
+          <p:cNvSpPr/>
+          <p:nvPr/>
+        </p:nvSpPr>
+        <p:spPr>
+          <a:xfrm>
+            <a:off x="1331640" y="1052736"/>
+            <a:ext cx="648072" cy="360040"/>
+          </a:xfrm>
+          <a:prstGeom prst="rect">
+            <a:avLst/>
+          </a:prstGeom>
+        </p:spPr>
+        <p:style>
+          <a:lnRef idx="2">
+            <a:schemeClr val="accent1"/>
+          </a:lnRef>
+          <a:fillRef idx="1">
+            <a:schemeClr val="lt1"/>
+          </a:fillRef>
+          <a:effectRef idx="0">
+            <a:schemeClr val="accent1"/>
+          </a:effectRef>
+          <a:fontRef idx="minor">
+            <a:schemeClr val="dk1"/>
+          </a:fontRef>
+        </p:style>
+        <p:txBody>
+          <a:bodyPr rtlCol="0" anchor="ctr"/>
+          <a:lstStyle/>
+          <a:p>
+            <a:pPr algn="ctr"/>
+            <a:r>
+              <a:rPr lang="en-US" altLang="zh-CN" sz="1600" dirty="0" smtClean="0"/>
+              <a:t>input</a:t>
+            </a:r>
+            <a:endParaRPr lang="zh-CN" altLang="en-US" sz="1600" dirty="0"/>
+          </a:p>
+        </p:txBody>
+      </p:sp>
+      <p:sp>
+        <p:nvSpPr>
+          <p:cNvPr id="32" name="矩形 31"/>
+          <p:cNvSpPr/>
+          <p:nvPr/>
+        </p:nvSpPr>
+        <p:spPr>
+          <a:xfrm>
+            <a:off x="4067944" y="1053851"/>
+            <a:ext cx="720080" cy="360040"/>
+          </a:xfrm>
+          <a:prstGeom prst="rect">
+            <a:avLst/>
+          </a:prstGeom>
+        </p:spPr>
+        <p:style>
+          <a:lnRef idx="2">
+            <a:schemeClr val="accent1"/>
+          </a:lnRef>
+          <a:fillRef idx="1">
+            <a:schemeClr val="lt1"/>
+          </a:fillRef>
+          <a:effectRef idx="0">
+            <a:schemeClr val="accent1"/>
+          </a:effectRef>
+          <a:fontRef idx="minor">
+            <a:schemeClr val="dk1"/>
+          </a:fontRef>
+        </p:style>
+        <p:txBody>
+          <a:bodyPr rtlCol="0" anchor="ctr"/>
+          <a:lstStyle/>
+          <a:p>
+            <a:pPr algn="ctr"/>
+            <a:r>
+              <a:rPr lang="en-US" altLang="zh-CN" sz="1600" dirty="0" smtClean="0"/>
+              <a:t>layer1</a:t>
+            </a:r>
+            <a:endParaRPr lang="zh-CN" altLang="en-US" sz="1600" dirty="0"/>
+          </a:p>
+        </p:txBody>
+      </p:sp>
+      <p:sp>
+        <p:nvSpPr>
+          <p:cNvPr id="33" name="矩形 32"/>
+          <p:cNvSpPr/>
+          <p:nvPr/>
+        </p:nvSpPr>
+        <p:spPr>
+          <a:xfrm>
+            <a:off x="6804248" y="1052736"/>
+            <a:ext cx="936104" cy="360040"/>
+          </a:xfrm>
+          <a:prstGeom prst="rect">
+            <a:avLst/>
+          </a:prstGeom>
+        </p:spPr>
+        <p:style>
+          <a:lnRef idx="2">
+            <a:schemeClr val="accent1"/>
+          </a:lnRef>
+          <a:fillRef idx="1">
+            <a:schemeClr val="lt1"/>
+          </a:fillRef>
+          <a:effectRef idx="0">
+            <a:schemeClr val="accent1"/>
+          </a:effectRef>
+          <a:fontRef idx="minor">
+            <a:schemeClr val="dk1"/>
+          </a:fontRef>
+        </p:style>
+        <p:txBody>
+          <a:bodyPr rtlCol="0" anchor="ctr"/>
+          <a:lstStyle/>
+          <a:p>
+            <a:pPr algn="ctr"/>
+            <a:r>
+              <a:rPr lang="en-US" altLang="zh-CN" sz="1600" dirty="0" smtClean="0"/>
+              <a:t>output</a:t>
+            </a:r>
+            <a:endParaRPr lang="zh-CN" altLang="en-US" sz="1600" dirty="0"/>
+          </a:p>
+        </p:txBody>
+      </p:sp>
+      <mc:AlternateContent xmlns:mc="http://schemas.openxmlformats.org/markup-compatibility/2006">
+        <mc:Choice xmlns:a14="http://schemas.microsoft.com/office/drawing/2010/main" Requires="a14">
+          <p:sp>
+            <p:nvSpPr>
+              <p:cNvPr id="59" name="TextBox 58"/>
+              <p:cNvSpPr txBox="1"/>
+              <p:nvPr/>
+            </p:nvSpPr>
+            <p:spPr>
+              <a:xfrm>
+                <a:off x="2195736" y="1947520"/>
+                <a:ext cx="529208" cy="284693"/>
+              </a:xfrm>
+              <a:prstGeom prst="rect">
+                <a:avLst/>
+              </a:prstGeom>
+              <a:noFill/>
+            </p:spPr>
+            <p:txBody>
+              <a:bodyPr wrap="square" rtlCol="0">
+                <a:spAutoFit/>
+              </a:bodyPr>
+              <a:lstStyle/>
+              <a:p>
+                <a14:m>
+                  <m:oMathPara xmlns:m="http://schemas.openxmlformats.org/officeDocument/2006/math">
+                    <m:oMathParaPr>
+                      <m:jc m:val="centerGroup"/>
+                    </m:oMathParaPr>
+                    <m:oMath xmlns:m="http://schemas.openxmlformats.org/officeDocument/2006/math">
+                      <m:sSup>
+                        <m:sSupPr>
+                          <m:ctrlPr>
+                            <a:rPr lang="en-US" altLang="zh-CN" sz="1200" i="1" smtClean="0">
+                              <a:latin typeface="Cambria Math"/>
+                            </a:rPr>
+                          </m:ctrlPr>
+                        </m:sSupPr>
+                        <m:e>
+                          <m:sSub>
+                            <m:sSubPr>
+                              <m:ctrlPr>
+                                <a:rPr lang="en-US" altLang="zh-CN" sz="1200" b="0" i="1" smtClean="0">
+                                  <a:latin typeface="Cambria Math"/>
+                                </a:rPr>
+                              </m:ctrlPr>
+                            </m:sSubPr>
+                            <m:e>
+                              <m:r>
+                                <a:rPr lang="en-US" altLang="zh-CN" sz="1200" b="0" i="1" smtClean="0">
+                                  <a:latin typeface="Cambria Math"/>
+                                </a:rPr>
+                                <m:t>𝑤</m:t>
+                              </m:r>
+                            </m:e>
+                            <m:sub>
+                              <m:r>
+                                <a:rPr lang="en-US" altLang="zh-CN" sz="1200" b="0" i="1" smtClean="0">
+                                  <a:latin typeface="Cambria Math"/>
+                                </a:rPr>
+                                <m:t>11</m:t>
+                              </m:r>
+                            </m:sub>
+                          </m:sSub>
+                        </m:e>
+                        <m:sup>
+                          <m:r>
+                            <a:rPr lang="en-US" altLang="zh-CN" sz="1200" b="0" i="1" smtClean="0">
+                              <a:latin typeface="Cambria Math"/>
+                            </a:rPr>
+                            <m:t>(2)</m:t>
+                          </m:r>
+                        </m:sup>
+                      </m:sSup>
+                    </m:oMath>
+                  </m:oMathPara>
+                </a14:m>
+                <a:endParaRPr lang="zh-CN" altLang="en-US" dirty="0"/>
+              </a:p>
+            </p:txBody>
+          </p:sp>
+        </mc:Choice>
+        <mc:Fallback>
+          <p:sp>
+            <p:nvSpPr>
+              <p:cNvPr id="59" name="TextBox 58"/>
+              <p:cNvSpPr txBox="1">
+                <a:spLocks noRot="1" noChangeAspect="1" noMove="1" noResize="1" noEditPoints="1" noAdjustHandles="1" noChangeArrowheads="1" noChangeShapeType="1" noTextEdit="1"/>
+              </p:cNvSpPr>
+              <p:nvPr/>
+            </p:nvSpPr>
+            <p:spPr>
+              <a:xfrm>
+                <a:off x="2195736" y="1947520"/>
+                <a:ext cx="529208" cy="284693"/>
+              </a:xfrm>
+              <a:prstGeom prst="rect">
+                <a:avLst/>
+              </a:prstGeom>
+              <a:blipFill rotWithShape="1">
+                <a:blip r:embed="rId4"/>
+                <a:stretch>
+                  <a:fillRect r="-3448"/>
+                </a:stretch>
+              </a:blipFill>
+            </p:spPr>
+            <p:txBody>
+              <a:bodyPr/>
+              <a:lstStyle/>
+              <a:p>
+                <a:r>
+                  <a:rPr lang="zh-CN" altLang="en-US">
+                    <a:noFill/>
+                  </a:rPr>
+                  <a:t> </a:t>
+                </a:r>
+              </a:p>
+            </p:txBody>
+          </p:sp>
+        </mc:Fallback>
+      </mc:AlternateContent>
+      <mc:AlternateContent xmlns:mc="http://schemas.openxmlformats.org/markup-compatibility/2006">
+        <mc:Choice xmlns:a14="http://schemas.microsoft.com/office/drawing/2010/main" Requires="a14">
+          <p:sp>
+            <p:nvSpPr>
+              <p:cNvPr id="61" name="TextBox 60"/>
+              <p:cNvSpPr txBox="1"/>
+              <p:nvPr/>
+            </p:nvSpPr>
+            <p:spPr>
+              <a:xfrm>
+                <a:off x="5724128" y="2204864"/>
+                <a:ext cx="529208" cy="284693"/>
+              </a:xfrm>
+              <a:prstGeom prst="rect">
+                <a:avLst/>
+              </a:prstGeom>
+              <a:noFill/>
+            </p:spPr>
+            <p:txBody>
+              <a:bodyPr wrap="square" rtlCol="0">
+                <a:spAutoFit/>
+              </a:bodyPr>
+              <a:lstStyle/>
+              <a:p>
+                <a14:m>
+                  <m:oMathPara xmlns:m="http://schemas.openxmlformats.org/officeDocument/2006/math">
+                    <m:oMathParaPr>
+                      <m:jc m:val="centerGroup"/>
+                    </m:oMathParaPr>
+                    <m:oMath xmlns:m="http://schemas.openxmlformats.org/officeDocument/2006/math">
+                      <m:sSup>
+                        <m:sSupPr>
+                          <m:ctrlPr>
+                            <a:rPr lang="en-US" altLang="zh-CN" sz="1200" i="1" smtClean="0">
+                              <a:latin typeface="Cambria Math"/>
+                            </a:rPr>
+                          </m:ctrlPr>
+                        </m:sSupPr>
+                        <m:e>
+                          <m:sSub>
+                            <m:sSubPr>
+                              <m:ctrlPr>
+                                <a:rPr lang="en-US" altLang="zh-CN" sz="1200" b="0" i="1" smtClean="0">
+                                  <a:latin typeface="Cambria Math"/>
+                                </a:rPr>
+                              </m:ctrlPr>
+                            </m:sSubPr>
+                            <m:e>
+                              <m:r>
+                                <a:rPr lang="en-US" altLang="zh-CN" sz="1200" b="0" i="1" smtClean="0">
+                                  <a:latin typeface="Cambria Math"/>
+                                </a:rPr>
+                                <m:t>𝑤</m:t>
+                              </m:r>
+                            </m:e>
+                            <m:sub>
+                              <m:r>
+                                <a:rPr lang="en-US" altLang="zh-CN" sz="1200" b="0" i="1" smtClean="0">
+                                  <a:latin typeface="Cambria Math"/>
+                                </a:rPr>
+                                <m:t>11</m:t>
+                              </m:r>
+                            </m:sub>
+                          </m:sSub>
+                        </m:e>
+                        <m:sup>
+                          <m:r>
+                            <a:rPr lang="en-US" altLang="zh-CN" sz="1200" b="0" i="1" smtClean="0">
+                              <a:latin typeface="Cambria Math"/>
+                            </a:rPr>
+                            <m:t>(3)</m:t>
+                          </m:r>
+                        </m:sup>
+                      </m:sSup>
+                    </m:oMath>
+                  </m:oMathPara>
+                </a14:m>
+                <a:endParaRPr lang="zh-CN" altLang="en-US" dirty="0"/>
+              </a:p>
+            </p:txBody>
+          </p:sp>
+        </mc:Choice>
+        <mc:Fallback>
+          <p:sp>
+            <p:nvSpPr>
+              <p:cNvPr id="61" name="TextBox 60"/>
+              <p:cNvSpPr txBox="1">
+                <a:spLocks noRot="1" noChangeAspect="1" noMove="1" noResize="1" noEditPoints="1" noAdjustHandles="1" noChangeArrowheads="1" noChangeShapeType="1" noTextEdit="1"/>
+              </p:cNvSpPr>
+              <p:nvPr/>
+            </p:nvSpPr>
+            <p:spPr>
+              <a:xfrm>
+                <a:off x="5724128" y="2204864"/>
+                <a:ext cx="529208" cy="284693"/>
+              </a:xfrm>
+              <a:prstGeom prst="rect">
+                <a:avLst/>
+              </a:prstGeom>
+              <a:blipFill rotWithShape="1">
+                <a:blip r:embed="rId5"/>
+                <a:stretch>
+                  <a:fillRect r="-2299"/>
+                </a:stretch>
+              </a:blipFill>
+            </p:spPr>
+            <p:txBody>
+              <a:bodyPr/>
+              <a:lstStyle/>
+              <a:p>
+                <a:r>
+                  <a:rPr lang="zh-CN" altLang="en-US">
+                    <a:noFill/>
+                  </a:rPr>
+                  <a:t> </a:t>
+                </a:r>
+              </a:p>
+            </p:txBody>
+          </p:sp>
+        </mc:Fallback>
+      </mc:AlternateContent>
+      <mc:AlternateContent xmlns:mc="http://schemas.openxmlformats.org/markup-compatibility/2006">
+        <mc:Choice xmlns:a14="http://schemas.microsoft.com/office/drawing/2010/main" Requires="a14">
+          <p:sp>
+            <p:nvSpPr>
+              <p:cNvPr id="62" name="TextBox 61"/>
+              <p:cNvSpPr txBox="1"/>
+              <p:nvPr/>
+            </p:nvSpPr>
+            <p:spPr>
+              <a:xfrm>
+                <a:off x="2267744" y="3429000"/>
+                <a:ext cx="529208" cy="284693"/>
+              </a:xfrm>
+              <a:prstGeom prst="rect">
+                <a:avLst/>
+              </a:prstGeom>
+              <a:noFill/>
+            </p:spPr>
+            <p:txBody>
+              <a:bodyPr wrap="square" rtlCol="0">
+                <a:spAutoFit/>
+              </a:bodyPr>
+              <a:lstStyle/>
+              <a:p>
+                <a14:m>
+                  <m:oMathPara xmlns:m="http://schemas.openxmlformats.org/officeDocument/2006/math">
+                    <m:oMathParaPr>
+                      <m:jc m:val="centerGroup"/>
+                    </m:oMathParaPr>
+                    <m:oMath xmlns:m="http://schemas.openxmlformats.org/officeDocument/2006/math">
+                      <m:sSup>
+                        <m:sSupPr>
+                          <m:ctrlPr>
+                            <a:rPr lang="en-US" altLang="zh-CN" sz="1200" i="1" smtClean="0">
+                              <a:latin typeface="Cambria Math"/>
+                            </a:rPr>
+                          </m:ctrlPr>
+                        </m:sSupPr>
+                        <m:e>
+                          <m:sSub>
+                            <m:sSubPr>
+                              <m:ctrlPr>
+                                <a:rPr lang="en-US" altLang="zh-CN" sz="1200" b="0" i="1" smtClean="0">
+                                  <a:latin typeface="Cambria Math"/>
+                                </a:rPr>
+                              </m:ctrlPr>
+                            </m:sSubPr>
+                            <m:e>
+                              <m:r>
+                                <a:rPr lang="en-US" altLang="zh-CN" sz="1200" b="0" i="1" smtClean="0">
+                                  <a:latin typeface="Cambria Math"/>
+                                </a:rPr>
+                                <m:t>𝑤</m:t>
+                              </m:r>
+                            </m:e>
+                            <m:sub>
+                              <m:r>
+                                <a:rPr lang="en-US" altLang="zh-CN" sz="1200" b="0" i="1" smtClean="0">
+                                  <a:latin typeface="Cambria Math"/>
+                                </a:rPr>
+                                <m:t>23</m:t>
+                              </m:r>
+                            </m:sub>
+                          </m:sSub>
+                        </m:e>
+                        <m:sup>
+                          <m:r>
+                            <a:rPr lang="en-US" altLang="zh-CN" sz="1200" b="0" i="1" smtClean="0">
+                              <a:latin typeface="Cambria Math"/>
+                            </a:rPr>
+                            <m:t>(2)</m:t>
+                          </m:r>
+                        </m:sup>
+                      </m:sSup>
+                    </m:oMath>
+                  </m:oMathPara>
+                </a14:m>
+                <a:endParaRPr lang="zh-CN" altLang="en-US" dirty="0"/>
+              </a:p>
+            </p:txBody>
+          </p:sp>
+        </mc:Choice>
+        <mc:Fallback>
+          <p:sp>
+            <p:nvSpPr>
+              <p:cNvPr id="62" name="TextBox 61"/>
+              <p:cNvSpPr txBox="1">
+                <a:spLocks noRot="1" noChangeAspect="1" noMove="1" noResize="1" noEditPoints="1" noAdjustHandles="1" noChangeArrowheads="1" noChangeShapeType="1" noTextEdit="1"/>
+              </p:cNvSpPr>
+              <p:nvPr/>
+            </p:nvSpPr>
+            <p:spPr>
+              <a:xfrm>
+                <a:off x="2267744" y="3429000"/>
+                <a:ext cx="529208" cy="284693"/>
+              </a:xfrm>
+              <a:prstGeom prst="rect">
+                <a:avLst/>
+              </a:prstGeom>
+              <a:blipFill rotWithShape="1">
+                <a:blip r:embed="rId6"/>
+                <a:stretch>
+                  <a:fillRect r="-3448"/>
+                </a:stretch>
+              </a:blipFill>
+            </p:spPr>
+            <p:txBody>
+              <a:bodyPr/>
+              <a:lstStyle/>
+              <a:p>
+                <a:r>
+                  <a:rPr lang="zh-CN" altLang="en-US">
+                    <a:noFill/>
+                  </a:rPr>
+                  <a:t> </a:t>
+                </a:r>
+              </a:p>
+            </p:txBody>
+          </p:sp>
+        </mc:Fallback>
+      </mc:AlternateContent>
+      <p:sp>
+        <p:nvSpPr>
+          <p:cNvPr id="8193" name="TextBox 8192"/>
+          <p:cNvSpPr txBox="1"/>
+          <p:nvPr/>
+        </p:nvSpPr>
+        <p:spPr>
+          <a:xfrm>
+            <a:off x="2915816" y="4221088"/>
+            <a:ext cx="3024336" cy="646331"/>
+          </a:xfrm>
+          <a:prstGeom prst="rect">
+            <a:avLst/>
+          </a:prstGeom>
+          <a:noFill/>
+        </p:spPr>
+        <p:txBody>
+          <a:bodyPr wrap="square" rtlCol="0">
+            <a:spAutoFit/>
+          </a:bodyPr>
+          <a:lstStyle/>
+          <a:p>
+            <a:pPr algn="ctr"/>
+            <a:endParaRPr lang="en-US" altLang="zh-CN" dirty="0" smtClean="0"/>
+          </a:p>
+          <a:p>
+            <a:pPr algn="ctr"/>
+            <a:r>
+              <a:rPr lang="zh-CN" altLang="en-US" dirty="0" smtClean="0"/>
+              <a:t>图</a:t>
+            </a:r>
+            <a:r>
+              <a:rPr lang="en-US" altLang="zh-CN" dirty="0" smtClean="0"/>
+              <a:t>9</a:t>
+            </a:r>
+            <a:r>
+              <a:rPr lang="zh-CN" altLang="en-US" dirty="0" smtClean="0"/>
+              <a:t>：三层前馈神经网络</a:t>
+            </a:r>
+            <a:endParaRPr lang="zh-CN" altLang="en-US" dirty="0"/>
+          </a:p>
+        </p:txBody>
+      </p:sp>
+      <mc:AlternateContent xmlns:mc="http://schemas.openxmlformats.org/markup-compatibility/2006">
+        <mc:Choice xmlns:a14="http://schemas.microsoft.com/office/drawing/2010/main" Requires="a14">
+          <p:sp>
+            <p:nvSpPr>
+              <p:cNvPr id="8195" name="TextBox 8194"/>
+              <p:cNvSpPr txBox="1"/>
+              <p:nvPr/>
+            </p:nvSpPr>
+            <p:spPr>
+              <a:xfrm>
+                <a:off x="1151620" y="4870012"/>
+                <a:ext cx="6624736" cy="1523238"/>
+              </a:xfrm>
+              <a:prstGeom prst="rect">
+                <a:avLst/>
+              </a:prstGeom>
+              <a:noFill/>
+            </p:spPr>
+            <p:txBody>
+              <a:bodyPr wrap="square" rtlCol="0">
+                <a:spAutoFit/>
+              </a:bodyPr>
+              <a:lstStyle/>
+              <a:p>
+                <a:pPr/>
+                <a14:m>
+                  <m:oMathPara xmlns:m="http://schemas.openxmlformats.org/officeDocument/2006/math">
+                    <m:oMathParaPr>
+                      <m:jc m:val="left"/>
+                    </m:oMathParaPr>
+                    <m:oMath xmlns:m="http://schemas.openxmlformats.org/officeDocument/2006/math">
+                      <m:sSup>
+                        <m:sSupPr>
+                          <m:ctrlPr>
+                            <a:rPr lang="en-US" altLang="zh-CN" i="1" smtClean="0">
+                              <a:latin typeface="Cambria Math"/>
+                            </a:rPr>
+                          </m:ctrlPr>
+                        </m:sSupPr>
+                        <m:e>
+                          <m:sSub>
+                            <m:sSubPr>
+                              <m:ctrlPr>
+                                <a:rPr lang="en-US" altLang="zh-CN" b="0" i="1" smtClean="0">
+                                  <a:latin typeface="Cambria Math"/>
+                                </a:rPr>
+                              </m:ctrlPr>
+                            </m:sSubPr>
+                            <m:e>
+                              <m:r>
+                                <a:rPr lang="en-US" altLang="zh-CN" b="0" i="1" smtClean="0">
+                                  <a:latin typeface="Cambria Math"/>
+                                </a:rPr>
+                                <m:t>𝑧</m:t>
+                              </m:r>
+                            </m:e>
+                            <m:sub>
+                              <m:r>
+                                <a:rPr lang="en-US" altLang="zh-CN" b="0" i="1" smtClean="0">
+                                  <a:latin typeface="Cambria Math"/>
+                                </a:rPr>
+                                <m:t>1</m:t>
+                              </m:r>
+                            </m:sub>
+                          </m:sSub>
+                        </m:e>
+                        <m:sup>
+                          <m:r>
+                            <a:rPr lang="en-US" altLang="zh-CN" b="0" i="1" smtClean="0">
+                              <a:latin typeface="Cambria Math"/>
+                            </a:rPr>
+                            <m:t>(2)</m:t>
+                          </m:r>
+                        </m:sup>
+                      </m:sSup>
+                      <m:r>
+                        <a:rPr lang="en-US" altLang="zh-CN" b="0" i="1" smtClean="0">
+                          <a:latin typeface="Cambria Math"/>
+                        </a:rPr>
+                        <m:t>=</m:t>
+                      </m:r>
+                      <m:sSub>
+                        <m:sSubPr>
+                          <m:ctrlPr>
+                            <a:rPr lang="en-US" altLang="zh-CN" b="0" i="1" smtClean="0">
+                              <a:latin typeface="Cambria Math"/>
+                            </a:rPr>
+                          </m:ctrlPr>
+                        </m:sSubPr>
+                        <m:e>
+                          <m:r>
+                            <a:rPr lang="en-US" altLang="zh-CN" b="0" i="1" smtClean="0">
+                              <a:latin typeface="Cambria Math"/>
+                            </a:rPr>
+                            <m:t>𝑥</m:t>
+                          </m:r>
+                        </m:e>
+                        <m:sub>
+                          <m:r>
+                            <a:rPr lang="en-US" altLang="zh-CN" b="0" i="1" smtClean="0">
+                              <a:latin typeface="Cambria Math"/>
+                            </a:rPr>
+                            <m:t>1</m:t>
+                          </m:r>
+                        </m:sub>
+                      </m:sSub>
+                      <m:sSup>
+                        <m:sSupPr>
+                          <m:ctrlPr>
+                            <a:rPr lang="en-US" altLang="zh-CN" b="0" i="1" smtClean="0">
+                              <a:latin typeface="Cambria Math"/>
+                            </a:rPr>
+                          </m:ctrlPr>
+                        </m:sSupPr>
+                        <m:e>
+                          <m:sSub>
+                            <m:sSubPr>
+                              <m:ctrlPr>
+                                <a:rPr lang="en-US" altLang="zh-CN" b="0" i="1" smtClean="0">
+                                  <a:latin typeface="Cambria Math"/>
+                                </a:rPr>
+                              </m:ctrlPr>
+                            </m:sSubPr>
+                            <m:e>
+                              <m:r>
+                                <a:rPr lang="en-US" altLang="zh-CN" b="0" i="1" smtClean="0">
+                                  <a:latin typeface="Cambria Math"/>
+                                </a:rPr>
+                                <m:t>𝑤</m:t>
+                              </m:r>
+                            </m:e>
+                            <m:sub>
+                              <m:r>
+                                <a:rPr lang="en-US" altLang="zh-CN" b="0" i="1" smtClean="0">
+                                  <a:latin typeface="Cambria Math"/>
+                                </a:rPr>
+                                <m:t>11</m:t>
+                              </m:r>
+                            </m:sub>
+                          </m:sSub>
+                        </m:e>
+                        <m:sup>
+                          <m:r>
+                            <a:rPr lang="en-US" altLang="zh-CN" b="0" i="1" smtClean="0">
+                              <a:latin typeface="Cambria Math"/>
+                            </a:rPr>
+                            <m:t>(2)</m:t>
+                          </m:r>
+                        </m:sup>
+                      </m:sSup>
+                      <m:r>
+                        <a:rPr lang="en-US" altLang="zh-CN" b="0" i="1" smtClean="0">
+                          <a:latin typeface="Cambria Math"/>
+                        </a:rPr>
+                        <m:t>+</m:t>
+                      </m:r>
+                      <m:sSub>
+                        <m:sSubPr>
+                          <m:ctrlPr>
+                            <a:rPr lang="en-US" altLang="zh-CN" b="0" i="1" smtClean="0">
+                              <a:latin typeface="Cambria Math"/>
+                            </a:rPr>
+                          </m:ctrlPr>
+                        </m:sSubPr>
+                        <m:e>
+                          <m:r>
+                            <a:rPr lang="en-US" altLang="zh-CN" b="0" i="1" smtClean="0">
+                              <a:latin typeface="Cambria Math"/>
+                            </a:rPr>
+                            <m:t>𝑥</m:t>
+                          </m:r>
+                        </m:e>
+                        <m:sub>
+                          <m:r>
+                            <a:rPr lang="en-US" altLang="zh-CN" b="0" i="1" smtClean="0">
+                              <a:latin typeface="Cambria Math"/>
+                            </a:rPr>
+                            <m:t>1</m:t>
+                          </m:r>
+                        </m:sub>
+                      </m:sSub>
+                      <m:sSup>
+                        <m:sSupPr>
+                          <m:ctrlPr>
+                            <a:rPr lang="en-US" altLang="zh-CN" b="0" i="1" smtClean="0">
+                              <a:latin typeface="Cambria Math"/>
+                            </a:rPr>
+                          </m:ctrlPr>
+                        </m:sSupPr>
+                        <m:e>
+                          <m:sSub>
+                            <m:sSubPr>
+                              <m:ctrlPr>
+                                <a:rPr lang="en-US" altLang="zh-CN" b="0" i="1" smtClean="0">
+                                  <a:latin typeface="Cambria Math"/>
+                                </a:rPr>
+                              </m:ctrlPr>
+                            </m:sSubPr>
+                            <m:e>
+                              <m:r>
+                                <a:rPr lang="en-US" altLang="zh-CN" b="0" i="1" smtClean="0">
+                                  <a:latin typeface="Cambria Math"/>
+                                </a:rPr>
+                                <m:t>𝑤</m:t>
+                              </m:r>
+                            </m:e>
+                            <m:sub>
+                              <m:r>
+                                <a:rPr lang="en-US" altLang="zh-CN" b="0" i="1" smtClean="0">
+                                  <a:latin typeface="Cambria Math"/>
+                                </a:rPr>
+                                <m:t>21</m:t>
+                              </m:r>
+                            </m:sub>
+                          </m:sSub>
+                        </m:e>
+                        <m:sup>
+                          <m:r>
+                            <a:rPr lang="en-US" altLang="zh-CN" b="0" i="1" smtClean="0">
+                              <a:latin typeface="Cambria Math"/>
+                            </a:rPr>
+                            <m:t>(2)</m:t>
+                          </m:r>
+                        </m:sup>
+                      </m:sSup>
+                    </m:oMath>
+                  </m:oMathPara>
+                </a14:m>
+                <a:endParaRPr lang="en-US" altLang="zh-CN" b="0" dirty="0" smtClean="0"/>
+              </a:p>
+              <a:p>
+                <a:pPr/>
+                <a14:m>
+                  <m:oMathPara xmlns:m="http://schemas.openxmlformats.org/officeDocument/2006/math">
+                    <m:oMathParaPr>
+                      <m:jc m:val="left"/>
+                    </m:oMathParaPr>
+                    <m:oMath xmlns:m="http://schemas.openxmlformats.org/officeDocument/2006/math">
+                      <m:sSup>
+                        <m:sSupPr>
+                          <m:ctrlPr>
+                            <a:rPr lang="en-US" altLang="zh-CN" i="1" smtClean="0">
+                              <a:latin typeface="Cambria Math"/>
+                            </a:rPr>
+                          </m:ctrlPr>
+                        </m:sSupPr>
+                        <m:e>
+                          <m:sSub>
+                            <m:sSubPr>
+                              <m:ctrlPr>
+                                <a:rPr lang="en-US" altLang="zh-CN" b="0" i="1" smtClean="0">
+                                  <a:latin typeface="Cambria Math"/>
+                                </a:rPr>
+                              </m:ctrlPr>
+                            </m:sSubPr>
+                            <m:e>
+                              <m:r>
+                                <a:rPr lang="en-US" altLang="zh-CN" b="0" i="1" smtClean="0">
+                                  <a:latin typeface="Cambria Math"/>
+                                </a:rPr>
+                                <m:t>𝑎</m:t>
+                              </m:r>
+                            </m:e>
+                            <m:sub>
+                              <m:r>
+                                <a:rPr lang="en-US" altLang="zh-CN" b="0" i="1" smtClean="0">
+                                  <a:latin typeface="Cambria Math"/>
+                                </a:rPr>
+                                <m:t>1</m:t>
+                              </m:r>
+                            </m:sub>
+                          </m:sSub>
+                        </m:e>
+                        <m:sup>
+                          <m:r>
+                            <a:rPr lang="en-US" altLang="zh-CN" b="0" i="1" smtClean="0">
+                              <a:latin typeface="Cambria Math"/>
+                            </a:rPr>
+                            <m:t>(2)</m:t>
+                          </m:r>
+                        </m:sup>
+                      </m:sSup>
+                      <m:r>
+                        <a:rPr lang="en-US" altLang="zh-CN" b="0" i="1" smtClean="0">
+                          <a:latin typeface="Cambria Math"/>
+                        </a:rPr>
+                        <m:t>=</m:t>
+                      </m:r>
+                      <m:r>
+                        <a:rPr lang="en-US" altLang="zh-CN" b="0" i="1" smtClean="0">
+                          <a:latin typeface="Cambria Math"/>
+                        </a:rPr>
+                        <m:t>𝑓</m:t>
+                      </m:r>
+                      <m:r>
+                        <a:rPr lang="en-US" altLang="zh-CN" b="0" i="1" smtClean="0">
+                          <a:latin typeface="Cambria Math"/>
+                        </a:rPr>
+                        <m:t>(</m:t>
+                      </m:r>
+                      <m:sSup>
+                        <m:sSupPr>
+                          <m:ctrlPr>
+                            <a:rPr lang="en-US" altLang="zh-CN" b="0" i="1" smtClean="0">
+                              <a:latin typeface="Cambria Math"/>
+                            </a:rPr>
+                          </m:ctrlPr>
+                        </m:sSupPr>
+                        <m:e>
+                          <m:sSub>
+                            <m:sSubPr>
+                              <m:ctrlPr>
+                                <a:rPr lang="en-US" altLang="zh-CN" b="0" i="1" smtClean="0">
+                                  <a:latin typeface="Cambria Math"/>
+                                </a:rPr>
+                              </m:ctrlPr>
+                            </m:sSubPr>
+                            <m:e>
+                              <m:r>
+                                <a:rPr lang="en-US" altLang="zh-CN" b="0" i="1" smtClean="0">
+                                  <a:latin typeface="Cambria Math"/>
+                                </a:rPr>
+                                <m:t>𝑧</m:t>
+                              </m:r>
+                            </m:e>
+                            <m:sub>
+                              <m:r>
+                                <a:rPr lang="en-US" altLang="zh-CN" b="0" i="1" smtClean="0">
+                                  <a:latin typeface="Cambria Math"/>
+                                </a:rPr>
+                                <m:t>1</m:t>
+                              </m:r>
+                            </m:sub>
+                          </m:sSub>
+                        </m:e>
+                        <m:sup>
+                          <m:r>
+                            <a:rPr lang="en-US" altLang="zh-CN" b="0" i="1" smtClean="0">
+                              <a:latin typeface="Cambria Math"/>
+                            </a:rPr>
+                            <m:t>(2)</m:t>
+                          </m:r>
+                        </m:sup>
+                      </m:sSup>
+                      <m:r>
+                        <a:rPr lang="en-US" altLang="zh-CN" b="0" i="1" smtClean="0">
+                          <a:latin typeface="Cambria Math"/>
+                        </a:rPr>
+                        <m:t>)</m:t>
+                      </m:r>
+                    </m:oMath>
+                  </m:oMathPara>
+                </a14:m>
+                <a:endParaRPr lang="en-US" altLang="zh-CN" dirty="0" smtClean="0"/>
+              </a:p>
+              <a:p>
+                <a:pPr/>
+                <a14:m>
+                  <m:oMathPara xmlns:m="http://schemas.openxmlformats.org/officeDocument/2006/math">
+                    <m:oMathParaPr>
+                      <m:jc m:val="left"/>
+                    </m:oMathParaPr>
+                    <m:oMath xmlns:m="http://schemas.openxmlformats.org/officeDocument/2006/math">
+                      <m:sSup>
+                        <m:sSupPr>
+                          <m:ctrlPr>
+                            <a:rPr lang="en-US" altLang="zh-CN" i="1">
+                              <a:latin typeface="Cambria Math"/>
+                            </a:rPr>
+                          </m:ctrlPr>
+                        </m:sSupPr>
+                        <m:e>
+                          <m:sSub>
+                            <m:sSubPr>
+                              <m:ctrlPr>
+                                <a:rPr lang="en-US" altLang="zh-CN" i="1">
+                                  <a:latin typeface="Cambria Math"/>
+                                </a:rPr>
+                              </m:ctrlPr>
+                            </m:sSubPr>
+                            <m:e>
+                              <m:r>
+                                <a:rPr lang="en-US" altLang="zh-CN" i="1">
+                                  <a:latin typeface="Cambria Math"/>
+                                </a:rPr>
+                                <m:t>𝑧</m:t>
+                              </m:r>
+                            </m:e>
+                            <m:sub>
+                              <m:r>
+                                <a:rPr lang="en-US" altLang="zh-CN" i="1">
+                                  <a:latin typeface="Cambria Math"/>
+                                </a:rPr>
+                                <m:t>1</m:t>
+                              </m:r>
+                            </m:sub>
+                          </m:sSub>
+                        </m:e>
+                        <m:sup>
+                          <m:r>
+                            <a:rPr lang="en-US" altLang="zh-CN" i="1">
+                              <a:latin typeface="Cambria Math"/>
+                            </a:rPr>
+                            <m:t>(</m:t>
+                          </m:r>
+                          <m:r>
+                            <a:rPr lang="en-US" altLang="zh-CN" b="0" i="1" smtClean="0">
+                              <a:latin typeface="Cambria Math"/>
+                            </a:rPr>
+                            <m:t>3</m:t>
+                          </m:r>
+                          <m:r>
+                            <a:rPr lang="en-US" altLang="zh-CN" i="1">
+                              <a:latin typeface="Cambria Math"/>
+                            </a:rPr>
+                            <m:t>)</m:t>
+                          </m:r>
+                        </m:sup>
+                      </m:sSup>
+                      <m:r>
+                        <a:rPr lang="en-US" altLang="zh-CN" i="1">
+                          <a:latin typeface="Cambria Math"/>
+                        </a:rPr>
+                        <m:t>=</m:t>
+                      </m:r>
+                      <m:sSup>
+                        <m:sSupPr>
+                          <m:ctrlPr>
+                            <a:rPr lang="en-US" altLang="zh-CN" i="1">
+                              <a:latin typeface="Cambria Math"/>
+                            </a:rPr>
+                          </m:ctrlPr>
+                        </m:sSupPr>
+                        <m:e>
+                          <m:sSub>
+                            <m:sSubPr>
+                              <m:ctrlPr>
+                                <a:rPr lang="en-US" altLang="zh-CN" i="1">
+                                  <a:latin typeface="Cambria Math"/>
+                                </a:rPr>
+                              </m:ctrlPr>
+                            </m:sSubPr>
+                            <m:e>
+                              <m:r>
+                                <a:rPr lang="en-US" altLang="zh-CN" i="1">
+                                  <a:latin typeface="Cambria Math"/>
+                                </a:rPr>
+                                <m:t>𝑎</m:t>
+                              </m:r>
+                            </m:e>
+                            <m:sub>
+                              <m:r>
+                                <a:rPr lang="en-US" altLang="zh-CN" i="1">
+                                  <a:latin typeface="Cambria Math"/>
+                                </a:rPr>
+                                <m:t>1</m:t>
+                              </m:r>
+                            </m:sub>
+                          </m:sSub>
+                        </m:e>
+                        <m:sup>
+                          <m:r>
+                            <a:rPr lang="en-US" altLang="zh-CN" i="1">
+                              <a:latin typeface="Cambria Math"/>
+                            </a:rPr>
+                            <m:t>(2)</m:t>
+                          </m:r>
+                        </m:sup>
+                      </m:sSup>
+                      <m:sSup>
+                        <m:sSupPr>
+                          <m:ctrlPr>
+                            <a:rPr lang="en-US" altLang="zh-CN" i="1">
+                              <a:latin typeface="Cambria Math"/>
+                            </a:rPr>
+                          </m:ctrlPr>
+                        </m:sSupPr>
+                        <m:e>
+                          <m:sSub>
+                            <m:sSubPr>
+                              <m:ctrlPr>
+                                <a:rPr lang="en-US" altLang="zh-CN" i="1">
+                                  <a:latin typeface="Cambria Math"/>
+                                </a:rPr>
+                              </m:ctrlPr>
+                            </m:sSubPr>
+                            <m:e>
+                              <m:r>
+                                <a:rPr lang="en-US" altLang="zh-CN" i="1">
+                                  <a:latin typeface="Cambria Math"/>
+                                </a:rPr>
+                                <m:t>𝑤</m:t>
+                              </m:r>
+                            </m:e>
+                            <m:sub>
+                              <m:r>
+                                <a:rPr lang="en-US" altLang="zh-CN" i="1">
+                                  <a:latin typeface="Cambria Math"/>
+                                </a:rPr>
+                                <m:t>11</m:t>
+                              </m:r>
+                            </m:sub>
+                          </m:sSub>
+                        </m:e>
+                        <m:sup>
+                          <m:r>
+                            <a:rPr lang="en-US" altLang="zh-CN" i="1">
+                              <a:latin typeface="Cambria Math"/>
+                            </a:rPr>
+                            <m:t>(</m:t>
+                          </m:r>
+                          <m:r>
+                            <a:rPr lang="en-US" altLang="zh-CN" b="0" i="1" smtClean="0">
+                              <a:latin typeface="Cambria Math"/>
+                            </a:rPr>
+                            <m:t>3</m:t>
+                          </m:r>
+                          <m:r>
+                            <a:rPr lang="en-US" altLang="zh-CN" i="1">
+                              <a:latin typeface="Cambria Math"/>
+                            </a:rPr>
+                            <m:t>)</m:t>
+                          </m:r>
+                        </m:sup>
+                      </m:sSup>
+                      <m:r>
+                        <a:rPr lang="en-US" altLang="zh-CN" i="1">
+                          <a:latin typeface="Cambria Math"/>
+                        </a:rPr>
+                        <m:t>+</m:t>
+                      </m:r>
+                      <m:sSup>
+                        <m:sSupPr>
+                          <m:ctrlPr>
+                            <a:rPr lang="en-US" altLang="zh-CN" i="1">
+                              <a:latin typeface="Cambria Math"/>
+                            </a:rPr>
+                          </m:ctrlPr>
+                        </m:sSupPr>
+                        <m:e>
+                          <m:sSub>
+                            <m:sSubPr>
+                              <m:ctrlPr>
+                                <a:rPr lang="en-US" altLang="zh-CN" i="1">
+                                  <a:latin typeface="Cambria Math"/>
+                                </a:rPr>
+                              </m:ctrlPr>
+                            </m:sSubPr>
+                            <m:e>
+                              <m:r>
+                                <a:rPr lang="en-US" altLang="zh-CN" i="1">
+                                  <a:latin typeface="Cambria Math"/>
+                                </a:rPr>
+                                <m:t>𝑎</m:t>
+                              </m:r>
+                            </m:e>
+                            <m:sub>
+                              <m:r>
+                                <a:rPr lang="en-US" altLang="zh-CN" b="0" i="1" smtClean="0">
+                                  <a:latin typeface="Cambria Math"/>
+                                </a:rPr>
+                                <m:t>2</m:t>
+                              </m:r>
+                            </m:sub>
+                          </m:sSub>
+                        </m:e>
+                        <m:sup>
+                          <m:r>
+                            <a:rPr lang="en-US" altLang="zh-CN" i="1">
+                              <a:latin typeface="Cambria Math"/>
+                            </a:rPr>
+                            <m:t>(2)</m:t>
+                          </m:r>
+                        </m:sup>
+                      </m:sSup>
+                      <m:sSup>
+                        <m:sSupPr>
+                          <m:ctrlPr>
+                            <a:rPr lang="en-US" altLang="zh-CN" i="1">
+                              <a:latin typeface="Cambria Math"/>
+                            </a:rPr>
+                          </m:ctrlPr>
+                        </m:sSupPr>
+                        <m:e>
+                          <m:sSub>
+                            <m:sSubPr>
+                              <m:ctrlPr>
+                                <a:rPr lang="en-US" altLang="zh-CN" i="1">
+                                  <a:latin typeface="Cambria Math"/>
+                                </a:rPr>
+                              </m:ctrlPr>
+                            </m:sSubPr>
+                            <m:e>
+                              <m:r>
+                                <a:rPr lang="en-US" altLang="zh-CN" i="1">
+                                  <a:latin typeface="Cambria Math"/>
+                                </a:rPr>
+                                <m:t>𝑤</m:t>
+                              </m:r>
+                            </m:e>
+                            <m:sub>
+                              <m:r>
+                                <a:rPr lang="en-US" altLang="zh-CN" i="1">
+                                  <a:latin typeface="Cambria Math"/>
+                                </a:rPr>
+                                <m:t>21</m:t>
+                              </m:r>
+                            </m:sub>
+                          </m:sSub>
+                        </m:e>
+                        <m:sup>
+                          <m:r>
+                            <a:rPr lang="en-US" altLang="zh-CN" i="1">
+                              <a:latin typeface="Cambria Math"/>
+                            </a:rPr>
+                            <m:t>(</m:t>
+                          </m:r>
+                          <m:r>
+                            <a:rPr lang="en-US" altLang="zh-CN" b="0" i="1" smtClean="0">
+                              <a:latin typeface="Cambria Math"/>
+                            </a:rPr>
+                            <m:t>3</m:t>
+                          </m:r>
+                          <m:r>
+                            <a:rPr lang="en-US" altLang="zh-CN" i="1">
+                              <a:latin typeface="Cambria Math"/>
+                            </a:rPr>
+                            <m:t>)</m:t>
+                          </m:r>
+                        </m:sup>
+                      </m:sSup>
+                      <m:r>
+                        <a:rPr lang="en-US" altLang="zh-CN" b="0" i="1" smtClean="0">
+                          <a:latin typeface="Cambria Math"/>
+                        </a:rPr>
+                        <m:t>+</m:t>
+                      </m:r>
+                      <m:sSup>
+                        <m:sSupPr>
+                          <m:ctrlPr>
+                            <a:rPr lang="en-US" altLang="zh-CN" i="1">
+                              <a:latin typeface="Cambria Math"/>
+                            </a:rPr>
+                          </m:ctrlPr>
+                        </m:sSupPr>
+                        <m:e>
+                          <m:sSub>
+                            <m:sSubPr>
+                              <m:ctrlPr>
+                                <a:rPr lang="en-US" altLang="zh-CN" i="1">
+                                  <a:latin typeface="Cambria Math"/>
+                                </a:rPr>
+                              </m:ctrlPr>
+                            </m:sSubPr>
+                            <m:e>
+                              <m:r>
+                                <a:rPr lang="en-US" altLang="zh-CN" i="1">
+                                  <a:latin typeface="Cambria Math"/>
+                                </a:rPr>
+                                <m:t>𝑎</m:t>
+                              </m:r>
+                            </m:e>
+                            <m:sub>
+                              <m:r>
+                                <a:rPr lang="en-US" altLang="zh-CN" b="0" i="1" smtClean="0">
+                                  <a:latin typeface="Cambria Math"/>
+                                </a:rPr>
+                                <m:t>3</m:t>
+                              </m:r>
+                            </m:sub>
+                          </m:sSub>
+                        </m:e>
+                        <m:sup>
+                          <m:r>
+                            <a:rPr lang="en-US" altLang="zh-CN" i="1">
+                              <a:latin typeface="Cambria Math"/>
+                            </a:rPr>
+                            <m:t>(2)</m:t>
+                          </m:r>
+                        </m:sup>
+                      </m:sSup>
+                      <m:sSup>
+                        <m:sSupPr>
+                          <m:ctrlPr>
+                            <a:rPr lang="en-US" altLang="zh-CN" i="1">
+                              <a:latin typeface="Cambria Math"/>
+                            </a:rPr>
+                          </m:ctrlPr>
+                        </m:sSupPr>
+                        <m:e>
+                          <m:sSub>
+                            <m:sSubPr>
+                              <m:ctrlPr>
+                                <a:rPr lang="en-US" altLang="zh-CN" i="1">
+                                  <a:latin typeface="Cambria Math"/>
+                                </a:rPr>
+                              </m:ctrlPr>
+                            </m:sSubPr>
+                            <m:e>
+                              <m:r>
+                                <a:rPr lang="en-US" altLang="zh-CN" i="1">
+                                  <a:latin typeface="Cambria Math"/>
+                                </a:rPr>
+                                <m:t>𝑤</m:t>
+                              </m:r>
+                            </m:e>
+                            <m:sub>
+                              <m:r>
+                                <a:rPr lang="en-US" altLang="zh-CN" b="0" i="1" smtClean="0">
+                                  <a:latin typeface="Cambria Math"/>
+                                </a:rPr>
+                                <m:t>3</m:t>
+                              </m:r>
+                              <m:r>
+                                <a:rPr lang="en-US" altLang="zh-CN" i="1">
+                                  <a:latin typeface="Cambria Math"/>
+                                </a:rPr>
+                                <m:t>1</m:t>
+                              </m:r>
+                            </m:sub>
+                          </m:sSub>
+                        </m:e>
+                        <m:sup>
+                          <m:r>
+                            <a:rPr lang="en-US" altLang="zh-CN" i="1">
+                              <a:latin typeface="Cambria Math"/>
+                            </a:rPr>
+                            <m:t>(</m:t>
+                          </m:r>
+                          <m:r>
+                            <a:rPr lang="en-US" altLang="zh-CN" b="0" i="1" smtClean="0">
+                              <a:latin typeface="Cambria Math"/>
+                            </a:rPr>
+                            <m:t>3</m:t>
+                          </m:r>
+                          <m:r>
+                            <a:rPr lang="en-US" altLang="zh-CN" i="1">
+                              <a:latin typeface="Cambria Math"/>
+                            </a:rPr>
+                            <m:t>)</m:t>
+                          </m:r>
+                        </m:sup>
+                      </m:sSup>
+                    </m:oMath>
+                  </m:oMathPara>
+                </a14:m>
+                <a:endParaRPr lang="en-US" altLang="zh-CN" dirty="0" smtClean="0"/>
+              </a:p>
+              <a:p>
+                <a:pPr/>
+                <a14:m>
+                  <m:oMathPara xmlns:m="http://schemas.openxmlformats.org/officeDocument/2006/math">
+                    <m:oMathParaPr>
+                      <m:jc m:val="left"/>
+                    </m:oMathParaPr>
+                    <m:oMath xmlns:m="http://schemas.openxmlformats.org/officeDocument/2006/math">
+                      <m:sSup>
+                        <m:sSupPr>
+                          <m:ctrlPr>
+                            <a:rPr lang="en-US" altLang="zh-CN" i="1">
+                              <a:latin typeface="Cambria Math"/>
+                            </a:rPr>
+                          </m:ctrlPr>
+                        </m:sSupPr>
+                        <m:e>
+                          <m:sSub>
+                            <m:sSubPr>
+                              <m:ctrlPr>
+                                <a:rPr lang="en-US" altLang="zh-CN" i="1">
+                                  <a:latin typeface="Cambria Math"/>
+                                </a:rPr>
+                              </m:ctrlPr>
+                            </m:sSubPr>
+                            <m:e>
+                              <m:r>
+                                <a:rPr lang="en-US" altLang="zh-CN" i="1">
+                                  <a:latin typeface="Cambria Math"/>
+                                </a:rPr>
+                                <m:t>𝑎</m:t>
+                              </m:r>
+                            </m:e>
+                            <m:sub>
+                              <m:r>
+                                <a:rPr lang="en-US" altLang="zh-CN" i="1">
+                                  <a:latin typeface="Cambria Math"/>
+                                </a:rPr>
+                                <m:t>1</m:t>
+                              </m:r>
+                            </m:sub>
+                          </m:sSub>
+                        </m:e>
+                        <m:sup>
+                          <m:r>
+                            <a:rPr lang="en-US" altLang="zh-CN" i="1">
+                              <a:latin typeface="Cambria Math"/>
+                            </a:rPr>
+                            <m:t>(</m:t>
+                          </m:r>
+                          <m:r>
+                            <a:rPr lang="en-US" altLang="zh-CN" b="0" i="1" smtClean="0">
+                              <a:latin typeface="Cambria Math"/>
+                            </a:rPr>
+                            <m:t>3</m:t>
+                          </m:r>
+                          <m:r>
+                            <a:rPr lang="en-US" altLang="zh-CN" i="1">
+                              <a:latin typeface="Cambria Math"/>
+                            </a:rPr>
+                            <m:t>)</m:t>
+                          </m:r>
+                        </m:sup>
+                      </m:sSup>
+                      <m:r>
+                        <a:rPr lang="en-US" altLang="zh-CN" i="1">
+                          <a:latin typeface="Cambria Math"/>
+                        </a:rPr>
+                        <m:t>=</m:t>
+                      </m:r>
+                      <m:r>
+                        <a:rPr lang="en-US" altLang="zh-CN" i="1">
+                          <a:latin typeface="Cambria Math"/>
+                        </a:rPr>
+                        <m:t>𝑓</m:t>
+                      </m:r>
+                      <m:r>
+                        <a:rPr lang="en-US" altLang="zh-CN" i="1">
+                          <a:latin typeface="Cambria Math"/>
+                        </a:rPr>
+                        <m:t>(</m:t>
+                      </m:r>
+                      <m:sSup>
+                        <m:sSupPr>
+                          <m:ctrlPr>
+                            <a:rPr lang="en-US" altLang="zh-CN" i="1">
+                              <a:latin typeface="Cambria Math"/>
+                            </a:rPr>
+                          </m:ctrlPr>
+                        </m:sSupPr>
+                        <m:e>
+                          <m:sSub>
+                            <m:sSubPr>
+                              <m:ctrlPr>
+                                <a:rPr lang="en-US" altLang="zh-CN" i="1">
+                                  <a:latin typeface="Cambria Math"/>
+                                </a:rPr>
+                              </m:ctrlPr>
+                            </m:sSubPr>
+                            <m:e>
+                              <m:r>
+                                <a:rPr lang="en-US" altLang="zh-CN" i="1">
+                                  <a:latin typeface="Cambria Math"/>
+                                </a:rPr>
+                                <m:t>𝑧</m:t>
+                              </m:r>
+                            </m:e>
+                            <m:sub>
+                              <m:r>
+                                <a:rPr lang="en-US" altLang="zh-CN" i="1">
+                                  <a:latin typeface="Cambria Math"/>
+                                </a:rPr>
+                                <m:t>1</m:t>
+                              </m:r>
+                            </m:sub>
+                          </m:sSub>
+                        </m:e>
+                        <m:sup>
+                          <m:r>
+                            <a:rPr lang="en-US" altLang="zh-CN" i="1">
+                              <a:latin typeface="Cambria Math"/>
+                            </a:rPr>
+                            <m:t>(</m:t>
+                          </m:r>
+                          <m:r>
+                            <a:rPr lang="en-US" altLang="zh-CN" b="0" i="1" smtClean="0">
+                              <a:latin typeface="Cambria Math"/>
+                            </a:rPr>
+                            <m:t>3</m:t>
+                          </m:r>
+                          <m:r>
+                            <a:rPr lang="en-US" altLang="zh-CN" i="1">
+                              <a:latin typeface="Cambria Math"/>
+                            </a:rPr>
+                            <m:t>)</m:t>
+                          </m:r>
+                        </m:sup>
+                      </m:sSup>
+                      <m:r>
+                        <a:rPr lang="en-US" altLang="zh-CN" i="1">
+                          <a:latin typeface="Cambria Math"/>
+                        </a:rPr>
+                        <m:t>)</m:t>
+                      </m:r>
+                    </m:oMath>
+                  </m:oMathPara>
+                </a14:m>
+                <a:endParaRPr lang="en-US" altLang="zh-CN" dirty="0" smtClean="0"/>
+              </a:p>
+              <a:p>
+                <a:endParaRPr lang="zh-CN" altLang="en-US" dirty="0"/>
+              </a:p>
+            </p:txBody>
+          </p:sp>
+        </mc:Choice>
+        <mc:Fallback>
+          <p:sp>
+            <p:nvSpPr>
+              <p:cNvPr id="8195" name="TextBox 8194"/>
+              <p:cNvSpPr txBox="1">
+                <a:spLocks noRot="1" noChangeAspect="1" noMove="1" noResize="1" noEditPoints="1" noAdjustHandles="1" noChangeArrowheads="1" noChangeShapeType="1" noTextEdit="1"/>
+              </p:cNvSpPr>
+              <p:nvPr/>
+            </p:nvSpPr>
+            <p:spPr>
+              <a:xfrm>
+                <a:off x="1151620" y="4870012"/>
+                <a:ext cx="6624736" cy="1523238"/>
+              </a:xfrm>
+              <a:prstGeom prst="rect">
+                <a:avLst/>
+              </a:prstGeom>
+              <a:blipFill rotWithShape="1">
+                <a:blip r:embed="rId7"/>
+                <a:stretch>
+                  <a:fillRect/>
+                </a:stretch>
+              </a:blipFill>
+            </p:spPr>
+            <p:txBody>
+              <a:bodyPr/>
+              <a:lstStyle/>
+              <a:p>
+                <a:r>
+                  <a:rPr lang="zh-CN" altLang="en-US">
+                    <a:noFill/>
+                  </a:rPr>
+                  <a:t> </a:t>
+                </a:r>
+              </a:p>
+            </p:txBody>
+          </p:sp>
+        </mc:Fallback>
+      </mc:AlternateContent>
+      <p:sp>
+        <p:nvSpPr>
+          <p:cNvPr id="8196" name="TextBox 8195"/>
+          <p:cNvSpPr txBox="1"/>
+          <p:nvPr/>
+        </p:nvSpPr>
+        <p:spPr>
+          <a:xfrm>
+            <a:off x="1259632" y="6165304"/>
+            <a:ext cx="6336704" cy="369332"/>
+          </a:xfrm>
+          <a:prstGeom prst="rect">
+            <a:avLst/>
+          </a:prstGeom>
+          <a:noFill/>
+        </p:spPr>
+        <p:txBody>
+          <a:bodyPr wrap="square" rtlCol="0">
+            <a:spAutoFit/>
+          </a:bodyPr>
+          <a:lstStyle/>
+          <a:p>
+            <a:r>
+              <a:rPr lang="zh-CN" altLang="en-US" dirty="0" smtClean="0"/>
+              <a:t>反向传播算法推导见</a:t>
+            </a:r>
+            <a:r>
+              <a:rPr lang="en-US" altLang="zh-CN" dirty="0" smtClean="0"/>
+              <a:t>PPT</a:t>
+            </a:r>
+            <a:r>
+              <a:rPr lang="zh-CN" altLang="en-US" dirty="0" smtClean="0"/>
+              <a:t>附录</a:t>
+            </a:r>
+            <a:r>
+              <a:rPr lang="en-US" altLang="zh-CN" dirty="0" smtClean="0"/>
+              <a:t>1</a:t>
+            </a:r>
+            <a:endParaRPr lang="zh-CN" altLang="en-US" dirty="0"/>
+          </a:p>
+        </p:txBody>
+      </p:sp>
+    </p:spTree>
+    <p:extLst>
+      <p:ext uri="{BB962C8B-B14F-4D97-AF65-F5344CB8AC3E}">
+        <p14:creationId xmlns:p14="http://schemas.microsoft.com/office/powerpoint/2010/main" val="2446812648"/>
+      </p:ext>
+    </p:extLst>
+  </p:cSld>
+  <p:clrMapOvr>
+    <a:masterClrMapping/>
+  </p:clrMapOvr>
+</p:sld>
+</file>
+
+<file path=ppt/slides/slide17.xml><?xml version="1.0" encoding="utf-8"?>
+<p:sld xmlns:a="http://schemas.openxmlformats.org/drawingml/2006/main" xmlns:r="http://schemas.openxmlformats.org/officeDocument/2006/relationships" xmlns:p="http://schemas.openxmlformats.org/presentationml/2006/main">
+  <p:cSld>
+    <p:spTree>
+      <p:nvGrpSpPr>
+        <p:cNvPr id="1" name=""/>
+        <p:cNvGrpSpPr/>
+        <p:nvPr/>
+      </p:nvGrpSpPr>
+      <p:grpSpPr>
+        <a:xfrm>
+          <a:off x="0" y="0"/>
+          <a:ext cx="0" cy="0"/>
+          <a:chOff x="0" y="0"/>
+          <a:chExt cx="0" cy="0"/>
+        </a:xfrm>
+      </p:grpSpPr>
+      <p:sp>
+        <p:nvSpPr>
+          <p:cNvPr id="2" name="标题 1"/>
+          <p:cNvSpPr>
+            <a:spLocks noGrp="1"/>
+          </p:cNvSpPr>
+          <p:nvPr>
+            <p:ph type="title"/>
+          </p:nvPr>
+        </p:nvSpPr>
+        <p:spPr/>
+        <p:txBody>
+          <a:bodyPr/>
+          <a:lstStyle/>
+          <a:p>
+            <a:r>
+              <a:rPr lang="zh-CN" altLang="en-US" dirty="0" smtClean="0"/>
+              <a:t>深度学习</a:t>
+            </a:r>
+            <a:endParaRPr lang="zh-CN" altLang="en-US" dirty="0"/>
+          </a:p>
+        </p:txBody>
+      </p:sp>
+      <p:pic>
+        <p:nvPicPr>
+          <p:cNvPr id="4" name="内容占位符 3"/>
+          <p:cNvPicPr>
+            <a:picLocks noGrp="1" noChangeAspect="1"/>
+          </p:cNvPicPr>
+          <p:nvPr>
+            <p:ph idx="1"/>
+          </p:nvPr>
+        </p:nvPicPr>
+        <p:blipFill>
+          <a:blip r:embed="rId2">
+            <a:extLst>
+              <a:ext uri="{28A0092B-C50C-407E-A947-70E740481C1C}">
+                <a14:useLocalDpi xmlns:a14="http://schemas.microsoft.com/office/drawing/2010/main" val="0"/>
+              </a:ext>
+            </a:extLst>
+          </a:blip>
+          <a:stretch>
+            <a:fillRect/>
+          </a:stretch>
+        </p:blipFill>
+        <p:spPr>
+          <a:xfrm>
+            <a:off x="1428588" y="1484784"/>
+            <a:ext cx="6286823" cy="3276768"/>
+          </a:xfrm>
+        </p:spPr>
+      </p:pic>
+      <p:sp>
+        <p:nvSpPr>
+          <p:cNvPr id="5" name="TextBox 4"/>
+          <p:cNvSpPr txBox="1"/>
+          <p:nvPr/>
+        </p:nvSpPr>
+        <p:spPr>
+          <a:xfrm>
+            <a:off x="1547664" y="4869160"/>
+            <a:ext cx="6408712" cy="646331"/>
+          </a:xfrm>
+          <a:prstGeom prst="rect">
+            <a:avLst/>
+          </a:prstGeom>
+          <a:noFill/>
+        </p:spPr>
+        <p:txBody>
+          <a:bodyPr wrap="square" rtlCol="0">
+            <a:spAutoFit/>
+          </a:bodyPr>
+          <a:lstStyle/>
+          <a:p>
+            <a:r>
+              <a:rPr lang="zh-CN" altLang="en-US" dirty="0" smtClean="0"/>
+              <a:t>采用更深层的网络模型进行学习，在如图像处理，自然语言处理中具有更好的效果，像卷积神经网络，循环神经网络等等</a:t>
+            </a:r>
+            <a:endParaRPr lang="zh-CN" altLang="en-US" dirty="0"/>
+          </a:p>
+        </p:txBody>
+      </p:sp>
+    </p:spTree>
+    <p:extLst>
+      <p:ext uri="{BB962C8B-B14F-4D97-AF65-F5344CB8AC3E}">
+        <p14:creationId xmlns:p14="http://schemas.microsoft.com/office/powerpoint/2010/main" val="781835534"/>
+      </p:ext>
+    </p:extLst>
+  </p:cSld>
+  <p:clrMapOvr>
+    <a:masterClrMapping/>
+  </p:clrMapOvr>
+  <p:timing>
+    <p:tnLst>
+      <p:par>
+        <p:cTn id="1" dur="indefinite" restart="never" nodeType="tmRoot"/>
+      </p:par>
+    </p:tnLst>
+  </p:timing>
+</p:sld>
+</file>
+
+<file path=ppt/slides/slide18.xml><?xml version="1.0" encoding="utf-8"?>
+<p:sld xmlns:a="http://schemas.openxmlformats.org/drawingml/2006/main" xmlns:r="http://schemas.openxmlformats.org/officeDocument/2006/relationships" xmlns:p="http://schemas.openxmlformats.org/presentationml/2006/main">
+  <p:cSld>
+    <p:spTree>
+      <p:nvGrpSpPr>
+        <p:cNvPr id="1" name=""/>
+        <p:cNvGrpSpPr/>
+        <p:nvPr/>
+      </p:nvGrpSpPr>
+      <p:grpSpPr>
+        <a:xfrm>
+          <a:off x="0" y="0"/>
+          <a:ext cx="0" cy="0"/>
+          <a:chOff x="0" y="0"/>
+          <a:chExt cx="0" cy="0"/>
+        </a:xfrm>
+      </p:grpSpPr>
+      <p:pic>
+        <p:nvPicPr>
+          <p:cNvPr id="4" name="图片 3"/>
+          <p:cNvPicPr>
+            <a:picLocks noChangeAspect="1"/>
+          </p:cNvPicPr>
+          <p:nvPr/>
+        </p:nvPicPr>
+        <p:blipFill>
+          <a:blip r:embed="rId2">
+            <a:extLst>
+              <a:ext uri="{28A0092B-C50C-407E-A947-70E740481C1C}">
+                <a14:useLocalDpi xmlns:a14="http://schemas.microsoft.com/office/drawing/2010/main" val="0"/>
+              </a:ext>
+            </a:extLst>
+          </a:blip>
+          <a:stretch>
+            <a:fillRect/>
+          </a:stretch>
+        </p:blipFill>
+        <p:spPr>
+          <a:xfrm>
+            <a:off x="0" y="1858952"/>
+            <a:ext cx="9144000" cy="3140095"/>
+          </a:xfrm>
+          <a:prstGeom prst="rect">
+            <a:avLst/>
+          </a:prstGeom>
+        </p:spPr>
+      </p:pic>
+      <p:sp>
+        <p:nvSpPr>
+          <p:cNvPr id="5" name="TextBox 4"/>
+          <p:cNvSpPr txBox="1"/>
+          <p:nvPr/>
+        </p:nvSpPr>
+        <p:spPr>
+          <a:xfrm>
+            <a:off x="2483768" y="4931876"/>
+            <a:ext cx="3384376" cy="369332"/>
+          </a:xfrm>
+          <a:prstGeom prst="rect">
+            <a:avLst/>
+          </a:prstGeom>
+          <a:noFill/>
+        </p:spPr>
+        <p:txBody>
+          <a:bodyPr wrap="square" rtlCol="0">
+            <a:spAutoFit/>
+          </a:bodyPr>
+          <a:lstStyle/>
+          <a:p>
+            <a:r>
+              <a:rPr lang="zh-CN" altLang="en-US" dirty="0" smtClean="0"/>
+              <a:t>图</a:t>
+            </a:r>
+            <a:r>
+              <a:rPr lang="en-US" altLang="zh-CN" dirty="0" smtClean="0"/>
+              <a:t>10</a:t>
+            </a:r>
+            <a:r>
+              <a:rPr lang="zh-CN" altLang="en-US" dirty="0" smtClean="0"/>
+              <a:t>：卷积神经网络结构</a:t>
+            </a:r>
+            <a:endParaRPr lang="zh-CN" altLang="en-US" dirty="0"/>
+          </a:p>
+        </p:txBody>
+      </p:sp>
+    </p:spTree>
+    <p:extLst>
+      <p:ext uri="{BB962C8B-B14F-4D97-AF65-F5344CB8AC3E}">
+        <p14:creationId xmlns:p14="http://schemas.microsoft.com/office/powerpoint/2010/main" val="2500817859"/>
+      </p:ext>
+    </p:extLst>
+  </p:cSld>
+  <p:clrMapOvr>
+    <a:masterClrMapping/>
+  </p:clrMapOvr>
+  <p:timing>
+    <p:tnLst>
+      <p:par>
+        <p:cTn id="1" dur="indefinite" restart="never" nodeType="tmRoot"/>
+      </p:par>
+    </p:tnLst>
+  </p:timing>
+</p:sld>
+</file>
+
+<file path=ppt/slides/slide19.xml><?xml version="1.0" encoding="utf-8"?>
+<p:sld xmlns:a="http://schemas.openxmlformats.org/drawingml/2006/main" xmlns:r="http://schemas.openxmlformats.org/officeDocument/2006/relationships" xmlns:p="http://schemas.openxmlformats.org/presentationml/2006/main">
+  <p:cSld>
+    <p:spTree>
+      <p:nvGrpSpPr>
+        <p:cNvPr id="1" name=""/>
+        <p:cNvGrpSpPr/>
+        <p:nvPr/>
+      </p:nvGrpSpPr>
+      <p:grpSpPr>
+        <a:xfrm>
+          <a:off x="0" y="0"/>
+          <a:ext cx="0" cy="0"/>
+          <a:chOff x="0" y="0"/>
+          <a:chExt cx="0" cy="0"/>
+        </a:xfrm>
+      </p:grpSpPr>
+      <p:pic>
+        <p:nvPicPr>
+          <p:cNvPr id="4" name="图片 3"/>
+          <p:cNvPicPr>
+            <a:picLocks noChangeAspect="1"/>
+          </p:cNvPicPr>
+          <p:nvPr/>
+        </p:nvPicPr>
+        <p:blipFill>
+          <a:blip r:embed="rId2">
+            <a:extLst>
+              <a:ext uri="{28A0092B-C50C-407E-A947-70E740481C1C}">
+                <a14:useLocalDpi xmlns:a14="http://schemas.microsoft.com/office/drawing/2010/main" val="0"/>
+              </a:ext>
+            </a:extLst>
+          </a:blip>
+          <a:stretch>
+            <a:fillRect/>
+          </a:stretch>
+        </p:blipFill>
+        <p:spPr>
+          <a:xfrm>
+            <a:off x="1530051" y="1340768"/>
+            <a:ext cx="6019800" cy="2392680"/>
+          </a:xfrm>
+          <a:prstGeom prst="rect">
+            <a:avLst/>
+          </a:prstGeom>
+        </p:spPr>
+      </p:pic>
+      <p:sp>
+        <p:nvSpPr>
+          <p:cNvPr id="5" name="TextBox 4"/>
+          <p:cNvSpPr txBox="1"/>
+          <p:nvPr/>
+        </p:nvSpPr>
+        <p:spPr>
+          <a:xfrm>
+            <a:off x="2955775" y="4365104"/>
+            <a:ext cx="3168352" cy="369332"/>
+          </a:xfrm>
+          <a:prstGeom prst="rect">
+            <a:avLst/>
+          </a:prstGeom>
+          <a:noFill/>
+        </p:spPr>
+        <p:txBody>
+          <a:bodyPr wrap="square" rtlCol="0">
+            <a:spAutoFit/>
+          </a:bodyPr>
+          <a:lstStyle/>
+          <a:p>
+            <a:r>
+              <a:rPr lang="zh-CN" altLang="en-US" dirty="0" smtClean="0"/>
+              <a:t>图</a:t>
+            </a:r>
+            <a:r>
+              <a:rPr lang="en-US" altLang="zh-CN" dirty="0" smtClean="0"/>
+              <a:t>11</a:t>
+            </a:r>
+            <a:r>
+              <a:rPr lang="zh-CN" altLang="en-US" dirty="0" smtClean="0"/>
+              <a:t>：循环神经网络结构图</a:t>
+            </a:r>
+            <a:endParaRPr lang="zh-CN" altLang="en-US" dirty="0"/>
+          </a:p>
+        </p:txBody>
+      </p:sp>
+    </p:spTree>
+    <p:extLst>
+      <p:ext uri="{BB962C8B-B14F-4D97-AF65-F5344CB8AC3E}">
+        <p14:creationId xmlns:p14="http://schemas.microsoft.com/office/powerpoint/2010/main" val="1794128520"/>
+      </p:ext>
+    </p:extLst>
+  </p:cSld>
+  <p:clrMapOvr>
+    <a:masterClrMapping/>
+  </p:clrMapOvr>
+</p:sld>
+</file>
+
+<file path=ppt/slides/slide2.xml><?xml version="1.0" encoding="utf-8"?>
+<p:sld xmlns:a="http://schemas.openxmlformats.org/drawingml/2006/main" xmlns:r="http://schemas.openxmlformats.org/officeDocument/2006/relationships" xmlns:p="http://schemas.openxmlformats.org/presentationml/2006/main">
+  <p:cSld>
+    <p:spTree>
+      <p:nvGrpSpPr>
+        <p:cNvPr id="1" name=""/>
+        <p:cNvGrpSpPr/>
+        <p:nvPr/>
+      </p:nvGrpSpPr>
+      <p:grpSpPr>
+        <a:xfrm>
+          <a:off x="0" y="0"/>
+          <a:ext cx="0" cy="0"/>
+          <a:chOff x="0" y="0"/>
+          <a:chExt cx="0" cy="0"/>
+        </a:xfrm>
+      </p:grpSpPr>
+      <p:sp>
+        <p:nvSpPr>
+          <p:cNvPr id="2" name="标题 1"/>
+          <p:cNvSpPr>
+            <a:spLocks noGrp="1"/>
+          </p:cNvSpPr>
+          <p:nvPr>
+            <p:ph type="title"/>
+          </p:nvPr>
+        </p:nvSpPr>
+        <p:spPr/>
+        <p:txBody>
+          <a:bodyPr>
+            <a:normAutofit/>
+          </a:bodyPr>
+          <a:lstStyle/>
+          <a:p>
+            <a:r>
+              <a:rPr lang="zh-CN" altLang="en-US" sz="3600" dirty="0" smtClean="0"/>
+              <a:t>人工智能、机器学习、深度学习关系</a:t>
+            </a:r>
+            <a:endParaRPr lang="zh-CN" altLang="en-US" sz="3600" dirty="0"/>
+          </a:p>
+        </p:txBody>
+      </p:sp>
+      <p:pic>
+        <p:nvPicPr>
+          <p:cNvPr id="4" name="内容占位符 3"/>
+          <p:cNvPicPr>
+            <a:picLocks noGrp="1" noChangeAspect="1"/>
+          </p:cNvPicPr>
+          <p:nvPr>
+            <p:ph idx="1"/>
+          </p:nvPr>
+        </p:nvPicPr>
+        <p:blipFill>
+          <a:blip r:embed="rId2">
+            <a:extLst>
+              <a:ext uri="{28A0092B-C50C-407E-A947-70E740481C1C}">
+                <a14:useLocalDpi xmlns:a14="http://schemas.microsoft.com/office/drawing/2010/main" val="0"/>
+              </a:ext>
+            </a:extLst>
+          </a:blip>
+          <a:stretch>
+            <a:fillRect/>
+          </a:stretch>
+        </p:blipFill>
+        <p:spPr>
+          <a:xfrm>
+            <a:off x="2240280" y="2632551"/>
+            <a:ext cx="4663440" cy="2461260"/>
+          </a:xfrm>
+        </p:spPr>
+      </p:pic>
+      <p:sp>
+        <p:nvSpPr>
+          <p:cNvPr id="5" name="TextBox 4"/>
+          <p:cNvSpPr txBox="1"/>
+          <p:nvPr/>
+        </p:nvSpPr>
+        <p:spPr>
+          <a:xfrm>
+            <a:off x="2123728" y="5373216"/>
+            <a:ext cx="4824536" cy="369332"/>
+          </a:xfrm>
+          <a:prstGeom prst="rect">
+            <a:avLst/>
+          </a:prstGeom>
+          <a:noFill/>
+        </p:spPr>
+        <p:txBody>
+          <a:bodyPr wrap="square" rtlCol="0">
+            <a:spAutoFit/>
+          </a:bodyPr>
+          <a:lstStyle/>
+          <a:p>
+            <a:r>
+              <a:rPr lang="zh-CN" altLang="en-US" dirty="0" smtClean="0"/>
+              <a:t>图</a:t>
+            </a:r>
+            <a:r>
+              <a:rPr lang="en-US" altLang="zh-CN" dirty="0" smtClean="0"/>
+              <a:t>1</a:t>
+            </a:r>
+            <a:r>
+              <a:rPr lang="zh-CN" altLang="en-US" dirty="0" smtClean="0"/>
+              <a:t>：人工智能、机器学习、深度学习关系</a:t>
+            </a:r>
+            <a:endParaRPr lang="zh-CN" altLang="en-US" dirty="0"/>
+          </a:p>
+        </p:txBody>
+      </p:sp>
+    </p:spTree>
+    <p:extLst>
+      <p:ext uri="{BB962C8B-B14F-4D97-AF65-F5344CB8AC3E}">
+        <p14:creationId xmlns:p14="http://schemas.microsoft.com/office/powerpoint/2010/main" val="1799993054"/>
+      </p:ext>
+    </p:extLst>
+  </p:cSld>
+  <p:clrMapOvr>
+    <a:masterClrMapping/>
+  </p:clrMapOvr>
+  <p:timing>
+    <p:tnLst>
+      <p:par>
+        <p:cTn id="1" dur="indefinite" restart="never" nodeType="tmRoot"/>
+      </p:par>
+    </p:tnLst>
+  </p:timing>
+</p:sld>
+</file>
+
+<file path=ppt/slides/slide20.xml><?xml version="1.0" encoding="utf-8"?>
+<p:sld xmlns:a="http://schemas.openxmlformats.org/drawingml/2006/main" xmlns:r="http://schemas.openxmlformats.org/officeDocument/2006/relationships" xmlns:p="http://schemas.openxmlformats.org/presentationml/2006/main">
+  <p:cSld>
+    <p:spTree>
+      <p:nvGrpSpPr>
+        <p:cNvPr id="1" name=""/>
+        <p:cNvGrpSpPr/>
+        <p:nvPr/>
+      </p:nvGrpSpPr>
+      <p:grpSpPr>
+        <a:xfrm>
+          <a:off x="0" y="0"/>
+          <a:ext cx="0" cy="0"/>
+          <a:chOff x="0" y="0"/>
+          <a:chExt cx="0" cy="0"/>
+        </a:xfrm>
+      </p:grpSpPr>
+      <p:sp>
+        <p:nvSpPr>
+          <p:cNvPr id="2" name="标题 1"/>
+          <p:cNvSpPr>
+            <a:spLocks noGrp="1"/>
+          </p:cNvSpPr>
+          <p:nvPr>
+            <p:ph type="title"/>
+          </p:nvPr>
+        </p:nvSpPr>
+        <p:spPr>
+          <a:xfrm>
+            <a:off x="395536" y="2708920"/>
+            <a:ext cx="8229600" cy="1143000"/>
+          </a:xfrm>
+        </p:spPr>
+        <p:txBody>
+          <a:bodyPr/>
+          <a:lstStyle/>
+          <a:p>
+            <a:r>
+              <a:rPr lang="zh-CN" altLang="en-US" dirty="0" smtClean="0"/>
+              <a:t>附录</a:t>
+            </a:r>
+            <a:r>
+              <a:rPr lang="en-US" altLang="zh-CN" dirty="0" smtClean="0"/>
+              <a:t>1</a:t>
+            </a:r>
+            <a:endParaRPr lang="zh-CN" altLang="en-US" dirty="0"/>
+          </a:p>
+        </p:txBody>
+      </p:sp>
+    </p:spTree>
+    <p:extLst>
+      <p:ext uri="{BB962C8B-B14F-4D97-AF65-F5344CB8AC3E}">
+        <p14:creationId xmlns:p14="http://schemas.microsoft.com/office/powerpoint/2010/main" val="1672582318"/>
+      </p:ext>
+    </p:extLst>
+  </p:cSld>
+  <p:clrMapOvr>
+    <a:masterClrMapping/>
+  </p:clrMapOvr>
+  <p:timing>
+    <p:tnLst>
+      <p:par>
+        <p:cTn id="1" dur="indefinite" restart="never" nodeType="tmRoot"/>
+      </p:par>
+    </p:tnLst>
+  </p:timing>
+</p:sld>
+</file>
+
+<file path=ppt/slides/slide21.xml><?xml version="1.0" encoding="utf-8"?>
+<p:sld xmlns:a="http://schemas.openxmlformats.org/drawingml/2006/main" xmlns:r="http://schemas.openxmlformats.org/officeDocument/2006/relationships" xmlns:p="http://schemas.openxmlformats.org/presentationml/2006/main">
+  <p:cSld>
+    <p:spTree>
+      <p:nvGrpSpPr>
+        <p:cNvPr id="1" name=""/>
+        <p:cNvGrpSpPr/>
+        <p:nvPr/>
+      </p:nvGrpSpPr>
+      <p:grpSpPr>
+        <a:xfrm>
+          <a:off x="0" y="0"/>
+          <a:ext cx="0" cy="0"/>
+          <a:chOff x="0" y="0"/>
+          <a:chExt cx="0" cy="0"/>
+        </a:xfrm>
+      </p:grpSpPr>
+      <p:sp>
+        <p:nvSpPr>
+          <p:cNvPr id="2" name="标题 1"/>
+          <p:cNvSpPr>
+            <a:spLocks noGrp="1"/>
+          </p:cNvSpPr>
+          <p:nvPr>
+            <p:ph type="title"/>
+          </p:nvPr>
+        </p:nvSpPr>
+        <p:spPr/>
+        <p:txBody>
+          <a:bodyPr/>
+          <a:lstStyle/>
+          <a:p>
+            <a:r>
+              <a:rPr lang="zh-CN" altLang="en-US" dirty="0" smtClean="0"/>
+              <a:t>反向传播算法</a:t>
+            </a:r>
+            <a:endParaRPr lang="zh-CN" altLang="en-US" dirty="0"/>
+          </a:p>
+        </p:txBody>
+      </p:sp>
+      <p:sp>
+        <p:nvSpPr>
+          <p:cNvPr id="3" name="内容占位符 2"/>
+          <p:cNvSpPr>
+            <a:spLocks noGrp="1"/>
+          </p:cNvSpPr>
+          <p:nvPr>
+            <p:ph idx="1"/>
+          </p:nvPr>
+        </p:nvSpPr>
+        <p:spPr/>
+        <p:txBody>
+          <a:bodyPr/>
+          <a:lstStyle/>
+          <a:p>
+            <a:pPr marL="0" indent="0">
+              <a:buNone/>
+            </a:pPr>
+            <a:endParaRPr lang="en-US" altLang="zh-CN" dirty="0" smtClean="0"/>
+          </a:p>
+          <a:p>
+            <a:endParaRPr lang="en-US" altLang="zh-CN" dirty="0"/>
+          </a:p>
+          <a:p>
+            <a:endParaRPr lang="en-US" altLang="zh-CN" dirty="0" smtClean="0"/>
+          </a:p>
+          <a:p>
+            <a:endParaRPr lang="en-US" altLang="zh-CN" dirty="0"/>
+          </a:p>
+          <a:p>
+            <a:endParaRPr lang="en-US" altLang="zh-CN" dirty="0" smtClean="0"/>
+          </a:p>
+          <a:p>
+            <a:endParaRPr lang="zh-CN" altLang="en-US" dirty="0"/>
+          </a:p>
+        </p:txBody>
+      </p:sp>
+      <p:pic>
+        <p:nvPicPr>
+          <p:cNvPr id="5" name="图片 4"/>
+          <p:cNvPicPr>
+            <a:picLocks noChangeAspect="1"/>
+          </p:cNvPicPr>
+          <p:nvPr/>
+        </p:nvPicPr>
+        <p:blipFill>
+          <a:blip r:embed="rId2">
+            <a:extLst>
+              <a:ext uri="{28A0092B-C50C-407E-A947-70E740481C1C}">
+                <a14:useLocalDpi xmlns:a14="http://schemas.microsoft.com/office/drawing/2010/main" val="0"/>
+              </a:ext>
+            </a:extLst>
+          </a:blip>
+          <a:stretch>
+            <a:fillRect/>
+          </a:stretch>
+        </p:blipFill>
+        <p:spPr>
+          <a:xfrm>
+            <a:off x="1427023" y="2996952"/>
+            <a:ext cx="6241321" cy="3068625"/>
+          </a:xfrm>
+          <a:prstGeom prst="rect">
+            <a:avLst/>
+          </a:prstGeom>
+        </p:spPr>
+      </p:pic>
+      <p:sp>
+        <p:nvSpPr>
+          <p:cNvPr id="7" name="TextBox 6"/>
+          <p:cNvSpPr txBox="1"/>
+          <p:nvPr/>
+        </p:nvSpPr>
+        <p:spPr>
+          <a:xfrm>
+            <a:off x="1115616" y="1196752"/>
+            <a:ext cx="6696744" cy="923330"/>
+          </a:xfrm>
+          <a:prstGeom prst="rect">
+            <a:avLst/>
+          </a:prstGeom>
+          <a:noFill/>
+        </p:spPr>
+        <p:txBody>
+          <a:bodyPr wrap="square" rtlCol="0">
+            <a:spAutoFit/>
+          </a:bodyPr>
+          <a:lstStyle/>
+          <a:p>
+            <a:r>
+              <a:rPr lang="en-US" altLang="zh-CN" dirty="0" smtClean="0"/>
+              <a:t>BP</a:t>
+            </a:r>
+            <a:r>
+              <a:rPr lang="zh-CN" altLang="en-US" dirty="0" smtClean="0"/>
+              <a:t>算法思想</a:t>
+            </a:r>
+            <a:r>
+              <a:rPr lang="zh-CN" altLang="en-US" dirty="0" smtClean="0">
+                <a:sym typeface="Wingdings" pitchFamily="2" charset="2"/>
+              </a:rPr>
+              <a:t>：</a:t>
+            </a:r>
+            <a:r>
+              <a:rPr lang="en-US" altLang="zh-CN" dirty="0" smtClean="0">
+                <a:sym typeface="Wingdings" pitchFamily="2" charset="2"/>
+              </a:rPr>
+              <a:t>1</a:t>
+            </a:r>
+            <a:r>
+              <a:rPr lang="zh-CN" altLang="en-US" dirty="0" smtClean="0">
+                <a:sym typeface="Wingdings" pitchFamily="2" charset="2"/>
+              </a:rPr>
+              <a:t>、先计算每一层的状态和激活值，直到最后一层（即前向传播算法）</a:t>
+            </a:r>
+            <a:r>
+              <a:rPr lang="en-US" altLang="zh-CN" dirty="0" smtClean="0">
+                <a:sym typeface="Wingdings" pitchFamily="2" charset="2"/>
+              </a:rPr>
+              <a:t>2</a:t>
+            </a:r>
+            <a:r>
+              <a:rPr lang="zh-CN" altLang="en-US" dirty="0" smtClean="0">
+                <a:sym typeface="Wingdings" pitchFamily="2" charset="2"/>
+              </a:rPr>
+              <a:t>、计算每一层的误差，误差从最后一层开始</a:t>
+            </a:r>
+            <a:r>
+              <a:rPr lang="en-US" altLang="zh-CN" dirty="0" smtClean="0">
+                <a:sym typeface="Wingdings" pitchFamily="2" charset="2"/>
+              </a:rPr>
+              <a:t>3</a:t>
+            </a:r>
+            <a:r>
+              <a:rPr lang="zh-CN" altLang="en-US" dirty="0" smtClean="0">
+                <a:sym typeface="Wingdings" pitchFamily="2" charset="2"/>
+              </a:rPr>
+              <a:t>、更新参数使误差变小。</a:t>
+            </a:r>
+            <a:endParaRPr lang="zh-CN" altLang="en-US" dirty="0"/>
+          </a:p>
+        </p:txBody>
+      </p:sp>
+    </p:spTree>
+    <p:extLst>
+      <p:ext uri="{BB962C8B-B14F-4D97-AF65-F5344CB8AC3E}">
+        <p14:creationId xmlns:p14="http://schemas.microsoft.com/office/powerpoint/2010/main" val="2449592252"/>
+      </p:ext>
+    </p:extLst>
+  </p:cSld>
+  <p:clrMapOvr>
+    <a:masterClrMapping/>
+  </p:clrMapOvr>
+  <p:timing>
+    <p:tnLst>
+      <p:par>
+        <p:cTn id="1" dur="indefinite" restart="never" nodeType="tmRoot"/>
+      </p:par>
+    </p:tnLst>
+  </p:timing>
+</p:sld>
+</file>
+
+<file path=ppt/slides/slide22.xml><?xml version="1.0" encoding="utf-8"?>
 <p:sld xmlns:a="http://schemas.openxmlformats.org/drawingml/2006/main" xmlns:r="http://schemas.openxmlformats.org/officeDocument/2006/relationships" xmlns:p="http://schemas.openxmlformats.org/presentationml/2006/main">
   <p:cSld>
     <p:spTree>
@@ -3194,10 +8427,17 @@
   <p:clrMapOvr>
     <a:masterClrMapping/>
   </p:clrMapOvr>
+  <p:timing>
+    <p:tnLst>
+      <p:par>
+        <p:cTn id="1" dur="indefinite" restart="never" nodeType="tmRoot"/>
+      </p:par>
+    </p:tnLst>
+  </p:timing>
 </p:sld>
 </file>
 
-<file path=ppt/slides/slide11.xml><?xml version="1.0" encoding="utf-8"?>
+<file path=ppt/slides/slide23.xml><?xml version="1.0" encoding="utf-8"?>
 <p:sld xmlns:a="http://schemas.openxmlformats.org/drawingml/2006/main" xmlns:r="http://schemas.openxmlformats.org/officeDocument/2006/relationships" xmlns:p="http://schemas.openxmlformats.org/presentationml/2006/main">
   <p:cSld>
     <p:spTree>
@@ -3276,10 +8516,17 @@
   <p:clrMapOvr>
     <a:masterClrMapping/>
   </p:clrMapOvr>
+  <p:timing>
+    <p:tnLst>
+      <p:par>
+        <p:cTn id="1" dur="indefinite" restart="never" nodeType="tmRoot"/>
+      </p:par>
+    </p:tnLst>
+  </p:timing>
 </p:sld>
 </file>
 
-<file path=ppt/slides/slide12.xml><?xml version="1.0" encoding="utf-8"?>
+<file path=ppt/slides/slide24.xml><?xml version="1.0" encoding="utf-8"?>
 <p:sld xmlns:a="http://schemas.openxmlformats.org/drawingml/2006/main" xmlns:r="http://schemas.openxmlformats.org/officeDocument/2006/relationships" xmlns:p="http://schemas.openxmlformats.org/presentationml/2006/main">
   <p:cSld>
     <p:spTree>
@@ -3363,10 +8610,17 @@
   <p:clrMapOvr>
     <a:masterClrMapping/>
   </p:clrMapOvr>
+  <p:timing>
+    <p:tnLst>
+      <p:par>
+        <p:cTn id="1" dur="indefinite" restart="never" nodeType="tmRoot"/>
+      </p:par>
+    </p:tnLst>
+  </p:timing>
 </p:sld>
 </file>
 
-<file path=ppt/slides/slide13.xml><?xml version="1.0" encoding="utf-8"?>
+<file path=ppt/slides/slide25.xml><?xml version="1.0" encoding="utf-8"?>
 <p:sld xmlns:a="http://schemas.openxmlformats.org/drawingml/2006/main" xmlns:r="http://schemas.openxmlformats.org/officeDocument/2006/relationships" xmlns:p="http://schemas.openxmlformats.org/presentationml/2006/main">
   <p:cSld>
     <p:spTree>
@@ -3445,10 +8699,17 @@
   <p:clrMapOvr>
     <a:masterClrMapping/>
   </p:clrMapOvr>
+  <p:timing>
+    <p:tnLst>
+      <p:par>
+        <p:cTn id="1" dur="indefinite" restart="never" nodeType="tmRoot"/>
+      </p:par>
+    </p:tnLst>
+  </p:timing>
 </p:sld>
 </file>
 
-<file path=ppt/slides/slide14.xml><?xml version="1.0" encoding="utf-8"?>
+<file path=ppt/slides/slide26.xml><?xml version="1.0" encoding="utf-8"?>
 <p:sld xmlns:a="http://schemas.openxmlformats.org/drawingml/2006/main" xmlns:r="http://schemas.openxmlformats.org/officeDocument/2006/relationships" xmlns:p="http://schemas.openxmlformats.org/presentationml/2006/main">
   <p:cSld>
     <p:spTree>
@@ -3537,7 +8798,7 @@
 </p:sld>
 </file>
 
-<file path=ppt/slides/slide15.xml><?xml version="1.0" encoding="utf-8"?>
+<file path=ppt/slides/slide27.xml><?xml version="1.0" encoding="utf-8"?>
 <p:sld xmlns:a="http://schemas.openxmlformats.org/drawingml/2006/main" xmlns:r="http://schemas.openxmlformats.org/officeDocument/2006/relationships" xmlns:p="http://schemas.openxmlformats.org/presentationml/2006/main">
   <p:cSld>
     <p:spTree>
@@ -3626,7 +8887,7 @@
 </p:sld>
 </file>
 
-<file path=ppt/slides/slide16.xml><?xml version="1.0" encoding="utf-8"?>
+<file path=ppt/slides/slide28.xml><?xml version="1.0" encoding="utf-8"?>
 <p:sld xmlns:a="http://schemas.openxmlformats.org/drawingml/2006/main" xmlns:r="http://schemas.openxmlformats.org/officeDocument/2006/relationships" xmlns:p="http://schemas.openxmlformats.org/presentationml/2006/main">
   <p:cSld>
     <p:spTree>
@@ -3715,7 +8976,7 @@
 </p:sld>
 </file>
 
-<file path=ppt/slides/slide17.xml><?xml version="1.0" encoding="utf-8"?>
+<file path=ppt/slides/slide29.xml><?xml version="1.0" encoding="utf-8"?>
 <p:sld xmlns:a="http://schemas.openxmlformats.org/drawingml/2006/main" xmlns:r="http://schemas.openxmlformats.org/officeDocument/2006/relationships" xmlns:p="http://schemas.openxmlformats.org/presentationml/2006/main">
   <p:cSld>
     <p:spTree>
@@ -3804,7 +9065,86 @@
 </p:sld>
 </file>
 
-<file path=ppt/slides/slide18.xml><?xml version="1.0" encoding="utf-8"?>
+<file path=ppt/slides/slide3.xml><?xml version="1.0" encoding="utf-8"?>
+<p:sld xmlns:a="http://schemas.openxmlformats.org/drawingml/2006/main" xmlns:r="http://schemas.openxmlformats.org/officeDocument/2006/relationships" xmlns:p="http://schemas.openxmlformats.org/presentationml/2006/main">
+  <p:cSld>
+    <p:spTree>
+      <p:nvGrpSpPr>
+        <p:cNvPr id="1" name=""/>
+        <p:cNvGrpSpPr/>
+        <p:nvPr/>
+      </p:nvGrpSpPr>
+      <p:grpSpPr>
+        <a:xfrm>
+          <a:off x="0" y="0"/>
+          <a:ext cx="0" cy="0"/>
+          <a:chOff x="0" y="0"/>
+          <a:chExt cx="0" cy="0"/>
+        </a:xfrm>
+      </p:grpSpPr>
+      <p:sp>
+        <p:nvSpPr>
+          <p:cNvPr id="2" name="标题 1"/>
+          <p:cNvSpPr>
+            <a:spLocks noGrp="1"/>
+          </p:cNvSpPr>
+          <p:nvPr>
+            <p:ph type="ctrTitle"/>
+          </p:nvPr>
+        </p:nvSpPr>
+        <p:spPr/>
+        <p:txBody>
+          <a:bodyPr/>
+          <a:lstStyle/>
+          <a:p>
+            <a:r>
+              <a:rPr lang="zh-CN" altLang="en-US" dirty="0" smtClean="0"/>
+              <a:t>什么是机器学习？</a:t>
+            </a:r>
+            <a:endParaRPr lang="zh-CN" altLang="en-US" dirty="0"/>
+          </a:p>
+        </p:txBody>
+      </p:sp>
+      <p:sp>
+        <p:nvSpPr>
+          <p:cNvPr id="3" name="副标题 2"/>
+          <p:cNvSpPr>
+            <a:spLocks noGrp="1"/>
+          </p:cNvSpPr>
+          <p:nvPr>
+            <p:ph type="subTitle" idx="1"/>
+          </p:nvPr>
+        </p:nvSpPr>
+        <p:spPr/>
+        <p:txBody>
+          <a:bodyPr/>
+          <a:lstStyle/>
+          <a:p>
+            <a:endParaRPr lang="zh-CN" altLang="en-US" dirty="0"/>
+          </a:p>
+        </p:txBody>
+      </p:sp>
+    </p:spTree>
+    <p:extLst>
+      <p:ext uri="{BB962C8B-B14F-4D97-AF65-F5344CB8AC3E}">
+        <p14:creationId xmlns:p14="http://schemas.microsoft.com/office/powerpoint/2010/main" val="3703394754"/>
+      </p:ext>
+    </p:extLst>
+  </p:cSld>
+  <p:clrMapOvr>
+    <a:masterClrMapping/>
+  </p:clrMapOvr>
+  <p:timing>
+    <p:tnLst>
+      <p:par>
+        <p:cTn id="1" dur="indefinite" restart="never" nodeType="tmRoot"/>
+      </p:par>
+    </p:tnLst>
+  </p:timing>
+</p:sld>
+</file>
+
+<file path=ppt/slides/slide30.xml><?xml version="1.0" encoding="utf-8"?>
 <p:sld xmlns:a="http://schemas.openxmlformats.org/drawingml/2006/main" xmlns:r="http://schemas.openxmlformats.org/officeDocument/2006/relationships" xmlns:p="http://schemas.openxmlformats.org/presentationml/2006/main">
   <p:cSld>
     <p:spTree>
@@ -3913,10 +9253,17 @@
   <p:clrMapOvr>
     <a:masterClrMapping/>
   </p:clrMapOvr>
+  <p:timing>
+    <p:tnLst>
+      <p:par>
+        <p:cTn id="1" dur="indefinite" restart="never" nodeType="tmRoot"/>
+      </p:par>
+    </p:tnLst>
+  </p:timing>
 </p:sld>
 </file>
 
-<file path=ppt/slides/slide19.xml><?xml version="1.0" encoding="utf-8"?>
+<file path=ppt/slides/slide31.xml><?xml version="1.0" encoding="utf-8"?>
 <p:sld xmlns:a="http://schemas.openxmlformats.org/drawingml/2006/main" xmlns:r="http://schemas.openxmlformats.org/officeDocument/2006/relationships" xmlns:p="http://schemas.openxmlformats.org/presentationml/2006/main">
   <p:cSld>
     <p:spTree>
@@ -3998,7 +9345,7 @@
 </p:sld>
 </file>
 
-<file path=ppt/slides/slide2.xml><?xml version="1.0" encoding="utf-8"?>
+<file path=ppt/slides/slide4.xml><?xml version="1.0" encoding="utf-8"?>
 <p:sld xmlns:a="http://schemas.openxmlformats.org/drawingml/2006/main" xmlns:r="http://schemas.openxmlformats.org/officeDocument/2006/relationships" xmlns:p="http://schemas.openxmlformats.org/presentationml/2006/main">
   <p:cSld>
     <p:spTree>
@@ -4064,11 +9411,93 @@
         </p:blipFill>
         <p:spPr>
           <a:xfrm>
-            <a:off x="457200" y="1881737"/>
+            <a:off x="457200" y="1124744"/>
             <a:ext cx="8229600" cy="3962889"/>
           </a:xfrm>
         </p:spPr>
       </p:pic>
+      <p:sp>
+        <p:nvSpPr>
+          <p:cNvPr id="3" name="TextBox 2"/>
+          <p:cNvSpPr txBox="1"/>
+          <p:nvPr/>
+        </p:nvSpPr>
+        <p:spPr>
+          <a:xfrm>
+            <a:off x="611560" y="5746030"/>
+            <a:ext cx="7992888" cy="923330"/>
+          </a:xfrm>
+          <a:prstGeom prst="rect">
+            <a:avLst/>
+          </a:prstGeom>
+          <a:noFill/>
+        </p:spPr>
+        <p:txBody>
+          <a:bodyPr wrap="square" rtlCol="0">
+            <a:spAutoFit/>
+          </a:bodyPr>
+          <a:lstStyle/>
+          <a:p>
+            <a:r>
+              <a:rPr lang="en-US" altLang="zh-CN" dirty="0" smtClean="0"/>
+              <a:t>A field of study that gives computers the ability to learn without being explicitly programmed</a:t>
+            </a:r>
+          </a:p>
+          <a:p>
+            <a:r>
+              <a:rPr lang="en-US" altLang="zh-CN" dirty="0"/>
+              <a:t>	</a:t>
+            </a:r>
+            <a:r>
+              <a:rPr lang="en-US" altLang="zh-CN" dirty="0" smtClean="0"/>
+              <a:t>				  	------</a:t>
+            </a:r>
+            <a:r>
+              <a:rPr lang="en-US" altLang="zh-CN" dirty="0"/>
+              <a:t>Arthur Samuel</a:t>
+            </a:r>
+            <a:endParaRPr lang="zh-CN" altLang="en-US" dirty="0"/>
+          </a:p>
+        </p:txBody>
+      </p:sp>
+      <p:sp>
+        <p:nvSpPr>
+          <p:cNvPr id="5" name="TextBox 4"/>
+          <p:cNvSpPr txBox="1"/>
+          <p:nvPr/>
+        </p:nvSpPr>
+        <p:spPr>
+          <a:xfrm>
+            <a:off x="2843808" y="5157192"/>
+            <a:ext cx="3672408" cy="369332"/>
+          </a:xfrm>
+          <a:prstGeom prst="rect">
+            <a:avLst/>
+          </a:prstGeom>
+          <a:noFill/>
+        </p:spPr>
+        <p:txBody>
+          <a:bodyPr wrap="square" rtlCol="0">
+            <a:spAutoFit/>
+          </a:bodyPr>
+          <a:lstStyle/>
+          <a:p>
+            <a:r>
+              <a:rPr lang="zh-CN" altLang="en-US" dirty="0" smtClean="0"/>
+              <a:t>图</a:t>
+            </a:r>
+            <a:r>
+              <a:rPr lang="en-US" altLang="zh-CN" dirty="0" smtClean="0"/>
+              <a:t>2</a:t>
+            </a:r>
+            <a:r>
+              <a:rPr lang="zh-CN" altLang="en-US" dirty="0" smtClean="0"/>
+              <a:t>：机器学习与人类归纳</a:t>
+            </a:r>
+            <a:endParaRPr lang="zh-CN" altLang="en-US" dirty="0"/>
+          </a:p>
+        </p:txBody>
+      </p:sp>
     </p:spTree>
     <p:extLst>
       <p:ext uri="{BB962C8B-B14F-4D97-AF65-F5344CB8AC3E}">
@@ -4089,7 +9518,7 @@
 </p:sld>
 </file>
 
-<file path=ppt/slides/slide3.xml><?xml version="1.0" encoding="utf-8"?>
+<file path=ppt/slides/slide5.xml><?xml version="1.0" encoding="utf-8"?>
 <p:sld xmlns:a="http://schemas.openxmlformats.org/drawingml/2006/main" xmlns:r="http://schemas.openxmlformats.org/officeDocument/2006/relationships" xmlns:p="http://schemas.openxmlformats.org/presentationml/2006/main">
   <p:cSld>
     <p:spTree>
@@ -4108,6 +9537,29 @@
       </p:grpSpPr>
       <p:sp>
         <p:nvSpPr>
+          <p:cNvPr id="2" name="标题 1"/>
+          <p:cNvSpPr>
+            <a:spLocks noGrp="1"/>
+          </p:cNvSpPr>
+          <p:nvPr>
+            <p:ph type="title"/>
+          </p:nvPr>
+        </p:nvSpPr>
+        <p:spPr/>
+        <p:txBody>
+          <a:bodyPr/>
+          <a:lstStyle/>
+          <a:p>
+            <a:r>
+              <a:rPr lang="zh-CN" altLang="en-US" dirty="0" smtClean="0"/>
+              <a:t>机器学习十大经典算法</a:t>
+            </a:r>
+            <a:endParaRPr lang="zh-CN" altLang="en-US" dirty="0"/>
+          </a:p>
+        </p:txBody>
+      </p:sp>
+      <p:sp>
+        <p:nvSpPr>
           <p:cNvPr id="3" name="内容占位符 2"/>
           <p:cNvSpPr>
             <a:spLocks noGrp="1"/>
@@ -4118,12 +9570,211 @@
         </p:nvSpPr>
         <p:spPr>
           <a:xfrm>
-            <a:off x="457200" y="476672"/>
-            <a:ext cx="8229600" cy="2160241"/>
+            <a:off x="457200" y="1340768"/>
+            <a:ext cx="8229600" cy="4133056"/>
           </a:xfrm>
         </p:spPr>
         <p:txBody>
-          <a:bodyPr/>
+          <a:bodyPr>
+            <a:normAutofit fontScale="85000" lnSpcReduction="20000"/>
+          </a:bodyPr>
+          <a:lstStyle/>
+          <a:p>
+            <a:r>
+              <a:rPr lang="en-US" altLang="zh-CN" dirty="0" smtClean="0"/>
+              <a:t>SVM(Support Vector Machine)</a:t>
+            </a:r>
+          </a:p>
+          <a:p>
+            <a:r>
+              <a:rPr lang="zh-CN" altLang="en-US" dirty="0" smtClean="0"/>
+              <a:t>决策树</a:t>
+            </a:r>
+            <a:endParaRPr lang="en-US" altLang="zh-CN" dirty="0" smtClean="0"/>
+          </a:p>
+          <a:p>
+            <a:r>
+              <a:rPr lang="zh-CN" altLang="en-US" dirty="0" smtClean="0"/>
+              <a:t>随机森林</a:t>
+            </a:r>
+            <a:endParaRPr lang="en-US" altLang="zh-CN" dirty="0" smtClean="0"/>
+          </a:p>
+          <a:p>
+            <a:r>
+              <a:rPr lang="zh-CN" altLang="en-US" dirty="0"/>
+              <a:t>逻辑</a:t>
+            </a:r>
+            <a:r>
+              <a:rPr lang="zh-CN" altLang="en-US" dirty="0" smtClean="0"/>
+              <a:t>回归</a:t>
+            </a:r>
+            <a:endParaRPr lang="en-US" altLang="zh-CN" dirty="0" smtClean="0"/>
+          </a:p>
+          <a:p>
+            <a:r>
+              <a:rPr lang="zh-CN" altLang="en-US" dirty="0" smtClean="0"/>
+              <a:t>朴素贝叶斯</a:t>
+            </a:r>
+            <a:endParaRPr lang="en-US" altLang="zh-CN" dirty="0" smtClean="0"/>
+          </a:p>
+          <a:p>
+            <a:r>
+              <a:rPr lang="en-US" altLang="zh-CN" dirty="0" smtClean="0"/>
+              <a:t>KNN(K Nearest Neighbor)</a:t>
+            </a:r>
+          </a:p>
+          <a:p>
+            <a:r>
+              <a:rPr lang="en-US" altLang="zh-CN" dirty="0" smtClean="0"/>
+              <a:t>K-means</a:t>
+            </a:r>
+          </a:p>
+          <a:p>
+            <a:r>
+              <a:rPr lang="en-US" altLang="zh-CN" dirty="0" err="1" smtClean="0"/>
+              <a:t>Adaboost</a:t>
+            </a:r>
+            <a:endParaRPr lang="en-US" altLang="zh-CN" dirty="0" smtClean="0"/>
+          </a:p>
+          <a:p>
+            <a:r>
+              <a:rPr lang="zh-CN" altLang="en-US" dirty="0" smtClean="0"/>
+              <a:t>马尔可夫</a:t>
+            </a:r>
+            <a:endParaRPr lang="en-US" altLang="zh-CN" dirty="0" smtClean="0"/>
+          </a:p>
+          <a:p>
+            <a:r>
+              <a:rPr lang="zh-CN" altLang="en-US" dirty="0" smtClean="0"/>
+              <a:t>神经网络</a:t>
+            </a:r>
+            <a:endParaRPr lang="en-US" altLang="zh-CN" dirty="0" smtClean="0"/>
+          </a:p>
+          <a:p>
+            <a:endParaRPr lang="zh-CN" altLang="en-US" dirty="0"/>
+          </a:p>
+        </p:txBody>
+      </p:sp>
+      <p:sp>
+        <p:nvSpPr>
+          <p:cNvPr id="4" name="TextBox 3"/>
+          <p:cNvSpPr txBox="1"/>
+          <p:nvPr/>
+        </p:nvSpPr>
+        <p:spPr>
+          <a:xfrm>
+            <a:off x="611560" y="5805264"/>
+            <a:ext cx="8064896" cy="646331"/>
+          </a:xfrm>
+          <a:prstGeom prst="rect">
+            <a:avLst/>
+          </a:prstGeom>
+          <a:noFill/>
+        </p:spPr>
+        <p:txBody>
+          <a:bodyPr wrap="square" rtlCol="0">
+            <a:spAutoFit/>
+          </a:bodyPr>
+          <a:lstStyle/>
+          <a:p>
+            <a:pPr algn="ctr"/>
+            <a:r>
+              <a:rPr lang="en-US" altLang="zh-CN" dirty="0" smtClean="0"/>
+              <a:t>《</a:t>
+            </a:r>
+            <a:r>
+              <a:rPr lang="zh-CN" altLang="en-US" dirty="0" smtClean="0"/>
+              <a:t>统计学习方法</a:t>
+            </a:r>
+            <a:r>
+              <a:rPr lang="en-US" altLang="zh-CN" dirty="0" smtClean="0"/>
+              <a:t>》</a:t>
+            </a:r>
+            <a:r>
+              <a:rPr lang="zh-CN" altLang="en-US" dirty="0" smtClean="0"/>
+              <a:t>李航</a:t>
+            </a:r>
+            <a:endParaRPr lang="en-US" altLang="zh-CN" dirty="0" smtClean="0"/>
+          </a:p>
+          <a:p>
+            <a:pPr algn="ctr"/>
+            <a:r>
+              <a:rPr lang="en-US" altLang="zh-CN" dirty="0" smtClean="0"/>
+              <a:t>《</a:t>
+            </a:r>
+            <a:r>
+              <a:rPr lang="zh-CN" altLang="en-US" dirty="0" smtClean="0"/>
+              <a:t>机器学习</a:t>
+            </a:r>
+            <a:r>
+              <a:rPr lang="en-US" altLang="zh-CN" dirty="0" smtClean="0"/>
+              <a:t>》</a:t>
+            </a:r>
+            <a:r>
+              <a:rPr lang="zh-CN" altLang="en-US" dirty="0" smtClean="0"/>
+              <a:t>周志华</a:t>
+            </a:r>
+            <a:endParaRPr lang="zh-CN" altLang="en-US" dirty="0"/>
+          </a:p>
+        </p:txBody>
+      </p:sp>
+    </p:spTree>
+    <p:extLst>
+      <p:ext uri="{BB962C8B-B14F-4D97-AF65-F5344CB8AC3E}">
+        <p14:creationId xmlns:p14="http://schemas.microsoft.com/office/powerpoint/2010/main" val="471219759"/>
+      </p:ext>
+    </p:extLst>
+  </p:cSld>
+  <p:clrMapOvr>
+    <a:masterClrMapping/>
+  </p:clrMapOvr>
+  <p:timing>
+    <p:tnLst>
+      <p:par>
+        <p:cTn id="1" dur="indefinite" restart="never" nodeType="tmRoot"/>
+      </p:par>
+    </p:tnLst>
+  </p:timing>
+</p:sld>
+</file>
+
+<file path=ppt/slides/slide6.xml><?xml version="1.0" encoding="utf-8"?>
+<p:sld xmlns:a="http://schemas.openxmlformats.org/drawingml/2006/main" xmlns:r="http://schemas.openxmlformats.org/officeDocument/2006/relationships" xmlns:p="http://schemas.openxmlformats.org/presentationml/2006/main">
+  <p:cSld>
+    <p:spTree>
+      <p:nvGrpSpPr>
+        <p:cNvPr id="1" name=""/>
+        <p:cNvGrpSpPr/>
+        <p:nvPr/>
+      </p:nvGrpSpPr>
+      <p:grpSpPr>
+        <a:xfrm>
+          <a:off x="0" y="0"/>
+          <a:ext cx="0" cy="0"/>
+          <a:chOff x="0" y="0"/>
+          <a:chExt cx="0" cy="0"/>
+        </a:xfrm>
+      </p:grpSpPr>
+      <p:sp>
+        <p:nvSpPr>
+          <p:cNvPr id="3" name="内容占位符 2"/>
+          <p:cNvSpPr>
+            <a:spLocks noGrp="1"/>
+          </p:cNvSpPr>
+          <p:nvPr>
+            <p:ph idx="1"/>
+          </p:nvPr>
+        </p:nvSpPr>
+        <p:spPr>
+          <a:xfrm>
+            <a:off x="457200" y="1196752"/>
+            <a:ext cx="8229600" cy="1440161"/>
+          </a:xfrm>
+        </p:spPr>
+        <p:txBody>
+          <a:bodyPr>
+            <a:normAutofit fontScale="92500" lnSpcReduction="10000"/>
+          </a:bodyPr>
           <a:lstStyle/>
           <a:p>
             <a:r>
@@ -4166,7 +9817,7 @@
         </p:nvSpPr>
         <p:spPr>
           <a:xfrm>
-            <a:off x="755576" y="2852936"/>
+            <a:off x="753344" y="2852936"/>
             <a:ext cx="6624736" cy="3046988"/>
           </a:xfrm>
           <a:prstGeom prst="rect">
@@ -4181,18 +9832,18 @@
           <a:lstStyle/>
           <a:p>
             <a:r>
-              <a:rPr lang="zh-CN" altLang="en-US" sz="3200" b="1" dirty="0" smtClean="0"/>
+              <a:rPr lang="zh-CN" altLang="en-US" sz="2800" b="1" dirty="0" smtClean="0"/>
               <a:t>例子</a:t>
             </a:r>
             <a:r>
-              <a:rPr lang="en-US" altLang="zh-CN" sz="3200" b="1" dirty="0" smtClean="0"/>
+              <a:rPr lang="en-US" altLang="zh-CN" sz="2800" b="1" dirty="0" smtClean="0"/>
               <a:t>2</a:t>
             </a:r>
             <a:r>
-              <a:rPr lang="zh-CN" altLang="en-US" sz="3200" b="1" dirty="0" smtClean="0"/>
+              <a:rPr lang="zh-CN" altLang="en-US" sz="2800" b="1" dirty="0" smtClean="0"/>
               <a:t>：</a:t>
             </a:r>
-            <a:endParaRPr lang="en-US" altLang="zh-CN" sz="3200" b="1" dirty="0" smtClean="0"/>
+            <a:endParaRPr lang="en-US" altLang="zh-CN" sz="2800" b="1" dirty="0" smtClean="0"/>
           </a:p>
           <a:p>
             <a:endParaRPr lang="en-US" altLang="zh-CN" sz="3200" b="1" dirty="0"/>
@@ -4689,6 +10340,37 @@
           </a:graphicData>
         </a:graphic>
       </p:graphicFrame>
+      <p:sp>
+        <p:nvSpPr>
+          <p:cNvPr id="2" name="TextBox 1"/>
+          <p:cNvSpPr txBox="1"/>
+          <p:nvPr/>
+        </p:nvSpPr>
+        <p:spPr>
+          <a:xfrm>
+            <a:off x="524542" y="260648"/>
+            <a:ext cx="8136904" cy="584775"/>
+          </a:xfrm>
+          <a:prstGeom prst="rect">
+            <a:avLst/>
+          </a:prstGeom>
+          <a:noFill/>
+        </p:spPr>
+        <p:txBody>
+          <a:bodyPr wrap="square" rtlCol="0">
+            <a:spAutoFit/>
+          </a:bodyPr>
+          <a:lstStyle/>
+          <a:p>
+            <a:pPr algn="ctr"/>
+            <a:r>
+              <a:rPr lang="zh-CN" altLang="en-US" sz="3200" dirty="0" smtClean="0"/>
+              <a:t>传统算法和机器学习算法区别</a:t>
+            </a:r>
+            <a:endParaRPr lang="zh-CN" altLang="en-US" sz="3200" dirty="0"/>
+          </a:p>
+        </p:txBody>
+      </p:sp>
     </p:spTree>
     <p:extLst>
       <p:ext uri="{BB962C8B-B14F-4D97-AF65-F5344CB8AC3E}">
@@ -4709,512 +10391,6 @@
 </p:sld>
 </file>
 
-<file path=ppt/slides/slide4.xml><?xml version="1.0" encoding="utf-8"?>
-<p:sld xmlns:a="http://schemas.openxmlformats.org/drawingml/2006/main" xmlns:r="http://schemas.openxmlformats.org/officeDocument/2006/relationships" xmlns:p="http://schemas.openxmlformats.org/presentationml/2006/main">
-  <p:cSld>
-    <p:spTree>
-      <p:nvGrpSpPr>
-        <p:cNvPr id="1" name=""/>
-        <p:cNvGrpSpPr/>
-        <p:nvPr/>
-      </p:nvGrpSpPr>
-      <p:grpSpPr>
-        <a:xfrm>
-          <a:off x="0" y="0"/>
-          <a:ext cx="0" cy="0"/>
-          <a:chOff x="0" y="0"/>
-          <a:chExt cx="0" cy="0"/>
-        </a:xfrm>
-      </p:grpSpPr>
-      <p:sp>
-        <p:nvSpPr>
-          <p:cNvPr id="2" name="标题 1"/>
-          <p:cNvSpPr>
-            <a:spLocks noGrp="1"/>
-          </p:cNvSpPr>
-          <p:nvPr>
-            <p:ph type="title"/>
-          </p:nvPr>
-        </p:nvSpPr>
-        <p:spPr/>
-        <p:txBody>
-          <a:bodyPr/>
-          <a:lstStyle/>
-          <a:p>
-            <a:r>
-              <a:rPr lang="zh-CN" altLang="en-US" dirty="0" smtClean="0"/>
-              <a:t>传统算法和机器学习算法区别</a:t>
-            </a:r>
-            <a:endParaRPr lang="zh-CN" altLang="en-US" dirty="0"/>
-          </a:p>
-        </p:txBody>
-      </p:sp>
-      <p:sp>
-        <p:nvSpPr>
-          <p:cNvPr id="3" name="内容占位符 2"/>
-          <p:cNvSpPr>
-            <a:spLocks noGrp="1"/>
-          </p:cNvSpPr>
-          <p:nvPr>
-            <p:ph idx="1"/>
-          </p:nvPr>
-        </p:nvSpPr>
-        <p:spPr/>
-        <p:txBody>
-          <a:bodyPr/>
-          <a:lstStyle/>
-          <a:p>
-            <a:r>
-              <a:rPr lang="zh-CN" altLang="en-US" dirty="0" smtClean="0"/>
-              <a:t>传统算法是人类直接告诉计算机应当遵守什么样的规则，按照怎样的映射进行计算，很多时候人类并不清楚这种映射关系。机器学习优点是在人类不知道这种映射关系时，自己去学习映射关系，以达到一些目的。</a:t>
-            </a:r>
-            <a:endParaRPr lang="zh-CN" altLang="en-US" dirty="0"/>
-          </a:p>
-        </p:txBody>
-      </p:sp>
-    </p:spTree>
-    <p:extLst>
-      <p:ext uri="{BB962C8B-B14F-4D97-AF65-F5344CB8AC3E}">
-        <p14:creationId xmlns:p14="http://schemas.microsoft.com/office/powerpoint/2010/main" val="140045651"/>
-      </p:ext>
-    </p:extLst>
-  </p:cSld>
-  <p:clrMapOvr>
-    <a:masterClrMapping/>
-  </p:clrMapOvr>
-  <p:timing>
-    <p:tnLst>
-      <p:par>
-        <p:cTn id="1" dur="indefinite" restart="never" nodeType="tmRoot"/>
-      </p:par>
-    </p:tnLst>
-  </p:timing>
-</p:sld>
-</file>
-
-<file path=ppt/slides/slide5.xml><?xml version="1.0" encoding="utf-8"?>
-<p:sld xmlns:a="http://schemas.openxmlformats.org/drawingml/2006/main" xmlns:r="http://schemas.openxmlformats.org/officeDocument/2006/relationships" xmlns:p="http://schemas.openxmlformats.org/presentationml/2006/main">
-  <p:cSld>
-    <p:spTree>
-      <p:nvGrpSpPr>
-        <p:cNvPr id="1" name=""/>
-        <p:cNvGrpSpPr/>
-        <p:nvPr/>
-      </p:nvGrpSpPr>
-      <p:grpSpPr>
-        <a:xfrm>
-          <a:off x="0" y="0"/>
-          <a:ext cx="0" cy="0"/>
-          <a:chOff x="0" y="0"/>
-          <a:chExt cx="0" cy="0"/>
-        </a:xfrm>
-      </p:grpSpPr>
-      <p:sp>
-        <p:nvSpPr>
-          <p:cNvPr id="2" name="标题 1"/>
-          <p:cNvSpPr>
-            <a:spLocks noGrp="1"/>
-          </p:cNvSpPr>
-          <p:nvPr>
-            <p:ph type="title"/>
-          </p:nvPr>
-        </p:nvSpPr>
-        <p:spPr/>
-        <p:txBody>
-          <a:bodyPr/>
-          <a:lstStyle/>
-          <a:p>
-            <a:r>
-              <a:rPr lang="zh-CN" altLang="en-US" dirty="0"/>
-              <a:t>传统算法和机器学习算法区别</a:t>
-            </a:r>
-          </a:p>
-        </p:txBody>
-      </p:sp>
-      <mc:AlternateContent xmlns:mc="http://schemas.openxmlformats.org/markup-compatibility/2006" xmlns:a14="http://schemas.microsoft.com/office/drawing/2010/main">
-        <mc:Choice Requires="a14">
-          <p:sp>
-            <p:nvSpPr>
-              <p:cNvPr id="3" name="内容占位符 2"/>
-              <p:cNvSpPr>
-                <a:spLocks noGrp="1"/>
-              </p:cNvSpPr>
-              <p:nvPr>
-                <p:ph idx="1"/>
-              </p:nvPr>
-            </p:nvSpPr>
-            <p:spPr/>
-            <p:txBody>
-              <a:bodyPr/>
-              <a:lstStyle/>
-              <a:p>
-                <a:r>
-                  <a:rPr lang="zh-CN" altLang="en-US" dirty="0" smtClean="0"/>
-                  <a:t>如何学习到这种映射关系？</a:t>
-                </a:r>
-                <a:endParaRPr lang="en-US" altLang="zh-CN" dirty="0" smtClean="0"/>
-              </a:p>
-              <a:p>
-                <a:r>
-                  <a:rPr lang="zh-CN" altLang="en-US" dirty="0" smtClean="0"/>
-                  <a:t>假设卖房价格为如下关系：</a:t>
-                </a:r>
-                <a:r>
-                  <a:rPr lang="en-US" altLang="zh-CN" dirty="0" smtClean="0"/>
-                  <a:t>F(x)=w</a:t>
-                </a:r>
-                <a:r>
-                  <a:rPr lang="en-US" altLang="zh-CN" baseline="-25000" dirty="0" smtClean="0"/>
-                  <a:t>1</a:t>
-                </a:r>
-                <a:r>
-                  <a:rPr lang="en-US" altLang="zh-CN" dirty="0" smtClean="0"/>
-                  <a:t>x</a:t>
-                </a:r>
-                <a:r>
-                  <a:rPr lang="en-US" altLang="zh-CN" baseline="-25000" dirty="0" smtClean="0"/>
-                  <a:t>1</a:t>
-                </a:r>
-                <a:r>
-                  <a:rPr lang="en-US" altLang="zh-CN" dirty="0" smtClean="0"/>
-                  <a:t>+w</a:t>
-                </a:r>
-                <a:r>
-                  <a:rPr lang="en-US" altLang="zh-CN" baseline="-25000" dirty="0" smtClean="0"/>
-                  <a:t>2</a:t>
-                </a:r>
-                <a:r>
-                  <a:rPr lang="en-US" altLang="zh-CN" dirty="0" smtClean="0"/>
-                  <a:t>x</a:t>
-                </a:r>
-                <a:r>
-                  <a:rPr lang="en-US" altLang="zh-CN" baseline="-25000" dirty="0" smtClean="0"/>
-                  <a:t>2</a:t>
-                </a:r>
-                <a:r>
-                  <a:rPr lang="en-US" altLang="zh-CN" dirty="0" smtClean="0"/>
-                  <a:t>+w</a:t>
-                </a:r>
-                <a:r>
-                  <a:rPr lang="en-US" altLang="zh-CN" baseline="-25000" dirty="0" smtClean="0"/>
-                  <a:t>3</a:t>
-                </a:r>
-                <a:r>
-                  <a:rPr lang="en-US" altLang="zh-CN" dirty="0" smtClean="0"/>
-                  <a:t>x</a:t>
-                </a:r>
-                <a:r>
-                  <a:rPr lang="en-US" altLang="zh-CN" baseline="-25000" dirty="0" smtClean="0"/>
-                  <a:t>3</a:t>
-                </a:r>
-                <a:r>
-                  <a:rPr lang="en-US" altLang="zh-CN" dirty="0" smtClean="0"/>
-                  <a:t>+…+</a:t>
-                </a:r>
-                <a:r>
-                  <a:rPr lang="en-US" altLang="zh-CN" dirty="0" err="1" smtClean="0"/>
-                  <a:t>w</a:t>
-                </a:r>
-                <a:r>
-                  <a:rPr lang="en-US" altLang="zh-CN" baseline="-25000" dirty="0" err="1" smtClean="0"/>
-                  <a:t>d</a:t>
-                </a:r>
-                <a:r>
-                  <a:rPr lang="en-US" altLang="zh-CN" dirty="0" err="1" smtClean="0"/>
-                  <a:t>x</a:t>
-                </a:r>
-                <a:r>
-                  <a:rPr lang="en-US" altLang="zh-CN" baseline="-25000" dirty="0" err="1" smtClean="0"/>
-                  <a:t>d</a:t>
-                </a:r>
-                <a:r>
-                  <a:rPr lang="en-US" altLang="zh-CN" dirty="0" err="1" smtClean="0"/>
-                  <a:t>+b</a:t>
-                </a:r>
-                <a:endParaRPr lang="en-US" altLang="zh-CN" dirty="0" smtClean="0"/>
-              </a:p>
-              <a:p>
-                <a:r>
-                  <a:rPr lang="zh-CN" altLang="en-US" dirty="0" smtClean="0"/>
-                  <a:t>那么我们试图学习</a:t>
-                </a:r>
-                <a:r>
-                  <a:rPr lang="en-US" altLang="zh-CN" dirty="0" smtClean="0"/>
-                  <a:t>F(x)</a:t>
-                </a:r>
-                <a14:m>
-                  <m:oMath xmlns:m="http://schemas.openxmlformats.org/officeDocument/2006/math">
-                    <m:r>
-                      <a:rPr lang="en-US" altLang="zh-CN" i="1" smtClean="0">
-                        <a:latin typeface="Cambria Math"/>
-                        <a:ea typeface="Cambria Math"/>
-                      </a:rPr>
-                      <m:t>≈</m:t>
-                    </m:r>
-                  </m:oMath>
-                </a14:m>
-                <a:r>
-                  <a:rPr lang="en-US" altLang="zh-CN" dirty="0" smtClean="0">
-                    <a:latin typeface="宋体"/>
-                    <a:ea typeface="宋体"/>
-                  </a:rPr>
-                  <a:t>y</a:t>
-                </a:r>
-              </a:p>
-              <a:p>
-                <a14:m>
-                  <m:oMath xmlns:m="http://schemas.openxmlformats.org/officeDocument/2006/math">
-                    <m:d>
-                      <m:dPr>
-                        <m:ctrlPr>
-                          <a:rPr lang="en-US" altLang="zh-CN" b="0" i="1" smtClean="0">
-                            <a:latin typeface="Cambria Math"/>
-                          </a:rPr>
-                        </m:ctrlPr>
-                      </m:dPr>
-                      <m:e>
-                        <m:r>
-                          <a:rPr lang="en-US" altLang="zh-CN" b="0" i="1" smtClean="0">
-                            <a:latin typeface="Cambria Math"/>
-                          </a:rPr>
-                          <m:t>𝑤</m:t>
-                        </m:r>
-                        <m:r>
-                          <a:rPr lang="en-US" altLang="zh-CN" b="0" i="1" smtClean="0">
-                            <a:latin typeface="Cambria Math"/>
-                          </a:rPr>
-                          <m:t>,</m:t>
-                        </m:r>
-                        <m:r>
-                          <a:rPr lang="en-US" altLang="zh-CN" b="0" i="1" smtClean="0">
-                            <a:latin typeface="Cambria Math"/>
-                          </a:rPr>
-                          <m:t>𝑏</m:t>
-                        </m:r>
-                      </m:e>
-                    </m:d>
-                    <m:r>
-                      <a:rPr lang="en-US" altLang="zh-CN" b="0" i="1" smtClean="0">
-                        <a:latin typeface="Cambria Math"/>
-                      </a:rPr>
-                      <m:t>=</m:t>
-                    </m:r>
-                    <m:r>
-                      <a:rPr lang="en-US" altLang="zh-CN" b="0" i="1" smtClean="0">
-                        <a:latin typeface="Cambria Math"/>
-                      </a:rPr>
-                      <m:t>𝑎𝑟𝑔𝑚𝑖𝑛</m:t>
-                    </m:r>
-                    <m:nary>
-                      <m:naryPr>
-                        <m:chr m:val="∑"/>
-                        <m:subHide m:val="on"/>
-                        <m:supHide m:val="on"/>
-                        <m:ctrlPr>
-                          <a:rPr lang="en-US" altLang="zh-CN" b="0" i="1" smtClean="0">
-                            <a:latin typeface="Cambria Math"/>
-                          </a:rPr>
-                        </m:ctrlPr>
-                      </m:naryPr>
-                      <m:sub/>
-                      <m:sup/>
-                      <m:e>
-                        <m:r>
-                          <a:rPr lang="en-US" altLang="zh-CN" b="0" i="1" smtClean="0">
-                            <a:latin typeface="Cambria Math"/>
-                          </a:rPr>
-                          <m:t>(</m:t>
-                        </m:r>
-                        <m:r>
-                          <a:rPr lang="en-US" altLang="zh-CN" b="0" i="1" smtClean="0">
-                            <a:latin typeface="Cambria Math"/>
-                          </a:rPr>
-                          <m:t>𝐹</m:t>
-                        </m:r>
-                        <m:d>
-                          <m:dPr>
-                            <m:ctrlPr>
-                              <a:rPr lang="en-US" altLang="zh-CN" b="0" i="1" smtClean="0">
-                                <a:latin typeface="Cambria Math"/>
-                              </a:rPr>
-                            </m:ctrlPr>
-                          </m:dPr>
-                          <m:e>
-                            <m:r>
-                              <a:rPr lang="en-US" altLang="zh-CN" b="0" i="1" smtClean="0">
-                                <a:latin typeface="Cambria Math"/>
-                              </a:rPr>
-                              <m:t>𝑥</m:t>
-                            </m:r>
-                          </m:e>
-                        </m:d>
-                        <m:r>
-                          <a:rPr lang="en-US" altLang="zh-CN" b="0" i="1" smtClean="0">
-                            <a:latin typeface="Cambria Math"/>
-                          </a:rPr>
-                          <m:t>−</m:t>
-                        </m:r>
-                        <m:r>
-                          <a:rPr lang="en-US" altLang="zh-CN" b="0" i="1" smtClean="0">
-                            <a:latin typeface="Cambria Math"/>
-                          </a:rPr>
-                          <m:t>𝑦</m:t>
-                        </m:r>
-                      </m:e>
-                    </m:nary>
-                    <m:r>
-                      <a:rPr lang="en-US" altLang="zh-CN" b="0" i="1" smtClean="0">
-                        <a:latin typeface="Cambria Math"/>
-                      </a:rPr>
-                      <m:t>)</m:t>
-                    </m:r>
-                  </m:oMath>
-                </a14:m>
-                <a:r>
-                  <a:rPr lang="en-US" altLang="zh-CN" baseline="30000" dirty="0" smtClean="0"/>
-                  <a:t>2</a:t>
-                </a:r>
-                <a:endParaRPr lang="zh-CN" altLang="en-US" dirty="0"/>
-              </a:p>
-            </p:txBody>
-          </p:sp>
-        </mc:Choice>
-        <mc:Fallback xmlns="">
-          <p:sp>
-            <p:nvSpPr>
-              <p:cNvPr id="3" name="内容占位符 2"/>
-              <p:cNvSpPr>
-                <a:spLocks noGrp="1" noRot="1" noChangeAspect="1" noMove="1" noResize="1" noEditPoints="1" noAdjustHandles="1" noChangeArrowheads="1" noChangeShapeType="1" noTextEdit="1"/>
-              </p:cNvSpPr>
-              <p:nvPr>
-                <p:ph idx="1"/>
-              </p:nvPr>
-            </p:nvSpPr>
-            <p:spPr>
-              <a:blipFill rotWithShape="1">
-                <a:blip r:embed="rId2"/>
-                <a:stretch>
-                  <a:fillRect l="-1630" t="-2426"/>
-                </a:stretch>
-              </a:blipFill>
-            </p:spPr>
-            <p:txBody>
-              <a:bodyPr/>
-              <a:lstStyle/>
-              <a:p>
-                <a:r>
-                  <a:rPr lang="zh-CN" altLang="en-US">
-                    <a:noFill/>
-                  </a:rPr>
-                  <a:t> </a:t>
-                </a:r>
-              </a:p>
-            </p:txBody>
-          </p:sp>
-        </mc:Fallback>
-      </mc:AlternateContent>
-    </p:spTree>
-    <p:extLst>
-      <p:ext uri="{BB962C8B-B14F-4D97-AF65-F5344CB8AC3E}">
-        <p14:creationId xmlns:p14="http://schemas.microsoft.com/office/powerpoint/2010/main" val="1194786049"/>
-      </p:ext>
-    </p:extLst>
-  </p:cSld>
-  <p:clrMapOvr>
-    <a:masterClrMapping/>
-  </p:clrMapOvr>
-  <p:timing>
-    <p:tnLst>
-      <p:par>
-        <p:cTn id="1" dur="indefinite" restart="never" nodeType="tmRoot"/>
-      </p:par>
-    </p:tnLst>
-  </p:timing>
-</p:sld>
-</file>
-
-<file path=ppt/slides/slide6.xml><?xml version="1.0" encoding="utf-8"?>
-<p:sld xmlns:a="http://schemas.openxmlformats.org/drawingml/2006/main" xmlns:r="http://schemas.openxmlformats.org/officeDocument/2006/relationships" xmlns:p="http://schemas.openxmlformats.org/presentationml/2006/main">
-  <p:cSld>
-    <p:spTree>
-      <p:nvGrpSpPr>
-        <p:cNvPr id="1" name=""/>
-        <p:cNvGrpSpPr/>
-        <p:nvPr/>
-      </p:nvGrpSpPr>
-      <p:grpSpPr>
-        <a:xfrm>
-          <a:off x="0" y="0"/>
-          <a:ext cx="0" cy="0"/>
-          <a:chOff x="0" y="0"/>
-          <a:chExt cx="0" cy="0"/>
-        </a:xfrm>
-      </p:grpSpPr>
-      <p:sp>
-        <p:nvSpPr>
-          <p:cNvPr id="2" name="标题 1"/>
-          <p:cNvSpPr>
-            <a:spLocks noGrp="1"/>
-          </p:cNvSpPr>
-          <p:nvPr>
-            <p:ph type="title"/>
-          </p:nvPr>
-        </p:nvSpPr>
-        <p:spPr/>
-        <p:txBody>
-          <a:bodyPr/>
-          <a:lstStyle/>
-          <a:p>
-            <a:r>
-              <a:rPr lang="zh-CN" altLang="en-US" dirty="0" smtClean="0"/>
-              <a:t>模拟大脑神经元</a:t>
-            </a:r>
-            <a:endParaRPr lang="zh-CN" altLang="en-US" dirty="0"/>
-          </a:p>
-        </p:txBody>
-      </p:sp>
-      <p:pic>
-        <p:nvPicPr>
-          <p:cNvPr id="4" name="内容占位符 3"/>
-          <p:cNvPicPr>
-            <a:picLocks noGrp="1" noChangeAspect="1"/>
-          </p:cNvPicPr>
-          <p:nvPr>
-            <p:ph idx="1"/>
-          </p:nvPr>
-        </p:nvPicPr>
-        <p:blipFill>
-          <a:blip r:embed="rId2">
-            <a:extLst>
-              <a:ext uri="{28A0092B-C50C-407E-A947-70E740481C1C}">
-                <a14:useLocalDpi xmlns:a14="http://schemas.microsoft.com/office/drawing/2010/main" val="0"/>
-              </a:ext>
-            </a:extLst>
-          </a:blip>
-          <a:stretch>
-            <a:fillRect/>
-          </a:stretch>
-        </p:blipFill>
-        <p:spPr>
-          <a:xfrm>
-            <a:off x="1186305" y="1700808"/>
-            <a:ext cx="6914087" cy="3462258"/>
-          </a:xfrm>
-        </p:spPr>
-      </p:pic>
-    </p:spTree>
-    <p:extLst>
-      <p:ext uri="{BB962C8B-B14F-4D97-AF65-F5344CB8AC3E}">
-        <p14:creationId xmlns:p14="http://schemas.microsoft.com/office/powerpoint/2010/main" val="410378593"/>
-      </p:ext>
-    </p:extLst>
-  </p:cSld>
-  <p:clrMapOvr>
-    <a:masterClrMapping/>
-  </p:clrMapOvr>
-</p:sld>
-</file>
-
 <file path=ppt/slides/slide7.xml><?xml version="1.0" encoding="utf-8"?>
 <p:sld xmlns:a="http://schemas.openxmlformats.org/drawingml/2006/main" xmlns:r="http://schemas.openxmlformats.org/officeDocument/2006/relationships" xmlns:p="http://schemas.openxmlformats.org/presentationml/2006/main">
   <p:cSld>
@@ -5244,84 +10420,91 @@
         </p:nvSpPr>
         <p:spPr/>
         <p:txBody>
-          <a:bodyPr/>
-          <a:lstStyle/>
-          <a:p>
-            <a:r>
-              <a:rPr lang="zh-CN" altLang="en-US" dirty="0"/>
-              <a:t>机器学习</a:t>
-            </a:r>
-            <a:r>
-              <a:rPr lang="zh-CN" altLang="en-US" dirty="0" smtClean="0"/>
-              <a:t>与深度学习关系</a:t>
-            </a:r>
-            <a:endParaRPr lang="zh-CN" altLang="en-US" dirty="0"/>
-          </a:p>
-        </p:txBody>
-      </p:sp>
-      <p:sp>
-        <p:nvSpPr>
-          <p:cNvPr id="5" name="TextBox 4"/>
-          <p:cNvSpPr txBox="1"/>
-          <p:nvPr/>
-        </p:nvSpPr>
-        <p:spPr>
-          <a:xfrm>
-            <a:off x="1619672" y="4941168"/>
-            <a:ext cx="6192688" cy="646331"/>
-          </a:xfrm>
-          <a:prstGeom prst="rect">
-            <a:avLst/>
-          </a:prstGeom>
-          <a:noFill/>
-        </p:spPr>
-        <p:txBody>
-          <a:bodyPr wrap="square" rtlCol="0">
-            <a:spAutoFit/>
+          <a:bodyPr>
+            <a:normAutofit/>
           </a:bodyPr>
           <a:lstStyle/>
           <a:p>
             <a:r>
-              <a:rPr lang="zh-CN" altLang="en-US" dirty="0" smtClean="0"/>
-              <a:t>深度学习算法试图从数据中学习高级功能，适合用在难提取特征的图像，语音，自然语言领域</a:t>
-            </a:r>
-            <a:endParaRPr lang="zh-CN" altLang="en-US" dirty="0"/>
-          </a:p>
-        </p:txBody>
-      </p:sp>
-      <p:pic>
-        <p:nvPicPr>
-          <p:cNvPr id="7" name="内容占位符 6"/>
-          <p:cNvPicPr>
-            <a:picLocks noGrp="1" noChangeAspect="1"/>
-          </p:cNvPicPr>
+              <a:rPr lang="zh-CN" altLang="en-US" sz="3600" dirty="0" smtClean="0"/>
+              <a:t>传统算法和机器学习算法区别</a:t>
+            </a:r>
+            <a:endParaRPr lang="zh-CN" altLang="en-US" sz="3600" dirty="0"/>
+          </a:p>
+        </p:txBody>
+      </p:sp>
+      <p:sp>
+        <p:nvSpPr>
+          <p:cNvPr id="3" name="内容占位符 2"/>
+          <p:cNvSpPr>
+            <a:spLocks noGrp="1"/>
+          </p:cNvSpPr>
           <p:nvPr>
             <p:ph idx="1"/>
           </p:nvPr>
-        </p:nvPicPr>
-        <p:blipFill>
-          <a:blip r:embed="rId2">
-            <a:extLst>
-              <a:ext uri="{28A0092B-C50C-407E-A947-70E740481C1C}">
-                <a14:useLocalDpi xmlns:a14="http://schemas.microsoft.com/office/drawing/2010/main" val="0"/>
-              </a:ext>
-            </a:extLst>
-          </a:blip>
-          <a:stretch>
-            <a:fillRect/>
-          </a:stretch>
-        </p:blipFill>
+        </p:nvSpPr>
         <p:spPr>
           <a:xfrm>
-            <a:off x="2212816" y="1772816"/>
-            <a:ext cx="4663440" cy="2461260"/>
+            <a:off x="457200" y="1600201"/>
+            <a:ext cx="8229600" cy="2692896"/>
           </a:xfrm>
         </p:spPr>
-      </p:pic>
+        <p:txBody>
+          <a:bodyPr>
+            <a:normAutofit/>
+          </a:bodyPr>
+          <a:lstStyle/>
+          <a:p>
+            <a:r>
+              <a:rPr lang="zh-CN" altLang="en-US" sz="2400" dirty="0" smtClean="0"/>
+              <a:t>传统算法是人类直接告诉计算机应当遵守什么样的规则，按照怎样的映射进行计算，很多时候人类并不清楚这种映射关系。机器学习优点是在人类不知道这种映射关系时，自己去学习映射</a:t>
+            </a:r>
+            <a:r>
+              <a:rPr lang="zh-CN" altLang="en-US" sz="2400" dirty="0" smtClean="0"/>
+              <a:t>关系。</a:t>
+            </a:r>
+            <a:endParaRPr lang="en-US" altLang="zh-CN" sz="2400" dirty="0" smtClean="0"/>
+          </a:p>
+          <a:p>
+            <a:endParaRPr lang="en-US" altLang="zh-CN" sz="2400" dirty="0"/>
+          </a:p>
+          <a:p>
+            <a:r>
+              <a:rPr lang="zh-CN" altLang="en-US" sz="2400" dirty="0" smtClean="0"/>
+              <a:t>如何学习映射关系</a:t>
+            </a:r>
+            <a:r>
+              <a:rPr lang="en-US" altLang="zh-CN" sz="2400" dirty="0" smtClean="0"/>
+              <a:t>(</a:t>
+            </a:r>
+            <a:r>
+              <a:rPr lang="zh-CN" altLang="en-US" sz="2400" dirty="0" smtClean="0"/>
+              <a:t>如例</a:t>
+            </a:r>
+            <a:r>
+              <a:rPr lang="en-US" altLang="zh-CN" sz="2400" dirty="0" smtClean="0"/>
+              <a:t>2</a:t>
+            </a:r>
+            <a:r>
+              <a:rPr lang="zh-CN" altLang="en-US" sz="2400" dirty="0" smtClean="0"/>
+              <a:t>中房价与房子特征的关系</a:t>
+            </a:r>
+            <a:r>
+              <a:rPr lang="en-US" altLang="zh-CN" sz="2400" dirty="0" smtClean="0"/>
+              <a:t>)</a:t>
+            </a:r>
+            <a:r>
+              <a:rPr lang="zh-CN" altLang="en-US" sz="2400" dirty="0" smtClean="0"/>
+              <a:t>？</a:t>
+            </a:r>
+            <a:endParaRPr lang="zh-CN" altLang="en-US" sz="2400" dirty="0"/>
+          </a:p>
+        </p:txBody>
+      </p:sp>
     </p:spTree>
     <p:extLst>
       <p:ext uri="{BB962C8B-B14F-4D97-AF65-F5344CB8AC3E}">
-        <p14:creationId xmlns:p14="http://schemas.microsoft.com/office/powerpoint/2010/main" val="1130714626"/>
+        <p14:creationId xmlns:p14="http://schemas.microsoft.com/office/powerpoint/2010/main" val="140045651"/>
       </p:ext>
     </p:extLst>
   </p:cSld>
@@ -5365,90 +10548,481 @@
             <p:ph type="title"/>
           </p:nvPr>
         </p:nvSpPr>
-        <p:spPr/>
-        <p:txBody>
-          <a:bodyPr/>
+        <p:spPr>
+          <a:xfrm>
+            <a:off x="457200" y="274638"/>
+            <a:ext cx="8229600" cy="634082"/>
+          </a:xfrm>
+        </p:spPr>
+        <p:txBody>
+          <a:bodyPr>
+            <a:normAutofit fontScale="90000"/>
+          </a:bodyPr>
           <a:lstStyle/>
           <a:p>
             <a:r>
-              <a:rPr lang="zh-CN" altLang="en-US" dirty="0" smtClean="0"/>
-              <a:t>深度学习</a:t>
-            </a:r>
-            <a:endParaRPr lang="zh-CN" altLang="en-US" dirty="0"/>
-          </a:p>
-        </p:txBody>
-      </p:sp>
+              <a:rPr lang="zh-CN" altLang="en-US" sz="3600" dirty="0" smtClean="0"/>
+              <a:t>回归问题</a:t>
+            </a:r>
+            <a:endParaRPr lang="zh-CN" altLang="en-US" sz="3600" dirty="0"/>
+          </a:p>
+        </p:txBody>
+      </p:sp>
+      <mc:AlternateContent xmlns:mc="http://schemas.openxmlformats.org/markup-compatibility/2006">
+        <mc:Choice xmlns:a14="http://schemas.microsoft.com/office/drawing/2010/main" Requires="a14">
+          <p:sp>
+            <p:nvSpPr>
+              <p:cNvPr id="3" name="内容占位符 2"/>
+              <p:cNvSpPr>
+                <a:spLocks noGrp="1"/>
+              </p:cNvSpPr>
+              <p:nvPr>
+                <p:ph idx="1"/>
+              </p:nvPr>
+            </p:nvSpPr>
+            <p:spPr>
+              <a:xfrm>
+                <a:off x="251520" y="1052736"/>
+                <a:ext cx="8507288" cy="1296144"/>
+              </a:xfrm>
+            </p:spPr>
+            <p:txBody>
+              <a:bodyPr>
+                <a:normAutofit fontScale="92500" lnSpcReduction="20000"/>
+              </a:bodyPr>
+              <a:lstStyle/>
+              <a:p>
+                <a:pPr marL="0" indent="0">
+                  <a:lnSpc>
+                    <a:spcPct val="150000"/>
+                  </a:lnSpc>
+                  <a:buNone/>
+                </a:pPr>
+                <a:r>
+                  <a:rPr lang="zh-CN" altLang="en-US" sz="2000" dirty="0" smtClean="0"/>
+                  <a:t>假设有</a:t>
+                </a:r>
+                <a:r>
+                  <a:rPr lang="en-US" altLang="zh-CN" sz="2000" dirty="0" smtClean="0"/>
+                  <a:t>M</a:t>
+                </a:r>
+                <a:r>
+                  <a:rPr lang="zh-CN" altLang="en-US" sz="2000" dirty="0" smtClean="0"/>
+                  <a:t>个房子样本</a:t>
+                </a:r>
+                <a:r>
+                  <a:rPr lang="en-US" altLang="zh-CN" sz="2000" dirty="0" smtClean="0"/>
+                  <a:t>{X1:Y1,X2:Y2,…,X</a:t>
+                </a:r>
+                <a:r>
+                  <a:rPr lang="en-US" altLang="zh-CN" sz="2000" baseline="-25000" dirty="0" smtClean="0"/>
+                  <a:t>M</a:t>
+                </a:r>
+                <a:r>
+                  <a:rPr lang="en-US" altLang="zh-CN" sz="2000" dirty="0" smtClean="0"/>
+                  <a:t>:Y</a:t>
+                </a:r>
+                <a:r>
+                  <a:rPr lang="en-US" altLang="zh-CN" sz="2000" baseline="-25000" dirty="0" smtClean="0"/>
+                  <a:t>M</a:t>
+                </a:r>
+                <a:r>
+                  <a:rPr lang="en-US" altLang="zh-CN" sz="2000" dirty="0" smtClean="0"/>
+                  <a:t>}</a:t>
+                </a:r>
+                <a:r>
+                  <a:rPr lang="zh-CN" altLang="en-US" sz="2000" dirty="0" smtClean="0"/>
+                  <a:t>，每个样本有</a:t>
+                </a:r>
+                <a:r>
+                  <a:rPr lang="en-US" altLang="zh-CN" sz="2000" dirty="0" smtClean="0"/>
+                  <a:t>n</a:t>
+                </a:r>
+                <a:r>
+                  <a:rPr lang="zh-CN" altLang="en-US" sz="2000" dirty="0" smtClean="0"/>
+                  <a:t>个特征</a:t>
+                </a:r>
+                <a:r>
+                  <a:rPr lang="en-US" altLang="zh-CN" sz="2000" dirty="0" smtClean="0"/>
+                  <a:t>:{x</a:t>
+                </a:r>
+                <a:r>
+                  <a:rPr lang="en-US" altLang="zh-CN" sz="2000" baseline="-25000" dirty="0" smtClean="0"/>
+                  <a:t>1</a:t>
+                </a:r>
+                <a:r>
+                  <a:rPr lang="en-US" altLang="zh-CN" sz="2000" dirty="0" smtClean="0"/>
+                  <a:t>,x</a:t>
+                </a:r>
+                <a:r>
+                  <a:rPr lang="en-US" altLang="zh-CN" sz="2000" baseline="-25000" dirty="0" smtClean="0"/>
+                  <a:t>2</a:t>
+                </a:r>
+                <a:r>
+                  <a:rPr lang="en-US" altLang="zh-CN" sz="2000" dirty="0" smtClean="0"/>
+                  <a:t>,…,</a:t>
+                </a:r>
+                <a:r>
+                  <a:rPr lang="en-US" altLang="zh-CN" sz="2000" dirty="0" err="1" smtClean="0"/>
+                  <a:t>x</a:t>
+                </a:r>
+                <a:r>
+                  <a:rPr lang="en-US" altLang="zh-CN" sz="2000" baseline="-25000" dirty="0" err="1" smtClean="0"/>
+                  <a:t>n</a:t>
+                </a:r>
+                <a:r>
+                  <a:rPr lang="en-US" altLang="zh-CN" sz="2000" dirty="0" smtClean="0"/>
+                  <a:t>}</a:t>
+                </a:r>
+                <a:r>
+                  <a:rPr lang="zh-CN" altLang="en-US" sz="2000" dirty="0" smtClean="0"/>
+                  <a:t>，房价和特征的关系如下：</a:t>
+                </a:r>
+                <a:r>
+                  <a:rPr lang="en-US" altLang="zh-CN" sz="2000" dirty="0" smtClean="0"/>
+                  <a:t>F(x)=w</a:t>
+                </a:r>
+                <a:r>
+                  <a:rPr lang="en-US" altLang="zh-CN" sz="2000" baseline="-25000" dirty="0" smtClean="0"/>
+                  <a:t>1</a:t>
+                </a:r>
+                <a:r>
+                  <a:rPr lang="en-US" altLang="zh-CN" sz="2000" dirty="0" smtClean="0"/>
+                  <a:t>x</a:t>
+                </a:r>
+                <a:r>
+                  <a:rPr lang="en-US" altLang="zh-CN" sz="2000" baseline="-25000" dirty="0" smtClean="0"/>
+                  <a:t>1</a:t>
+                </a:r>
+                <a:r>
+                  <a:rPr lang="en-US" altLang="zh-CN" sz="2000" dirty="0" smtClean="0"/>
+                  <a:t>+w</a:t>
+                </a:r>
+                <a:r>
+                  <a:rPr lang="en-US" altLang="zh-CN" sz="2000" baseline="-25000" dirty="0" smtClean="0"/>
+                  <a:t>2</a:t>
+                </a:r>
+                <a:r>
+                  <a:rPr lang="en-US" altLang="zh-CN" sz="2000" dirty="0" smtClean="0"/>
+                  <a:t>x</a:t>
+                </a:r>
+                <a:r>
+                  <a:rPr lang="en-US" altLang="zh-CN" sz="2000" baseline="-25000" dirty="0" smtClean="0"/>
+                  <a:t>2</a:t>
+                </a:r>
+                <a:r>
+                  <a:rPr lang="en-US" altLang="zh-CN" sz="2000" dirty="0" smtClean="0"/>
+                  <a:t>+w</a:t>
+                </a:r>
+                <a:r>
+                  <a:rPr lang="en-US" altLang="zh-CN" sz="2000" baseline="-25000" dirty="0" smtClean="0"/>
+                  <a:t>3</a:t>
+                </a:r>
+                <a:r>
+                  <a:rPr lang="en-US" altLang="zh-CN" sz="2000" dirty="0" smtClean="0"/>
+                  <a:t>x</a:t>
+                </a:r>
+                <a:r>
+                  <a:rPr lang="en-US" altLang="zh-CN" sz="2000" baseline="-25000" dirty="0" smtClean="0"/>
+                  <a:t>3</a:t>
+                </a:r>
+                <a:r>
+                  <a:rPr lang="en-US" altLang="zh-CN" sz="2000" dirty="0" smtClean="0"/>
+                  <a:t>+…+</a:t>
+                </a:r>
+                <a:r>
+                  <a:rPr lang="en-US" altLang="zh-CN" sz="2000" dirty="0" err="1" smtClean="0"/>
+                  <a:t>w</a:t>
+                </a:r>
+                <a:r>
+                  <a:rPr lang="en-US" altLang="zh-CN" sz="2000" baseline="-25000" dirty="0" err="1" smtClean="0"/>
+                  <a:t>n</a:t>
+                </a:r>
+                <a:r>
+                  <a:rPr lang="en-US" altLang="zh-CN" sz="2000" dirty="0" err="1" smtClean="0"/>
+                  <a:t>x</a:t>
+                </a:r>
+                <a:r>
+                  <a:rPr lang="en-US" altLang="zh-CN" sz="2000" baseline="-25000" dirty="0" err="1" smtClean="0"/>
+                  <a:t>n</a:t>
+                </a:r>
+                <a:r>
+                  <a:rPr lang="en-US" altLang="zh-CN" sz="2000" dirty="0" err="1" smtClean="0"/>
+                  <a:t>+b</a:t>
+                </a:r>
+                <a:r>
+                  <a:rPr lang="zh-CN" altLang="en-US" sz="2000" dirty="0" smtClean="0"/>
+                  <a:t>，他们的关系可以作图</a:t>
+                </a:r>
+                <a:r>
+                  <a:rPr lang="en-US" altLang="zh-CN" sz="2000" dirty="0" smtClean="0"/>
+                  <a:t>3</a:t>
+                </a:r>
+                <a:r>
+                  <a:rPr lang="zh-CN" altLang="en-US" sz="2000" dirty="0" smtClean="0"/>
+                  <a:t>，我们试图学习</a:t>
+                </a:r>
+                <a:r>
+                  <a:rPr lang="en-US" altLang="zh-CN" sz="2000" dirty="0" smtClean="0"/>
+                  <a:t>F(x)</a:t>
+                </a:r>
+                <a:r>
+                  <a:rPr lang="en-US" altLang="zh-CN" sz="2000" dirty="0">
+                    <a:ea typeface="Cambria Math"/>
+                  </a:rPr>
+                  <a:t> </a:t>
+                </a:r>
+                <a14:m>
+                  <m:oMath xmlns:m="http://schemas.openxmlformats.org/officeDocument/2006/math">
+                    <m:r>
+                      <a:rPr lang="en-US" altLang="zh-CN" sz="2000" i="1">
+                        <a:latin typeface="Cambria Math"/>
+                        <a:ea typeface="Cambria Math"/>
+                      </a:rPr>
+                      <m:t>≈</m:t>
+                    </m:r>
+                  </m:oMath>
+                </a14:m>
+                <a:r>
+                  <a:rPr lang="en-US" altLang="zh-CN" sz="2000" dirty="0" smtClean="0"/>
+                  <a:t> Y</a:t>
+                </a:r>
+                <a:r>
+                  <a:rPr lang="zh-CN" altLang="en-US" sz="2000" dirty="0" smtClean="0"/>
+                  <a:t>，即</a:t>
+                </a:r>
+                <a14:m>
+                  <m:oMath xmlns:m="http://schemas.openxmlformats.org/officeDocument/2006/math">
+                    <m:d>
+                      <m:dPr>
+                        <m:ctrlPr>
+                          <a:rPr lang="en-US" altLang="zh-CN" sz="2000" i="1">
+                            <a:latin typeface="Cambria Math"/>
+                          </a:rPr>
+                        </m:ctrlPr>
+                      </m:dPr>
+                      <m:e>
+                        <m:r>
+                          <a:rPr lang="en-US" altLang="zh-CN" sz="2000" i="1">
+                            <a:latin typeface="Cambria Math"/>
+                          </a:rPr>
+                          <m:t>𝑤</m:t>
+                        </m:r>
+                        <m:r>
+                          <a:rPr lang="en-US" altLang="zh-CN" sz="2000" i="1">
+                            <a:latin typeface="Cambria Math"/>
+                          </a:rPr>
+                          <m:t>,</m:t>
+                        </m:r>
+                        <m:r>
+                          <a:rPr lang="en-US" altLang="zh-CN" sz="2000" i="1">
+                            <a:latin typeface="Cambria Math"/>
+                          </a:rPr>
+                          <m:t>𝑏</m:t>
+                        </m:r>
+                      </m:e>
+                    </m:d>
+                    <m:r>
+                      <a:rPr lang="en-US" altLang="zh-CN" sz="2000" i="1">
+                        <a:latin typeface="Cambria Math"/>
+                      </a:rPr>
+                      <m:t>=</m:t>
+                    </m:r>
+                    <m:r>
+                      <a:rPr lang="en-US" altLang="zh-CN" sz="2000" i="1">
+                        <a:latin typeface="Cambria Math"/>
+                      </a:rPr>
+                      <m:t>𝑎𝑟𝑔𝑚𝑖𝑛</m:t>
+                    </m:r>
+                    <m:nary>
+                      <m:naryPr>
+                        <m:chr m:val="∑"/>
+                        <m:subHide m:val="on"/>
+                        <m:supHide m:val="on"/>
+                        <m:ctrlPr>
+                          <a:rPr lang="en-US" altLang="zh-CN" sz="2000" i="1">
+                            <a:latin typeface="Cambria Math"/>
+                          </a:rPr>
+                        </m:ctrlPr>
+                      </m:naryPr>
+                      <m:sub/>
+                      <m:sup/>
+                      <m:e>
+                        <m:r>
+                          <a:rPr lang="en-US" altLang="zh-CN" sz="2000" i="1">
+                            <a:latin typeface="Cambria Math"/>
+                          </a:rPr>
+                          <m:t>(</m:t>
+                        </m:r>
+                        <m:r>
+                          <a:rPr lang="en-US" altLang="zh-CN" sz="2000" i="1">
+                            <a:latin typeface="Cambria Math"/>
+                          </a:rPr>
+                          <m:t>𝐹</m:t>
+                        </m:r>
+                        <m:d>
+                          <m:dPr>
+                            <m:ctrlPr>
+                              <a:rPr lang="en-US" altLang="zh-CN" sz="2000" i="1">
+                                <a:latin typeface="Cambria Math"/>
+                              </a:rPr>
+                            </m:ctrlPr>
+                          </m:dPr>
+                          <m:e>
+                            <m:r>
+                              <a:rPr lang="en-US" altLang="zh-CN" sz="2000" i="1">
+                                <a:latin typeface="Cambria Math"/>
+                              </a:rPr>
+                              <m:t>𝑥</m:t>
+                            </m:r>
+                          </m:e>
+                        </m:d>
+                        <m:r>
+                          <a:rPr lang="en-US" altLang="zh-CN" sz="2000" i="1">
+                            <a:latin typeface="Cambria Math"/>
+                          </a:rPr>
+                          <m:t>−</m:t>
+                        </m:r>
+                        <m:r>
+                          <a:rPr lang="en-US" altLang="zh-CN" sz="2000" i="1">
+                            <a:latin typeface="Cambria Math"/>
+                          </a:rPr>
+                          <m:t>𝑦</m:t>
+                        </m:r>
+                      </m:e>
+                    </m:nary>
+                    <m:r>
+                      <a:rPr lang="en-US" altLang="zh-CN" sz="2000" i="1">
+                        <a:latin typeface="Cambria Math"/>
+                      </a:rPr>
+                      <m:t>)</m:t>
+                    </m:r>
+                  </m:oMath>
+                </a14:m>
+                <a:r>
+                  <a:rPr lang="en-US" altLang="zh-CN" sz="2000" baseline="30000" dirty="0" smtClean="0"/>
+                  <a:t>2</a:t>
+                </a:r>
+                <a:endParaRPr lang="zh-CN" altLang="en-US" sz="2000" dirty="0"/>
+              </a:p>
+              <a:p>
+                <a:pPr marL="0" indent="0">
+                  <a:buNone/>
+                </a:pPr>
+                <a:endParaRPr lang="en-US" altLang="zh-CN" sz="2000" dirty="0" smtClean="0"/>
+              </a:p>
+              <a:p>
+                <a:endParaRPr lang="zh-CN" altLang="en-US" sz="2400" baseline="30000" dirty="0"/>
+              </a:p>
+            </p:txBody>
+          </p:sp>
+        </mc:Choice>
+        <mc:Fallback>
+          <p:sp>
+            <p:nvSpPr>
+              <p:cNvPr id="3" name="内容占位符 2"/>
+              <p:cNvSpPr>
+                <a:spLocks noGrp="1" noRot="1" noChangeAspect="1" noMove="1" noResize="1" noEditPoints="1" noAdjustHandles="1" noChangeArrowheads="1" noChangeShapeType="1" noTextEdit="1"/>
+              </p:cNvSpPr>
+              <p:nvPr>
+                <p:ph idx="1"/>
+              </p:nvPr>
+            </p:nvSpPr>
+            <p:spPr>
+              <a:xfrm>
+                <a:off x="251520" y="1052736"/>
+                <a:ext cx="8507288" cy="1296144"/>
+              </a:xfrm>
+              <a:blipFill rotWithShape="1">
+                <a:blip r:embed="rId2"/>
+                <a:stretch>
+                  <a:fillRect l="-645" r="-788" b="-46698"/>
+                </a:stretch>
+              </a:blipFill>
+            </p:spPr>
+            <p:txBody>
+              <a:bodyPr/>
+              <a:lstStyle/>
+              <a:p>
+                <a:r>
+                  <a:rPr lang="zh-CN" altLang="en-US">
+                    <a:noFill/>
+                  </a:rPr>
+                  <a:t> </a:t>
+                </a:r>
+              </a:p>
+            </p:txBody>
+          </p:sp>
+        </mc:Fallback>
+      </mc:AlternateContent>
       <p:pic>
         <p:nvPicPr>
-          <p:cNvPr id="4" name="内容占位符 3"/>
+          <p:cNvPr id="2050" name="Picture 2"/>
           <p:cNvPicPr>
-            <a:picLocks noGrp="1" noChangeAspect="1"/>
+            <a:picLocks noChangeAspect="1" noChangeArrowheads="1"/>
           </p:cNvPicPr>
-          <p:nvPr>
-            <p:ph idx="1"/>
-          </p:nvPr>
+          <p:nvPr/>
         </p:nvPicPr>
         <p:blipFill>
-          <a:blip r:embed="rId2">
+          <a:blip r:embed="rId3">
             <a:extLst>
               <a:ext uri="{28A0092B-C50C-407E-A947-70E740481C1C}">
                 <a14:useLocalDpi xmlns:a14="http://schemas.microsoft.com/office/drawing/2010/main" val="0"/>
               </a:ext>
             </a:extLst>
           </a:blip>
+          <a:srcRect/>
           <a:stretch>
             <a:fillRect/>
           </a:stretch>
         </p:blipFill>
-        <p:spPr>
+        <p:spPr bwMode="auto">
           <a:xfrm>
-            <a:off x="1428588" y="1484784"/>
-            <a:ext cx="6286823" cy="3276768"/>
-          </a:xfrm>
-        </p:spPr>
-      </p:pic>
-      <p:sp>
-        <p:nvSpPr>
-          <p:cNvPr id="5" name="TextBox 4"/>
-          <p:cNvSpPr txBox="1"/>
-          <p:nvPr/>
-        </p:nvSpPr>
-        <p:spPr>
-          <a:xfrm>
-            <a:off x="1547664" y="5013176"/>
-            <a:ext cx="6408712" cy="369332"/>
+            <a:off x="1835696" y="2443757"/>
+            <a:ext cx="5353050" cy="3865563"/>
           </a:xfrm>
           <a:prstGeom prst="rect">
             <a:avLst/>
           </a:prstGeom>
           <a:noFill/>
+          <a:ln>
+            <a:noFill/>
+          </a:ln>
+          <a:effectLst/>
+          <a:extLst>
+            <a:ext uri="{909E8E84-426E-40DD-AFC4-6F175D3DCCD1}">
+              <a14:hiddenFill xmlns:a14="http://schemas.microsoft.com/office/drawing/2010/main">
+                <a:solidFill>
+                  <a:schemeClr val="accent1"/>
+                </a:solidFill>
+              </a14:hiddenFill>
+            </a:ext>
+            <a:ext uri="{91240B29-F687-4F45-9708-019B960494DF}">
+              <a14:hiddenLine xmlns:a14="http://schemas.microsoft.com/office/drawing/2010/main" w="9525">
+                <a:solidFill>
+                  <a:schemeClr val="tx1"/>
+                </a:solidFill>
+                <a:miter lim="800000"/>
+                <a:headEnd/>
+                <a:tailEnd/>
+              </a14:hiddenLine>
+            </a:ext>
+            <a:ext uri="{AF507438-7753-43E0-B8FC-AC1667EBCBE1}">
+              <a14:hiddenEffects xmlns:a14="http://schemas.microsoft.com/office/drawing/2010/main">
+                <a:effectLst>
+                  <a:outerShdw dist="35921" dir="2700000" algn="ctr" rotWithShape="0">
+                    <a:schemeClr val="bg2"/>
+                  </a:outerShdw>
+                </a:effectLst>
+              </a14:hiddenEffects>
+            </a:ext>
+          </a:extLst>
         </p:spPr>
-        <p:txBody>
-          <a:bodyPr wrap="square" rtlCol="0">
-            <a:spAutoFit/>
-          </a:bodyPr>
-          <a:lstStyle/>
-          <a:p>
-            <a:r>
-              <a:rPr lang="zh-CN" altLang="en-US" dirty="0" smtClean="0"/>
-              <a:t>采用多层神经网络</a:t>
-            </a:r>
-            <a:r>
-              <a:rPr lang="zh-CN" altLang="en-US" dirty="0" smtClean="0"/>
-              <a:t>进行</a:t>
-            </a:r>
-            <a:r>
-              <a:rPr lang="zh-CN" altLang="en-US" dirty="0"/>
-              <a:t>学习</a:t>
-            </a:r>
-            <a:endParaRPr lang="zh-CN" altLang="en-US" dirty="0"/>
-          </a:p>
-        </p:txBody>
-      </p:sp>
+      </p:pic>
     </p:spTree>
     <p:extLst>
       <p:ext uri="{BB962C8B-B14F-4D97-AF65-F5344CB8AC3E}">
-        <p14:creationId xmlns:p14="http://schemas.microsoft.com/office/powerpoint/2010/main" val="781835534"/>
+        <p14:creationId xmlns:p14="http://schemas.microsoft.com/office/powerpoint/2010/main" val="3676539933"/>
       </p:ext>
     </p:extLst>
   </p:cSld>
@@ -5492,16 +11066,23 @@
             <p:ph type="title"/>
           </p:nvPr>
         </p:nvSpPr>
-        <p:spPr/>
-        <p:txBody>
-          <a:bodyPr/>
+        <p:spPr>
+          <a:xfrm>
+            <a:off x="457200" y="274638"/>
+            <a:ext cx="8229600" cy="850106"/>
+          </a:xfrm>
+        </p:spPr>
+        <p:txBody>
+          <a:bodyPr>
+            <a:normAutofit/>
+          </a:bodyPr>
           <a:lstStyle/>
           <a:p>
             <a:r>
-              <a:rPr lang="zh-CN" altLang="en-US" dirty="0" smtClean="0"/>
-              <a:t>反向传播算法</a:t>
-            </a:r>
-            <a:endParaRPr lang="zh-CN" altLang="en-US" dirty="0"/>
+              <a:rPr lang="zh-CN" altLang="en-US" sz="3200" dirty="0" smtClean="0"/>
+              <a:t>分类问题</a:t>
+            </a:r>
+            <a:endParaRPr lang="zh-CN" altLang="en-US" sz="3200" dirty="0"/>
           </a:p>
         </p:txBody>
       </p:sp>
@@ -5515,156 +11096,618 @@
             <p:ph idx="1"/>
           </p:nvPr>
         </p:nvSpPr>
-        <p:spPr/>
-        <p:txBody>
-          <a:bodyPr/>
+        <p:spPr>
+          <a:xfrm>
+            <a:off x="457200" y="1412776"/>
+            <a:ext cx="8229600" cy="4093915"/>
+          </a:xfrm>
+        </p:spPr>
+        <p:txBody>
+          <a:bodyPr>
+            <a:normAutofit/>
+          </a:bodyPr>
           <a:lstStyle/>
           <a:p>
             <a:pPr marL="0" indent="0">
               <a:buNone/>
             </a:pPr>
-            <a:endParaRPr lang="en-US" altLang="zh-CN" dirty="0" smtClean="0"/>
-          </a:p>
-          <a:p>
-            <a:endParaRPr lang="en-US" altLang="zh-CN" dirty="0"/>
-          </a:p>
-          <a:p>
-            <a:endParaRPr lang="en-US" altLang="zh-CN" dirty="0" smtClean="0"/>
-          </a:p>
-          <a:p>
-            <a:endParaRPr lang="en-US" altLang="zh-CN" dirty="0"/>
-          </a:p>
-          <a:p>
-            <a:endParaRPr lang="en-US" altLang="zh-CN" dirty="0" smtClean="0"/>
-          </a:p>
-          <a:p>
-            <a:endParaRPr lang="zh-CN" altLang="en-US" dirty="0"/>
-          </a:p>
-        </p:txBody>
-      </p:sp>
-      <p:pic>
-        <p:nvPicPr>
-          <p:cNvPr id="5" name="图片 4"/>
-          <p:cNvPicPr>
-            <a:picLocks noChangeAspect="1"/>
-          </p:cNvPicPr>
-          <p:nvPr/>
-        </p:nvPicPr>
-        <p:blipFill>
-          <a:blip r:embed="rId2">
-            <a:extLst>
-              <a:ext uri="{28A0092B-C50C-407E-A947-70E740481C1C}">
-                <a14:useLocalDpi xmlns:a14="http://schemas.microsoft.com/office/drawing/2010/main" val="0"/>
-              </a:ext>
-            </a:extLst>
-          </a:blip>
-          <a:stretch>
-            <a:fillRect/>
-          </a:stretch>
-        </p:blipFill>
-        <p:spPr>
-          <a:xfrm>
-            <a:off x="1427023" y="2996952"/>
-            <a:ext cx="6241321" cy="3068625"/>
-          </a:xfrm>
-          <a:prstGeom prst="rect">
-            <a:avLst/>
-          </a:prstGeom>
-        </p:spPr>
-      </p:pic>
-      <p:sp>
-        <p:nvSpPr>
-          <p:cNvPr id="7" name="TextBox 6"/>
-          <p:cNvSpPr txBox="1"/>
-          <p:nvPr/>
-        </p:nvSpPr>
-        <p:spPr>
-          <a:xfrm>
-            <a:off x="1115616" y="1196752"/>
-            <a:ext cx="6696744" cy="923330"/>
-          </a:xfrm>
-          <a:prstGeom prst="rect">
-            <a:avLst/>
-          </a:prstGeom>
-          <a:noFill/>
-        </p:spPr>
-        <p:txBody>
-          <a:bodyPr wrap="square" rtlCol="0">
-            <a:spAutoFit/>
-          </a:bodyPr>
-          <a:lstStyle/>
-          <a:p>
-            <a:r>
-              <a:rPr lang="en-US" altLang="zh-CN" dirty="0" smtClean="0"/>
-              <a:t>BP</a:t>
-            </a:r>
-            <a:r>
-              <a:rPr lang="zh-CN" altLang="en-US" dirty="0" smtClean="0"/>
-              <a:t>算法思想</a:t>
-            </a:r>
-            <a:r>
-              <a:rPr lang="zh-CN" altLang="en-US" dirty="0" smtClean="0">
-                <a:sym typeface="Wingdings" pitchFamily="2" charset="2"/>
-              </a:rPr>
-              <a:t>：</a:t>
-            </a:r>
-            <a:r>
-              <a:rPr lang="en-US" altLang="zh-CN" dirty="0" smtClean="0">
-                <a:sym typeface="Wingdings" pitchFamily="2" charset="2"/>
-              </a:rPr>
+            <a:r>
+              <a:rPr lang="zh-CN" altLang="en-US" sz="2000" dirty="0" smtClean="0"/>
+              <a:t>例</a:t>
+            </a:r>
+            <a:r>
+              <a:rPr lang="en-US" altLang="zh-CN" sz="2000" dirty="0" smtClean="0"/>
+              <a:t>2</a:t>
+            </a:r>
+            <a:r>
+              <a:rPr lang="zh-CN" altLang="en-US" sz="2000" dirty="0" smtClean="0"/>
+              <a:t>稍作修改，在最后一列加上房子性价比，现在要在给定一组房子特征的情况下预测房子性价比。房子性价比高用数值</a:t>
+            </a:r>
+            <a:r>
+              <a:rPr lang="en-US" altLang="zh-CN" sz="2000" dirty="0" smtClean="0"/>
               <a:t>1</a:t>
             </a:r>
             <a:r>
-              <a:rPr lang="zh-CN" altLang="en-US" dirty="0" smtClean="0">
-                <a:sym typeface="Wingdings" pitchFamily="2" charset="2"/>
-              </a:rPr>
-              <a:t>、先计算每一层的状态和激活值，直到最后一层（即前向传播算法）</a:t>
-            </a:r>
-            <a:r>
-              <a:rPr lang="en-US" altLang="zh-CN" dirty="0" smtClean="0">
-                <a:sym typeface="Wingdings" pitchFamily="2" charset="2"/>
-              </a:rPr>
-              <a:t>2</a:t>
-            </a:r>
-            <a:r>
-              <a:rPr lang="zh-CN" altLang="en-US" dirty="0" smtClean="0">
-                <a:sym typeface="Wingdings" pitchFamily="2" charset="2"/>
-              </a:rPr>
-              <a:t>、计算每一层的误差，误差从最后一层开始</a:t>
-            </a:r>
-            <a:r>
-              <a:rPr lang="en-US" altLang="zh-CN" dirty="0" smtClean="0">
-                <a:sym typeface="Wingdings" pitchFamily="2" charset="2"/>
-              </a:rPr>
-              <a:t>3</a:t>
-            </a:r>
-            <a:r>
-              <a:rPr lang="zh-CN" altLang="en-US" dirty="0" smtClean="0">
-                <a:sym typeface="Wingdings" pitchFamily="2" charset="2"/>
-              </a:rPr>
-              <a:t>、更新参数使误差变小。</a:t>
-            </a:r>
-            <a:endParaRPr lang="zh-CN" altLang="en-US" dirty="0"/>
-          </a:p>
-        </p:txBody>
-      </p:sp>
+              <a:rPr lang="zh-CN" altLang="en-US" sz="2000" dirty="0" smtClean="0"/>
+              <a:t>表示，低用</a:t>
+            </a:r>
+            <a:r>
+              <a:rPr lang="en-US" altLang="zh-CN" sz="2000" dirty="0" smtClean="0"/>
+              <a:t>0</a:t>
+            </a:r>
+            <a:r>
+              <a:rPr lang="zh-CN" altLang="en-US" sz="2000" dirty="0" smtClean="0"/>
+              <a:t>表示。</a:t>
+            </a:r>
+            <a:endParaRPr lang="en-US" altLang="zh-CN" sz="2000" dirty="0" smtClean="0"/>
+          </a:p>
+          <a:p>
+            <a:pPr marL="0" indent="0">
+              <a:buNone/>
+            </a:pPr>
+            <a:endParaRPr lang="zh-CN" altLang="en-US" sz="2000" dirty="0"/>
+          </a:p>
+        </p:txBody>
+      </p:sp>
+      <p:graphicFrame>
+        <p:nvGraphicFramePr>
+          <p:cNvPr id="6" name="表格 5"/>
+          <p:cNvGraphicFramePr>
+            <a:graphicFrameLocks noGrp="1"/>
+          </p:cNvGraphicFramePr>
+          <p:nvPr>
+            <p:extLst>
+              <p:ext uri="{D42A27DB-BD31-4B8C-83A1-F6EECF244321}">
+                <p14:modId xmlns:p14="http://schemas.microsoft.com/office/powerpoint/2010/main" val="4122824502"/>
+              </p:ext>
+            </p:extLst>
+          </p:nvPr>
+        </p:nvGraphicFramePr>
+        <p:xfrm>
+          <a:off x="827584" y="2564904"/>
+          <a:ext cx="7056784" cy="2931160"/>
+        </p:xfrm>
+        <a:graphic>
+          <a:graphicData uri="http://schemas.openxmlformats.org/drawingml/2006/table">
+            <a:tbl>
+              <a:tblPr firstRow="1" bandRow="1">
+                <a:tableStyleId>{5C22544A-7EE6-4342-B048-85BDC9FD1C3A}</a:tableStyleId>
+              </a:tblPr>
+              <a:tblGrid>
+                <a:gridCol w="1008112"/>
+                <a:gridCol w="1008112"/>
+                <a:gridCol w="1008112"/>
+                <a:gridCol w="1008112"/>
+                <a:gridCol w="1008112"/>
+                <a:gridCol w="1008112"/>
+                <a:gridCol w="1008112"/>
+              </a:tblGrid>
+              <a:tr h="370840">
+                <a:tc>
+                  <a:txBody>
+                    <a:bodyPr/>
+                    <a:lstStyle/>
+                    <a:p>
+                      <a:r>
+                        <a:rPr lang="zh-CN" altLang="en-US" dirty="0" smtClean="0"/>
+                        <a:t>面积大小</a:t>
+                      </a:r>
+                      <a:endParaRPr lang="zh-CN" altLang="en-US" dirty="0"/>
+                    </a:p>
+                  </a:txBody>
+                  <a:tcPr/>
+                </a:tc>
+                <a:tc>
+                  <a:txBody>
+                    <a:bodyPr/>
+                    <a:lstStyle/>
+                    <a:p>
+                      <a:r>
+                        <a:rPr lang="zh-CN" altLang="en-US" dirty="0" smtClean="0"/>
+                        <a:t>地理位置</a:t>
+                      </a:r>
+                      <a:endParaRPr lang="zh-CN" altLang="en-US" dirty="0"/>
+                    </a:p>
+                  </a:txBody>
+                  <a:tcPr/>
+                </a:tc>
+                <a:tc>
+                  <a:txBody>
+                    <a:bodyPr/>
+                    <a:lstStyle/>
+                    <a:p>
+                      <a:r>
+                        <a:rPr lang="zh-CN" altLang="en-US" dirty="0" smtClean="0"/>
+                        <a:t>房间数量</a:t>
+                      </a:r>
+                      <a:endParaRPr lang="zh-CN" altLang="en-US" dirty="0"/>
+                    </a:p>
+                  </a:txBody>
+                  <a:tcPr/>
+                </a:tc>
+                <a:tc>
+                  <a:txBody>
+                    <a:bodyPr/>
+                    <a:lstStyle/>
+                    <a:p>
+                      <a:r>
+                        <a:rPr lang="en-US" altLang="zh-CN" dirty="0" smtClean="0"/>
+                        <a:t>…</a:t>
+                      </a:r>
+                      <a:endParaRPr lang="zh-CN" altLang="en-US" dirty="0"/>
+                    </a:p>
+                  </a:txBody>
+                  <a:tcPr/>
+                </a:tc>
+                <a:tc>
+                  <a:txBody>
+                    <a:bodyPr/>
+                    <a:lstStyle/>
+                    <a:p>
+                      <a:r>
+                        <a:rPr lang="zh-CN" altLang="en-US" dirty="0" smtClean="0"/>
+                        <a:t>房子朝向</a:t>
+                      </a:r>
+                      <a:endParaRPr lang="zh-CN" altLang="en-US" dirty="0"/>
+                    </a:p>
+                  </a:txBody>
+                  <a:tcPr/>
+                </a:tc>
+                <a:tc>
+                  <a:txBody>
+                    <a:bodyPr/>
+                    <a:lstStyle/>
+                    <a:p>
+                      <a:r>
+                        <a:rPr lang="zh-CN" altLang="en-US" dirty="0" smtClean="0"/>
+                        <a:t>售价</a:t>
+                      </a:r>
+                      <a:endParaRPr lang="zh-CN" altLang="en-US" dirty="0"/>
+                    </a:p>
+                  </a:txBody>
+                  <a:tcPr/>
+                </a:tc>
+                <a:tc>
+                  <a:txBody>
+                    <a:bodyPr/>
+                    <a:lstStyle/>
+                    <a:p>
+                      <a:r>
+                        <a:rPr lang="zh-CN" altLang="en-US" dirty="0" smtClean="0"/>
+                        <a:t>房子性价比</a:t>
+                      </a:r>
+                      <a:endParaRPr lang="zh-CN" altLang="en-US" dirty="0"/>
+                    </a:p>
+                  </a:txBody>
+                  <a:tcPr/>
+                </a:tc>
+              </a:tr>
+              <a:tr h="370840">
+                <a:tc>
+                  <a:txBody>
+                    <a:bodyPr/>
+                    <a:lstStyle/>
+                    <a:p>
+                      <a:r>
+                        <a:rPr lang="en-US" altLang="zh-CN" dirty="0" smtClean="0"/>
+                        <a:t>140m</a:t>
+                      </a:r>
+                      <a:r>
+                        <a:rPr lang="en-US" altLang="zh-CN" baseline="30000" dirty="0" smtClean="0"/>
+                        <a:t>2</a:t>
+                      </a:r>
+                      <a:endParaRPr lang="zh-CN" altLang="en-US" dirty="0"/>
+                    </a:p>
+                  </a:txBody>
+                  <a:tcPr/>
+                </a:tc>
+                <a:tc>
+                  <a:txBody>
+                    <a:bodyPr/>
+                    <a:lstStyle/>
+                    <a:p>
+                      <a:r>
+                        <a:rPr lang="en-US" altLang="zh-CN" dirty="0" smtClean="0"/>
+                        <a:t>B+</a:t>
+                      </a:r>
+                      <a:endParaRPr lang="zh-CN" altLang="en-US" dirty="0"/>
+                    </a:p>
+                  </a:txBody>
+                  <a:tcPr/>
+                </a:tc>
+                <a:tc>
+                  <a:txBody>
+                    <a:bodyPr/>
+                    <a:lstStyle/>
+                    <a:p>
+                      <a:r>
+                        <a:rPr lang="en-US" altLang="zh-CN" dirty="0" smtClean="0"/>
+                        <a:t>4</a:t>
+                      </a:r>
+                      <a:endParaRPr lang="zh-CN" altLang="en-US" dirty="0"/>
+                    </a:p>
+                  </a:txBody>
+                  <a:tcPr/>
+                </a:tc>
+                <a:tc>
+                  <a:txBody>
+                    <a:bodyPr/>
+                    <a:lstStyle/>
+                    <a:p>
+                      <a:r>
+                        <a:rPr lang="en-US" altLang="zh-CN" dirty="0" smtClean="0"/>
+                        <a:t>…</a:t>
+                      </a:r>
+                      <a:endParaRPr lang="zh-CN" altLang="en-US" dirty="0"/>
+                    </a:p>
+                  </a:txBody>
+                  <a:tcPr/>
+                </a:tc>
+                <a:tc>
+                  <a:txBody>
+                    <a:bodyPr/>
+                    <a:lstStyle/>
+                    <a:p>
+                      <a:r>
+                        <a:rPr lang="zh-CN" altLang="en-US" dirty="0" smtClean="0"/>
+                        <a:t>坐东朝西</a:t>
+                      </a:r>
+                      <a:endParaRPr lang="zh-CN" altLang="en-US" dirty="0"/>
+                    </a:p>
+                  </a:txBody>
+                  <a:tcPr/>
+                </a:tc>
+                <a:tc>
+                  <a:txBody>
+                    <a:bodyPr/>
+                    <a:lstStyle/>
+                    <a:p>
+                      <a:r>
+                        <a:rPr lang="en-US" altLang="zh-CN" dirty="0" smtClean="0"/>
+                        <a:t>160W</a:t>
+                      </a:r>
+                      <a:endParaRPr lang="zh-CN" altLang="en-US" dirty="0"/>
+                    </a:p>
+                  </a:txBody>
+                  <a:tcPr/>
+                </a:tc>
+                <a:tc>
+                  <a:txBody>
+                    <a:bodyPr/>
+                    <a:lstStyle/>
+                    <a:p>
+                      <a:r>
+                        <a:rPr lang="zh-CN" altLang="en-US" dirty="0" smtClean="0"/>
+                        <a:t>高</a:t>
+                      </a:r>
+                      <a:endParaRPr lang="zh-CN" altLang="en-US" dirty="0"/>
+                    </a:p>
+                  </a:txBody>
+                  <a:tcPr/>
+                </a:tc>
+              </a:tr>
+              <a:tr h="370840">
+                <a:tc>
+                  <a:txBody>
+                    <a:bodyPr/>
+                    <a:lstStyle/>
+                    <a:p>
+                      <a:r>
+                        <a:rPr lang="en-US" altLang="zh-CN" dirty="0" smtClean="0"/>
+                        <a:t>…</a:t>
+                      </a:r>
+                      <a:endParaRPr lang="zh-CN" altLang="en-US" dirty="0"/>
+                    </a:p>
+                  </a:txBody>
+                  <a:tcPr/>
+                </a:tc>
+                <a:tc>
+                  <a:txBody>
+                    <a:bodyPr/>
+                    <a:lstStyle/>
+                    <a:p>
+                      <a:r>
+                        <a:rPr lang="en-US" altLang="zh-CN" dirty="0" smtClean="0"/>
+                        <a:t>…</a:t>
+                      </a:r>
+                      <a:endParaRPr lang="zh-CN" altLang="en-US" dirty="0"/>
+                    </a:p>
+                  </a:txBody>
+                  <a:tcPr/>
+                </a:tc>
+                <a:tc>
+                  <a:txBody>
+                    <a:bodyPr/>
+                    <a:lstStyle/>
+                    <a:p>
+                      <a:r>
+                        <a:rPr lang="en-US" altLang="zh-CN" dirty="0" smtClean="0"/>
+                        <a:t>…</a:t>
+                      </a:r>
+                      <a:endParaRPr lang="zh-CN" altLang="en-US" dirty="0"/>
+                    </a:p>
+                  </a:txBody>
+                  <a:tcPr/>
+                </a:tc>
+                <a:tc>
+                  <a:txBody>
+                    <a:bodyPr/>
+                    <a:lstStyle/>
+                    <a:p>
+                      <a:r>
+                        <a:rPr lang="en-US" altLang="zh-CN" dirty="0" smtClean="0"/>
+                        <a:t>…</a:t>
+                      </a:r>
+                      <a:endParaRPr lang="zh-CN" altLang="en-US" dirty="0"/>
+                    </a:p>
+                  </a:txBody>
+                  <a:tcPr/>
+                </a:tc>
+                <a:tc>
+                  <a:txBody>
+                    <a:bodyPr/>
+                    <a:lstStyle/>
+                    <a:p>
+                      <a:r>
+                        <a:rPr lang="en-US" altLang="zh-CN" dirty="0" smtClean="0"/>
+                        <a:t>…</a:t>
+                      </a:r>
+                      <a:endParaRPr lang="zh-CN" altLang="en-US" dirty="0"/>
+                    </a:p>
+                  </a:txBody>
+                  <a:tcPr/>
+                </a:tc>
+                <a:tc>
+                  <a:txBody>
+                    <a:bodyPr/>
+                    <a:lstStyle/>
+                    <a:p>
+                      <a:r>
+                        <a:rPr lang="en-US" altLang="zh-CN" dirty="0" smtClean="0"/>
+                        <a:t>…</a:t>
+                      </a:r>
+                      <a:endParaRPr lang="zh-CN" altLang="en-US" dirty="0"/>
+                    </a:p>
+                  </a:txBody>
+                  <a:tcPr/>
+                </a:tc>
+                <a:tc>
+                  <a:txBody>
+                    <a:bodyPr/>
+                    <a:lstStyle/>
+                    <a:p>
+                      <a:r>
+                        <a:rPr lang="en-US" altLang="zh-CN" dirty="0" smtClean="0"/>
+                        <a:t>...</a:t>
+                      </a:r>
+                      <a:endParaRPr lang="zh-CN" altLang="en-US" dirty="0"/>
+                    </a:p>
+                  </a:txBody>
+                  <a:tcPr/>
+                </a:tc>
+              </a:tr>
+              <a:tr h="370840">
+                <a:tc>
+                  <a:txBody>
+                    <a:bodyPr/>
+                    <a:lstStyle/>
+                    <a:p>
+                      <a:r>
+                        <a:rPr lang="en-US" altLang="zh-CN" dirty="0" smtClean="0"/>
+                        <a:t>100m</a:t>
+                      </a:r>
+                      <a:r>
+                        <a:rPr lang="en-US" altLang="zh-CN" baseline="30000" dirty="0" smtClean="0"/>
+                        <a:t>2</a:t>
+                      </a:r>
+                      <a:endParaRPr lang="zh-CN" altLang="en-US" dirty="0"/>
+                    </a:p>
+                  </a:txBody>
+                  <a:tcPr/>
+                </a:tc>
+                <a:tc>
+                  <a:txBody>
+                    <a:bodyPr/>
+                    <a:lstStyle/>
+                    <a:p>
+                      <a:r>
+                        <a:rPr lang="en-US" altLang="zh-CN" dirty="0" smtClean="0"/>
+                        <a:t>A++</a:t>
+                      </a:r>
+                      <a:endParaRPr lang="zh-CN" altLang="en-US" dirty="0"/>
+                    </a:p>
+                  </a:txBody>
+                  <a:tcPr/>
+                </a:tc>
+                <a:tc>
+                  <a:txBody>
+                    <a:bodyPr/>
+                    <a:lstStyle/>
+                    <a:p>
+                      <a:r>
+                        <a:rPr lang="en-US" altLang="zh-CN" dirty="0" smtClean="0"/>
+                        <a:t>4</a:t>
+                      </a:r>
+                      <a:endParaRPr lang="zh-CN" altLang="en-US" dirty="0"/>
+                    </a:p>
+                  </a:txBody>
+                  <a:tcPr/>
+                </a:tc>
+                <a:tc>
+                  <a:txBody>
+                    <a:bodyPr/>
+                    <a:lstStyle/>
+                    <a:p>
+                      <a:r>
+                        <a:rPr lang="en-US" altLang="zh-CN" dirty="0" smtClean="0"/>
+                        <a:t>…</a:t>
+                      </a:r>
+                      <a:endParaRPr lang="zh-CN" altLang="en-US" dirty="0"/>
+                    </a:p>
+                  </a:txBody>
+                  <a:tcPr/>
+                </a:tc>
+                <a:tc>
+                  <a:txBody>
+                    <a:bodyPr/>
+                    <a:lstStyle/>
+                    <a:p>
+                      <a:r>
+                        <a:rPr lang="zh-CN" altLang="en-US" dirty="0" smtClean="0"/>
+                        <a:t>坐北朝南</a:t>
+                      </a:r>
+                      <a:endParaRPr lang="zh-CN" altLang="en-US" dirty="0"/>
+                    </a:p>
+                  </a:txBody>
+                  <a:tcPr/>
+                </a:tc>
+                <a:tc>
+                  <a:txBody>
+                    <a:bodyPr/>
+                    <a:lstStyle/>
+                    <a:p>
+                      <a:r>
+                        <a:rPr lang="en-US" altLang="zh-CN" dirty="0" smtClean="0"/>
+                        <a:t>200W</a:t>
+                      </a:r>
+                      <a:endParaRPr lang="zh-CN" altLang="en-US" dirty="0"/>
+                    </a:p>
+                  </a:txBody>
+                  <a:tcPr/>
+                </a:tc>
+                <a:tc>
+                  <a:txBody>
+                    <a:bodyPr/>
+                    <a:lstStyle/>
+                    <a:p>
+                      <a:r>
+                        <a:rPr lang="zh-CN" altLang="en-US" dirty="0" smtClean="0"/>
+                        <a:t>高</a:t>
+                      </a:r>
+                      <a:endParaRPr lang="zh-CN" altLang="en-US" dirty="0"/>
+                    </a:p>
+                  </a:txBody>
+                  <a:tcPr/>
+                </a:tc>
+              </a:tr>
+              <a:tr h="370840">
+                <a:tc>
+                  <a:txBody>
+                    <a:bodyPr/>
+                    <a:lstStyle/>
+                    <a:p>
+                      <a:r>
+                        <a:rPr lang="en-US" altLang="zh-CN" dirty="0" smtClean="0"/>
+                        <a:t>120m</a:t>
+                      </a:r>
+                      <a:r>
+                        <a:rPr lang="en-US" altLang="zh-CN" baseline="30000" dirty="0" smtClean="0"/>
+                        <a:t>2</a:t>
+                      </a:r>
+                      <a:endParaRPr lang="zh-CN" altLang="en-US" dirty="0"/>
+                    </a:p>
+                  </a:txBody>
+                  <a:tcPr/>
+                </a:tc>
+                <a:tc>
+                  <a:txBody>
+                    <a:bodyPr/>
+                    <a:lstStyle/>
+                    <a:p>
+                      <a:r>
+                        <a:rPr lang="en-US" altLang="zh-CN" dirty="0" smtClean="0"/>
+                        <a:t>A+</a:t>
+                      </a:r>
+                      <a:endParaRPr lang="zh-CN" altLang="en-US" dirty="0"/>
+                    </a:p>
+                  </a:txBody>
+                  <a:tcPr/>
+                </a:tc>
+                <a:tc>
+                  <a:txBody>
+                    <a:bodyPr/>
+                    <a:lstStyle/>
+                    <a:p>
+                      <a:r>
+                        <a:rPr lang="en-US" altLang="zh-CN" dirty="0" smtClean="0"/>
+                        <a:t>5</a:t>
+                      </a:r>
+                      <a:endParaRPr lang="zh-CN" altLang="en-US" dirty="0"/>
+                    </a:p>
+                  </a:txBody>
+                  <a:tcPr/>
+                </a:tc>
+                <a:tc>
+                  <a:txBody>
+                    <a:bodyPr/>
+                    <a:lstStyle/>
+                    <a:p>
+                      <a:r>
+                        <a:rPr lang="en-US" altLang="zh-CN" dirty="0" smtClean="0"/>
+                        <a:t>…</a:t>
+                      </a:r>
+                      <a:endParaRPr lang="zh-CN" altLang="en-US" dirty="0"/>
+                    </a:p>
+                  </a:txBody>
+                  <a:tcPr/>
+                </a:tc>
+                <a:tc>
+                  <a:txBody>
+                    <a:bodyPr/>
+                    <a:lstStyle/>
+                    <a:p>
+                      <a:r>
+                        <a:rPr lang="zh-CN" altLang="en-US" dirty="0" smtClean="0"/>
+                        <a:t>坐北朝南</a:t>
+                      </a:r>
+                      <a:endParaRPr lang="zh-CN" altLang="en-US" dirty="0"/>
+                    </a:p>
+                  </a:txBody>
+                  <a:tcPr/>
+                </a:tc>
+                <a:tc>
+                  <a:txBody>
+                    <a:bodyPr/>
+                    <a:lstStyle/>
+                    <a:p>
+                      <a:r>
+                        <a:rPr lang="en-US" altLang="zh-CN" dirty="0" smtClean="0"/>
+                        <a:t>230W</a:t>
+                      </a:r>
+                      <a:endParaRPr lang="zh-CN" altLang="en-US" dirty="0"/>
+                    </a:p>
+                  </a:txBody>
+                  <a:tcPr/>
+                </a:tc>
+                <a:tc>
+                  <a:txBody>
+                    <a:bodyPr/>
+                    <a:lstStyle/>
+                    <a:p>
+                      <a:r>
+                        <a:rPr lang="zh-CN" altLang="en-US" dirty="0" smtClean="0"/>
+                        <a:t>低</a:t>
+                      </a:r>
+                      <a:endParaRPr lang="zh-CN" altLang="en-US" dirty="0"/>
+                    </a:p>
+                  </a:txBody>
+                  <a:tcPr/>
+                </a:tc>
+              </a:tr>
+            </a:tbl>
+          </a:graphicData>
+        </a:graphic>
+      </p:graphicFrame>
     </p:spTree>
     <p:extLst>
       <p:ext uri="{BB962C8B-B14F-4D97-AF65-F5344CB8AC3E}">
-        <p14:creationId xmlns:p14="http://schemas.microsoft.com/office/powerpoint/2010/main" val="2449592252"/>
+        <p14:creationId xmlns:p14="http://schemas.microsoft.com/office/powerpoint/2010/main" val="2978316252"/>
       </p:ext>
     </p:extLst>
   </p:cSld>
   <p:clrMapOvr>
     <a:masterClrMapping/>
   </p:clrMapOvr>
-  <p:timing>
-    <p:tnLst>
-      <p:par>
-        <p:cTn id="1" dur="indefinite" restart="never" nodeType="tmRoot"/>
-      </p:par>
-    </p:tnLst>
-  </p:timing>
 </p:sld>
 </file>
 
